--- a/PPts and stuff/Eventpro.pptx
+++ b/PPts and stuff/Eventpro.pptx
@@ -2,31 +2,31 @@
 <file path=ppt/presentation.xml><?xml version="1.0" encoding="utf-8"?>
 <p:presentation xmlns:a="http://schemas.openxmlformats.org/drawingml/2006/main" xmlns:r="http://schemas.openxmlformats.org/officeDocument/2006/relationships" xmlns:p="http://schemas.openxmlformats.org/presentationml/2006/main" saveSubsetFonts="1">
   <p:sldMasterIdLst>
-    <p:sldMasterId id="2147483780" r:id="rId1"/>
+    <p:sldMasterId id="2147483816" r:id="rId1"/>
   </p:sldMasterIdLst>
   <p:sldIdLst>
     <p:sldId id="256" r:id="rId2"/>
-    <p:sldId id="257" r:id="rId3"/>
-    <p:sldId id="258" r:id="rId4"/>
-    <p:sldId id="259" r:id="rId5"/>
-    <p:sldId id="260" r:id="rId6"/>
-    <p:sldId id="261" r:id="rId7"/>
-    <p:sldId id="262" r:id="rId8"/>
-    <p:sldId id="263" r:id="rId9"/>
-    <p:sldId id="264" r:id="rId10"/>
-    <p:sldId id="265" r:id="rId11"/>
-    <p:sldId id="266" r:id="rId12"/>
-    <p:sldId id="267" r:id="rId13"/>
-    <p:sldId id="268" r:id="rId14"/>
-    <p:sldId id="269" r:id="rId15"/>
-    <p:sldId id="270" r:id="rId16"/>
-    <p:sldId id="271" r:id="rId17"/>
-    <p:sldId id="272" r:id="rId18"/>
-    <p:sldId id="273" r:id="rId19"/>
-    <p:sldId id="274" r:id="rId20"/>
-    <p:sldId id="277" r:id="rId21"/>
-    <p:sldId id="275" r:id="rId22"/>
-    <p:sldId id="276" r:id="rId23"/>
+    <p:sldId id="276" r:id="rId3"/>
+    <p:sldId id="257" r:id="rId4"/>
+    <p:sldId id="258" r:id="rId5"/>
+    <p:sldId id="259" r:id="rId6"/>
+    <p:sldId id="260" r:id="rId7"/>
+    <p:sldId id="261" r:id="rId8"/>
+    <p:sldId id="262" r:id="rId9"/>
+    <p:sldId id="263" r:id="rId10"/>
+    <p:sldId id="264" r:id="rId11"/>
+    <p:sldId id="265" r:id="rId12"/>
+    <p:sldId id="266" r:id="rId13"/>
+    <p:sldId id="267" r:id="rId14"/>
+    <p:sldId id="268" r:id="rId15"/>
+    <p:sldId id="269" r:id="rId16"/>
+    <p:sldId id="270" r:id="rId17"/>
+    <p:sldId id="271" r:id="rId18"/>
+    <p:sldId id="272" r:id="rId19"/>
+    <p:sldId id="273" r:id="rId20"/>
+    <p:sldId id="274" r:id="rId21"/>
+    <p:sldId id="277" r:id="rId22"/>
+    <p:sldId id="275" r:id="rId23"/>
     <p:sldId id="278" r:id="rId24"/>
     <p:sldId id="279" r:id="rId25"/>
     <p:sldId id="280" r:id="rId26"/>
@@ -134,7 +134,7 @@
 </file>
 
 <file path=ppt/slideLayouts/slideLayout1.xml><?xml version="1.0" encoding="utf-8"?>
-<p:sldLayout xmlns:a="http://schemas.openxmlformats.org/drawingml/2006/main" xmlns:r="http://schemas.openxmlformats.org/officeDocument/2006/relationships" xmlns:p="http://schemas.openxmlformats.org/presentationml/2006/main" showMasterSp="0" type="title" preserve="1">
+<p:sldLayout xmlns:a="http://schemas.openxmlformats.org/drawingml/2006/main" xmlns:r="http://schemas.openxmlformats.org/officeDocument/2006/relationships" xmlns:p="http://schemas.openxmlformats.org/presentationml/2006/main" type="title" preserve="1">
   <p:cSld name="Title Slide">
     <p:spTree>
       <p:nvGrpSpPr>
@@ -152,125 +152,29 @@
       </p:grpSpPr>
       <p:sp>
         <p:nvSpPr>
-          <p:cNvPr id="10" name="Rectangle 9"/>
-          <p:cNvSpPr/>
-          <p:nvPr/>
+          <p:cNvPr id="2" name="Title 1"/>
+          <p:cNvSpPr>
+            <a:spLocks noGrp="1"/>
+          </p:cNvSpPr>
+          <p:nvPr>
+            <p:ph type="ctrTitle"/>
+          </p:nvPr>
         </p:nvSpPr>
         <p:spPr>
           <a:xfrm>
-            <a:off x="0" y="0"/>
-            <a:ext cx="9144000" cy="2933700"/>
-          </a:xfrm>
-          <a:prstGeom prst="rect">
-            <a:avLst/>
-          </a:prstGeom>
-          <a:solidFill>
-            <a:schemeClr val="bg1"/>
-          </a:solidFill>
-          <a:ln>
-            <a:noFill/>
-          </a:ln>
-        </p:spPr>
-        <p:style>
-          <a:lnRef idx="2">
-            <a:schemeClr val="accent1">
-              <a:shade val="50000"/>
-            </a:schemeClr>
-          </a:lnRef>
-          <a:fillRef idx="1">
-            <a:schemeClr val="accent1"/>
-          </a:fillRef>
-          <a:effectRef idx="0">
-            <a:schemeClr val="accent1"/>
-          </a:effectRef>
-          <a:fontRef idx="minor">
-            <a:schemeClr val="lt1"/>
-          </a:fontRef>
-        </p:style>
-        <p:txBody>
-          <a:bodyPr rtlCol="0" anchor="ctr"/>
-          <a:lstStyle/>
-          <a:p>
-            <a:pPr algn="ctr"/>
+            <a:off x="685800" y="2130425"/>
+            <a:ext cx="7772400" cy="1470025"/>
+          </a:xfrm>
+        </p:spPr>
+        <p:txBody>
+          <a:bodyPr/>
+          <a:lstStyle/>
+          <a:p>
+            <a:r>
+              <a:rPr lang="en-US" smtClean="0"/>
+              <a:t>Click to edit Master title style</a:t>
+            </a:r>
             <a:endParaRPr lang="en-US"/>
-          </a:p>
-        </p:txBody>
-      </p:sp>
-      <p:cxnSp>
-        <p:nvCxnSpPr>
-          <p:cNvPr id="18" name="Straight Connector 17"/>
-          <p:cNvCxnSpPr/>
-          <p:nvPr/>
-        </p:nvCxnSpPr>
-        <p:spPr>
-          <a:xfrm>
-            <a:off x="0" y="2925286"/>
-            <a:ext cx="9144000" cy="1588"/>
-          </a:xfrm>
-          <a:prstGeom prst="line">
-            <a:avLst/>
-          </a:prstGeom>
-          <a:ln w="12700"/>
-        </p:spPr>
-        <p:style>
-          <a:lnRef idx="1">
-            <a:schemeClr val="accent1"/>
-          </a:lnRef>
-          <a:fillRef idx="0">
-            <a:schemeClr val="accent1"/>
-          </a:fillRef>
-          <a:effectRef idx="0">
-            <a:schemeClr val="accent1"/>
-          </a:effectRef>
-          <a:fontRef idx="minor">
-            <a:schemeClr val="tx1"/>
-          </a:fontRef>
-        </p:style>
-      </p:cxnSp>
-      <p:sp>
-        <p:nvSpPr>
-          <p:cNvPr id="13" name="Rectangle 12"/>
-          <p:cNvSpPr/>
-          <p:nvPr/>
-        </p:nvSpPr>
-        <p:spPr>
-          <a:xfrm>
-            <a:off x="2514600" y="2362200"/>
-            <a:ext cx="4114800" cy="1127760"/>
-          </a:xfrm>
-          <a:prstGeom prst="rect">
-            <a:avLst/>
-          </a:prstGeom>
-          <a:solidFill>
-            <a:schemeClr val="tx1"/>
-          </a:solidFill>
-          <a:ln w="76200" cmpd="thinThick">
-            <a:solidFill>
-              <a:schemeClr val="tx1"/>
-            </a:solidFill>
-            <a:miter lim="800000"/>
-          </a:ln>
-        </p:spPr>
-        <p:txBody>
-          <a:bodyPr vert="horz" lIns="91440" tIns="45720" rIns="91440" bIns="45720" rtlCol="0" anchor="ctr" anchorCtr="0">
-            <a:normAutofit/>
-          </a:bodyPr>
-          <a:lstStyle/>
-          <a:p>
-            <a:pPr algn="ctr" defTabSz="914400" rtl="0" eaLnBrk="1" latinLnBrk="0" hangingPunct="1">
-              <a:spcBef>
-                <a:spcPts val="400"/>
-              </a:spcBef>
-              <a:buNone/>
-            </a:pPr>
-            <a:endParaRPr lang="en-US" sz="1800" b="1" kern="1200" cap="all" spc="0" baseline="0" smtClean="0">
-              <a:solidFill>
-                <a:schemeClr val="bg1"/>
-              </a:solidFill>
-              <a:latin typeface="+mj-lt"/>
-              <a:ea typeface="+mj-ea"/>
-              <a:cs typeface="Tunga" pitchFamily="2"/>
-            </a:endParaRPr>
           </a:p>
         </p:txBody>
       </p:sp>
@@ -286,22 +190,19 @@
         </p:nvSpPr>
         <p:spPr>
           <a:xfrm>
-            <a:off x="2565400" y="3045460"/>
-            <a:ext cx="4013200" cy="428625"/>
-          </a:xfrm>
-        </p:spPr>
-        <p:txBody>
-          <a:bodyPr tIns="0" anchor="t">
-            <a:noAutofit/>
-          </a:bodyPr>
+            <a:off x="1371600" y="3886200"/>
+            <a:ext cx="6400800" cy="1752600"/>
+          </a:xfrm>
+        </p:spPr>
+        <p:txBody>
+          <a:bodyPr/>
           <a:lstStyle>
             <a:lvl1pPr marL="0" indent="0" algn="ctr">
               <a:buNone/>
-              <a:defRPr sz="1600" b="0" i="0" cap="none" spc="0" baseline="0">
+              <a:defRPr>
                 <a:solidFill>
-                  <a:schemeClr val="bg1">
-                    <a:lumMod val="75000"/>
-                    <a:lumOff val="25000"/>
+                  <a:schemeClr val="tx1">
+                    <a:tint val="75000"/>
                   </a:schemeClr>
                 </a:solidFill>
               </a:defRPr>
@@ -392,57 +293,13 @@
               <a:rPr lang="en-US" smtClean="0"/>
               <a:t>Click to edit Master subtitle style</a:t>
             </a:r>
-            <a:endParaRPr lang="en-US" dirty="0"/>
-          </a:p>
-        </p:txBody>
-      </p:sp>
-      <p:sp>
-        <p:nvSpPr>
-          <p:cNvPr id="12" name="Title 11"/>
-          <p:cNvSpPr>
-            <a:spLocks noGrp="1"/>
-          </p:cNvSpPr>
-          <p:nvPr>
-            <p:ph type="title"/>
-          </p:nvPr>
-        </p:nvSpPr>
-        <p:spPr>
-          <a:xfrm>
-            <a:off x="2565400" y="2397760"/>
-            <a:ext cx="4013200" cy="599440"/>
-          </a:xfrm>
-          <a:noFill/>
-          <a:ln>
-            <a:noFill/>
-          </a:ln>
-        </p:spPr>
-        <p:txBody>
-          <a:bodyPr bIns="0" anchor="b"/>
-          <a:lstStyle>
-            <a:lvl1pPr>
-              <a:defRPr>
-                <a:effectLst>
-                  <a:glow rad="88900">
-                    <a:schemeClr val="tx1">
-                      <a:alpha val="60000"/>
-                    </a:schemeClr>
-                  </a:glow>
-                </a:effectLst>
-              </a:defRPr>
-            </a:lvl1pPr>
-          </a:lstStyle>
-          <a:p>
-            <a:r>
-              <a:rPr lang="en-US" smtClean="0"/>
-              <a:t>Click to edit Master title style</a:t>
-            </a:r>
-            <a:endParaRPr lang="en-US" dirty="0"/>
-          </a:p>
-        </p:txBody>
-      </p:sp>
-      <p:sp>
-        <p:nvSpPr>
-          <p:cNvPr id="11" name="Date Placeholder 10"/>
+            <a:endParaRPr lang="en-US"/>
+          </a:p>
+        </p:txBody>
+      </p:sp>
+      <p:sp>
+        <p:nvSpPr>
+          <p:cNvPr id="4" name="Date Placeholder 3"/>
           <p:cNvSpPr>
             <a:spLocks noGrp="1"/>
           </p:cNvSpPr>
@@ -450,14 +307,15 @@
             <p:ph type="dt" sz="half" idx="10"/>
           </p:nvPr>
         </p:nvSpPr>
-        <p:spPr bwMode="black"/>
+        <p:spPr/>
         <p:txBody>
           <a:bodyPr/>
           <a:lstStyle/>
           <a:p>
             <a:fld id="{55705980-5705-41E2-8A06-C4141CD6B3E4}" type="datetimeFigureOut">
               <a:rPr lang="en-US" smtClean="0"/>
-              <a:t>11/7/2023</a:t>
+              <a:pPr/>
+              <a:t>6/27/2024</a:t>
             </a:fld>
             <a:endParaRPr lang="en-US"/>
           </a:p>
@@ -465,12 +323,12 @@
       </p:sp>
       <p:sp>
         <p:nvSpPr>
-          <p:cNvPr id="17" name="Slide Number Placeholder 16"/>
+          <p:cNvPr id="5" name="Footer Placeholder 4"/>
           <p:cNvSpPr>
             <a:spLocks noGrp="1"/>
           </p:cNvSpPr>
           <p:nvPr>
-            <p:ph type="sldNum" sz="quarter" idx="11"/>
+            <p:ph type="ftr" sz="quarter" idx="11"/>
           </p:nvPr>
         </p:nvSpPr>
         <p:spPr/>
@@ -478,22 +336,18 @@
           <a:bodyPr/>
           <a:lstStyle/>
           <a:p>
-            <a:fld id="{B2D25BA2-B931-4137-83A9-D076D252D4E1}" type="slidenum">
-              <a:rPr lang="en-US" smtClean="0"/>
-              <a:t>‹#›</a:t>
-            </a:fld>
             <a:endParaRPr lang="en-US"/>
           </a:p>
         </p:txBody>
       </p:sp>
       <p:sp>
         <p:nvSpPr>
-          <p:cNvPr id="19" name="Footer Placeholder 18"/>
+          <p:cNvPr id="6" name="Slide Number Placeholder 5"/>
           <p:cNvSpPr>
             <a:spLocks noGrp="1"/>
           </p:cNvSpPr>
           <p:nvPr>
-            <p:ph type="ftr" sz="quarter" idx="12"/>
+            <p:ph type="sldNum" sz="quarter" idx="12"/>
           </p:nvPr>
         </p:nvSpPr>
         <p:spPr/>
@@ -501,6 +355,11 @@
           <a:bodyPr/>
           <a:lstStyle/>
           <a:p>
+            <a:fld id="{B2D25BA2-B931-4137-83A9-D076D252D4E1}" type="slidenum">
+              <a:rPr lang="en-US" smtClean="0"/>
+              <a:pPr/>
+              <a:t>‹#›</a:t>
+            </a:fld>
             <a:endParaRPr lang="en-US"/>
           </a:p>
         </p:txBody>
@@ -622,7 +481,8 @@
           <a:p>
             <a:fld id="{55705980-5705-41E2-8A06-C4141CD6B3E4}" type="datetimeFigureOut">
               <a:rPr lang="en-US" smtClean="0"/>
-              <a:t>11/7/2023</a:t>
+              <a:pPr/>
+              <a:t>6/27/2024</a:t>
             </a:fld>
             <a:endParaRPr lang="en-US"/>
           </a:p>
@@ -664,6 +524,7 @@
           <a:p>
             <a:fld id="{B2D25BA2-B931-4137-83A9-D076D252D4E1}" type="slidenum">
               <a:rPr lang="en-US" smtClean="0"/>
+              <a:pPr/>
               <a:t>‹#›</a:t>
             </a:fld>
             <a:endParaRPr lang="en-US"/>
@@ -679,7 +540,7 @@
 </file>
 
 <file path=ppt/slideLayouts/slideLayout11.xml><?xml version="1.0" encoding="utf-8"?>
-<p:sldLayout xmlns:a="http://schemas.openxmlformats.org/drawingml/2006/main" xmlns:r="http://schemas.openxmlformats.org/officeDocument/2006/relationships" xmlns:p="http://schemas.openxmlformats.org/presentationml/2006/main" showMasterSp="0" type="vertTitleAndTx" preserve="1">
+<p:sldLayout xmlns:a="http://schemas.openxmlformats.org/drawingml/2006/main" xmlns:r="http://schemas.openxmlformats.org/officeDocument/2006/relationships" xmlns:p="http://schemas.openxmlformats.org/presentationml/2006/main" type="vertTitleAndTx" preserve="1">
   <p:cSld name="Vertical Title and Text">
     <p:spTree>
       <p:nvGrpSpPr>
@@ -695,85 +556,30 @@
           <a:chExt cx="0" cy="0"/>
         </a:xfrm>
       </p:grpSpPr>
-      <p:cxnSp>
-        <p:nvCxnSpPr>
-          <p:cNvPr id="9" name="Straight Connector 8"/>
-          <p:cNvCxnSpPr/>
-          <p:nvPr/>
-        </p:nvCxnSpPr>
+      <p:sp>
+        <p:nvSpPr>
+          <p:cNvPr id="2" name="Vertical Title 1"/>
+          <p:cNvSpPr>
+            <a:spLocks noGrp="1"/>
+          </p:cNvSpPr>
+          <p:nvPr>
+            <p:ph type="title" orient="vert"/>
+          </p:nvPr>
+        </p:nvSpPr>
         <p:spPr>
-          <a:xfrm rot="5400000">
-            <a:off x="4267200" y="3429000"/>
-            <a:ext cx="6858000" cy="1588"/>
-          </a:xfrm>
-          <a:prstGeom prst="line">
-            <a:avLst/>
-          </a:prstGeom>
-          <a:ln w="12700">
-            <a:solidFill>
-              <a:schemeClr val="tx2">
-                <a:lumMod val="75000"/>
-              </a:schemeClr>
-            </a:solidFill>
-          </a:ln>
-        </p:spPr>
-        <p:style>
-          <a:lnRef idx="1">
-            <a:schemeClr val="accent1"/>
-          </a:lnRef>
-          <a:fillRef idx="0">
-            <a:schemeClr val="accent1"/>
-          </a:fillRef>
-          <a:effectRef idx="0">
-            <a:schemeClr val="accent1"/>
-          </a:effectRef>
-          <a:fontRef idx="minor">
-            <a:schemeClr val="tx1"/>
-          </a:fontRef>
-        </p:style>
-      </p:cxnSp>
-      <p:sp>
-        <p:nvSpPr>
-          <p:cNvPr id="7" name="Rectangle 6"/>
-          <p:cNvSpPr/>
-          <p:nvPr/>
-        </p:nvSpPr>
-        <p:spPr bwMode="hidden">
-          <a:xfrm>
-            <a:off x="0" y="1"/>
-            <a:ext cx="7696200" cy="6858000"/>
-          </a:xfrm>
-          <a:prstGeom prst="rect">
-            <a:avLst/>
-          </a:prstGeom>
-          <a:solidFill>
-            <a:schemeClr val="bg1"/>
-          </a:solidFill>
-          <a:ln>
-            <a:noFill/>
-          </a:ln>
-        </p:spPr>
-        <p:style>
-          <a:lnRef idx="2">
-            <a:schemeClr val="accent1">
-              <a:shade val="50000"/>
-            </a:schemeClr>
-          </a:lnRef>
-          <a:fillRef idx="1">
-            <a:schemeClr val="accent1"/>
-          </a:fillRef>
-          <a:effectRef idx="0">
-            <a:schemeClr val="accent1"/>
-          </a:effectRef>
-          <a:fontRef idx="minor">
-            <a:schemeClr val="lt1"/>
-          </a:fontRef>
-        </p:style>
-        <p:txBody>
-          <a:bodyPr rtlCol="0" anchor="ctr"/>
-          <a:lstStyle/>
-          <a:p>
-            <a:pPr algn="ctr"/>
+          <a:xfrm>
+            <a:off x="6629400" y="274638"/>
+            <a:ext cx="2057400" cy="5851525"/>
+          </a:xfrm>
+        </p:spPr>
+        <p:txBody>
+          <a:bodyPr vert="eaVert"/>
+          <a:lstStyle/>
+          <a:p>
+            <a:r>
+              <a:rPr lang="en-US" smtClean="0"/>
+              <a:t>Click to edit Master title style</a:t>
+            </a:r>
             <a:endParaRPr lang="en-US"/>
           </a:p>
         </p:txBody>
@@ -790,8 +596,8 @@
         </p:nvSpPr>
         <p:spPr>
           <a:xfrm>
-            <a:off x="457200" y="914401"/>
-            <a:ext cx="6629400" cy="5029200"/>
+            <a:off x="457200" y="274638"/>
+            <a:ext cx="6019800" cy="5851525"/>
           </a:xfrm>
         </p:spPr>
         <p:txBody>
@@ -852,7 +658,8 @@
           <a:p>
             <a:fld id="{55705980-5705-41E2-8A06-C4141CD6B3E4}" type="datetimeFigureOut">
               <a:rPr lang="en-US" smtClean="0"/>
-              <a:t>11/7/2023</a:t>
+              <a:pPr/>
+              <a:t>6/27/2024</a:t>
             </a:fld>
             <a:endParaRPr lang="en-US"/>
           </a:p>
@@ -894,36 +701,9 @@
           <a:p>
             <a:fld id="{B2D25BA2-B931-4137-83A9-D076D252D4E1}" type="slidenum">
               <a:rPr lang="en-US" smtClean="0"/>
+              <a:pPr/>
               <a:t>‹#›</a:t>
             </a:fld>
-            <a:endParaRPr lang="en-US"/>
-          </a:p>
-        </p:txBody>
-      </p:sp>
-      <p:sp>
-        <p:nvSpPr>
-          <p:cNvPr id="2" name="Vertical Title 1"/>
-          <p:cNvSpPr>
-            <a:spLocks noGrp="1"/>
-          </p:cNvSpPr>
-          <p:nvPr>
-            <p:ph type="title" orient="vert"/>
-          </p:nvPr>
-        </p:nvSpPr>
-        <p:spPr>
-          <a:xfrm>
-            <a:off x="7239000" y="914401"/>
-            <a:ext cx="926980" cy="5029200"/>
-          </a:xfrm>
-        </p:spPr>
-        <p:txBody>
-          <a:bodyPr vert="eaVert"/>
-          <a:lstStyle/>
-          <a:p>
-            <a:r>
-              <a:rPr lang="en-US" smtClean="0"/>
-              <a:t>Click to edit Master title style</a:t>
-            </a:r>
             <a:endParaRPr lang="en-US"/>
           </a:p>
         </p:txBody>
@@ -955,64 +735,7 @@
       </p:grpSpPr>
       <p:sp>
         <p:nvSpPr>
-          <p:cNvPr id="31" name="Content Placeholder 30"/>
-          <p:cNvSpPr>
-            <a:spLocks noGrp="1"/>
-          </p:cNvSpPr>
-          <p:nvPr>
-            <p:ph sz="quarter" idx="13"/>
-          </p:nvPr>
-        </p:nvSpPr>
-        <p:spPr>
-          <a:xfrm>
-            <a:off x="457200" y="2020824"/>
-            <a:ext cx="8229600" cy="4075176"/>
-          </a:xfrm>
-        </p:spPr>
-        <p:txBody>
-          <a:bodyPr/>
-          <a:lstStyle/>
-          <a:p>
-            <a:pPr lvl="0"/>
-            <a:r>
-              <a:rPr lang="en-US" smtClean="0"/>
-              <a:t>Click to edit Master text styles</a:t>
-            </a:r>
-          </a:p>
-          <a:p>
-            <a:pPr lvl="1"/>
-            <a:r>
-              <a:rPr lang="en-US" smtClean="0"/>
-              <a:t>Second level</a:t>
-            </a:r>
-          </a:p>
-          <a:p>
-            <a:pPr lvl="2"/>
-            <a:r>
-              <a:rPr lang="en-US" smtClean="0"/>
-              <a:t>Third level</a:t>
-            </a:r>
-          </a:p>
-          <a:p>
-            <a:pPr lvl="3"/>
-            <a:r>
-              <a:rPr lang="en-US" smtClean="0"/>
-              <a:t>Fourth level</a:t>
-            </a:r>
-          </a:p>
-          <a:p>
-            <a:pPr lvl="4"/>
-            <a:r>
-              <a:rPr lang="en-US" smtClean="0"/>
-              <a:t>Fifth level</a:t>
-            </a:r>
-            <a:endParaRPr lang="en-US" dirty="0"/>
-          </a:p>
-        </p:txBody>
-      </p:sp>
-      <p:sp>
-        <p:nvSpPr>
-          <p:cNvPr id="9" name="Title 8"/>
+          <p:cNvPr id="2" name="Title 1"/>
           <p:cNvSpPr>
             <a:spLocks noGrp="1"/>
           </p:cNvSpPr>
@@ -1035,12 +758,12 @@
       </p:sp>
       <p:sp>
         <p:nvSpPr>
-          <p:cNvPr id="11" name="Date Placeholder 10"/>
+          <p:cNvPr id="3" name="Content Placeholder 2"/>
           <p:cNvSpPr>
             <a:spLocks noGrp="1"/>
           </p:cNvSpPr>
           <p:nvPr>
-            <p:ph type="dt" sz="half" idx="14"/>
+            <p:ph idx="1"/>
           </p:nvPr>
         </p:nvSpPr>
         <p:spPr/>
@@ -1048,22 +771,51 @@
           <a:bodyPr/>
           <a:lstStyle/>
           <a:p>
-            <a:fld id="{55705980-5705-41E2-8A06-C4141CD6B3E4}" type="datetimeFigureOut">
-              <a:rPr lang="en-US" smtClean="0"/>
-              <a:t>11/7/2023</a:t>
-            </a:fld>
+            <a:pPr lvl="0"/>
+            <a:r>
+              <a:rPr lang="en-US" smtClean="0"/>
+              <a:t>Click to edit Master text styles</a:t>
+            </a:r>
+          </a:p>
+          <a:p>
+            <a:pPr lvl="1"/>
+            <a:r>
+              <a:rPr lang="en-US" smtClean="0"/>
+              <a:t>Second level</a:t>
+            </a:r>
+          </a:p>
+          <a:p>
+            <a:pPr lvl="2"/>
+            <a:r>
+              <a:rPr lang="en-US" smtClean="0"/>
+              <a:t>Third level</a:t>
+            </a:r>
+          </a:p>
+          <a:p>
+            <a:pPr lvl="3"/>
+            <a:r>
+              <a:rPr lang="en-US" smtClean="0"/>
+              <a:t>Fourth level</a:t>
+            </a:r>
+          </a:p>
+          <a:p>
+            <a:pPr lvl="4"/>
+            <a:r>
+              <a:rPr lang="en-US" smtClean="0"/>
+              <a:t>Fifth level</a:t>
+            </a:r>
             <a:endParaRPr lang="en-US"/>
           </a:p>
         </p:txBody>
       </p:sp>
       <p:sp>
         <p:nvSpPr>
-          <p:cNvPr id="12" name="Slide Number Placeholder 11"/>
+          <p:cNvPr id="4" name="Date Placeholder 3"/>
           <p:cNvSpPr>
             <a:spLocks noGrp="1"/>
           </p:cNvSpPr>
           <p:nvPr>
-            <p:ph type="sldNum" sz="quarter" idx="15"/>
+            <p:ph type="dt" sz="half" idx="10"/>
           </p:nvPr>
         </p:nvSpPr>
         <p:spPr/>
@@ -1071,9 +823,10 @@
           <a:bodyPr/>
           <a:lstStyle/>
           <a:p>
-            <a:fld id="{B2D25BA2-B931-4137-83A9-D076D252D4E1}" type="slidenum">
-              <a:rPr lang="en-US" smtClean="0"/>
-              <a:t>‹#›</a:t>
+            <a:fld id="{55705980-5705-41E2-8A06-C4141CD6B3E4}" type="datetimeFigureOut">
+              <a:rPr lang="en-US" smtClean="0"/>
+              <a:pPr/>
+              <a:t>6/27/2024</a:t>
             </a:fld>
             <a:endParaRPr lang="en-US"/>
           </a:p>
@@ -1081,12 +834,12 @@
       </p:sp>
       <p:sp>
         <p:nvSpPr>
-          <p:cNvPr id="13" name="Footer Placeholder 12"/>
+          <p:cNvPr id="5" name="Footer Placeholder 4"/>
           <p:cNvSpPr>
             <a:spLocks noGrp="1"/>
           </p:cNvSpPr>
           <p:nvPr>
-            <p:ph type="ftr" sz="quarter" idx="16"/>
+            <p:ph type="ftr" sz="quarter" idx="11"/>
           </p:nvPr>
         </p:nvSpPr>
         <p:spPr/>
@@ -1094,6 +847,30 @@
           <a:bodyPr/>
           <a:lstStyle/>
           <a:p>
+            <a:endParaRPr lang="en-US"/>
+          </a:p>
+        </p:txBody>
+      </p:sp>
+      <p:sp>
+        <p:nvSpPr>
+          <p:cNvPr id="6" name="Slide Number Placeholder 5"/>
+          <p:cNvSpPr>
+            <a:spLocks noGrp="1"/>
+          </p:cNvSpPr>
+          <p:nvPr>
+            <p:ph type="sldNum" sz="quarter" idx="12"/>
+          </p:nvPr>
+        </p:nvSpPr>
+        <p:spPr/>
+        <p:txBody>
+          <a:bodyPr/>
+          <a:lstStyle/>
+          <a:p>
+            <a:fld id="{B2D25BA2-B931-4137-83A9-D076D252D4E1}" type="slidenum">
+              <a:rPr lang="en-US" smtClean="0"/>
+              <a:pPr/>
+              <a:t>‹#›</a:t>
+            </a:fld>
             <a:endParaRPr lang="en-US"/>
           </a:p>
         </p:txBody>
@@ -1107,13 +884,8 @@
 </file>
 
 <file path=ppt/slideLayouts/slideLayout3.xml><?xml version="1.0" encoding="utf-8"?>
-<p:sldLayout xmlns:a="http://schemas.openxmlformats.org/drawingml/2006/main" xmlns:r="http://schemas.openxmlformats.org/officeDocument/2006/relationships" xmlns:p="http://schemas.openxmlformats.org/presentationml/2006/main" showMasterSp="0" type="secHead" preserve="1">
+<p:sldLayout xmlns:a="http://schemas.openxmlformats.org/drawingml/2006/main" xmlns:r="http://schemas.openxmlformats.org/officeDocument/2006/relationships" xmlns:p="http://schemas.openxmlformats.org/presentationml/2006/main" type="secHead" preserve="1">
   <p:cSld name="Section Header">
-    <p:bg>
-      <p:bgRef idx="1002">
-        <a:schemeClr val="bg1"/>
-      </p:bgRef>
-    </p:bg>
     <p:spTree>
       <p:nvGrpSpPr>
         <p:cNvPr id="1" name=""/>
@@ -1130,137 +902,7 @@
       </p:grpSpPr>
       <p:sp>
         <p:nvSpPr>
-          <p:cNvPr id="8" name="Rectangle 7"/>
-          <p:cNvSpPr/>
-          <p:nvPr/>
-        </p:nvSpPr>
-        <p:spPr>
-          <a:xfrm>
-            <a:off x="0" y="3922776"/>
-            <a:ext cx="9144000" cy="2935224"/>
-          </a:xfrm>
-          <a:prstGeom prst="rect">
-            <a:avLst/>
-          </a:prstGeom>
-          <a:solidFill>
-            <a:schemeClr val="bg1"/>
-          </a:solidFill>
-          <a:ln>
-            <a:noFill/>
-          </a:ln>
-        </p:spPr>
-        <p:style>
-          <a:lnRef idx="2">
-            <a:schemeClr val="accent1">
-              <a:shade val="50000"/>
-            </a:schemeClr>
-          </a:lnRef>
-          <a:fillRef idx="1">
-            <a:schemeClr val="accent1"/>
-          </a:fillRef>
-          <a:effectRef idx="0">
-            <a:schemeClr val="accent1"/>
-          </a:effectRef>
-          <a:fontRef idx="minor">
-            <a:schemeClr val="lt1"/>
-          </a:fontRef>
-        </p:style>
-        <p:txBody>
-          <a:bodyPr rtlCol="0" anchor="ctr"/>
-          <a:lstStyle/>
-          <a:p>
-            <a:pPr algn="ctr"/>
-            <a:endParaRPr lang="en-US"/>
-          </a:p>
-        </p:txBody>
-      </p:sp>
-      <p:cxnSp>
-        <p:nvCxnSpPr>
-          <p:cNvPr id="11" name="Straight Connector 10"/>
-          <p:cNvCxnSpPr/>
-          <p:nvPr/>
-        </p:nvCxnSpPr>
-        <p:spPr>
-          <a:xfrm>
-            <a:off x="0" y="3921760"/>
-            <a:ext cx="9144000" cy="1588"/>
-          </a:xfrm>
-          <a:prstGeom prst="line">
-            <a:avLst/>
-          </a:prstGeom>
-          <a:ln w="12700">
-            <a:solidFill>
-              <a:schemeClr val="tx2">
-                <a:lumMod val="75000"/>
-              </a:schemeClr>
-            </a:solidFill>
-          </a:ln>
-        </p:spPr>
-        <p:style>
-          <a:lnRef idx="1">
-            <a:schemeClr val="accent1"/>
-          </a:lnRef>
-          <a:fillRef idx="0">
-            <a:schemeClr val="accent1"/>
-          </a:fillRef>
-          <a:effectRef idx="0">
-            <a:schemeClr val="accent1"/>
-          </a:effectRef>
-          <a:fontRef idx="minor">
-            <a:schemeClr val="tx1"/>
-          </a:fontRef>
-        </p:style>
-      </p:cxnSp>
-      <p:sp>
-        <p:nvSpPr>
-          <p:cNvPr id="12" name="Rectangle 11"/>
-          <p:cNvSpPr/>
-          <p:nvPr/>
-        </p:nvSpPr>
-        <p:spPr>
-          <a:xfrm>
-            <a:off x="2514600" y="3368040"/>
-            <a:ext cx="4114800" cy="1127760"/>
-          </a:xfrm>
-          <a:prstGeom prst="rect">
-            <a:avLst/>
-          </a:prstGeom>
-          <a:solidFill>
-            <a:schemeClr val="tx1"/>
-          </a:solidFill>
-          <a:ln w="76200" cmpd="thinThick">
-            <a:solidFill>
-              <a:schemeClr val="tx1"/>
-            </a:solidFill>
-            <a:miter lim="800000"/>
-          </a:ln>
-        </p:spPr>
-        <p:txBody>
-          <a:bodyPr vert="horz" lIns="91440" tIns="45720" rIns="91440" bIns="45720" rtlCol="0" anchor="ctr" anchorCtr="0">
-            <a:normAutofit/>
-          </a:bodyPr>
-          <a:lstStyle/>
-          <a:p>
-            <a:pPr algn="ctr" defTabSz="914400" rtl="0" eaLnBrk="1" latinLnBrk="0" hangingPunct="1">
-              <a:spcBef>
-                <a:spcPts val="400"/>
-              </a:spcBef>
-              <a:buNone/>
-            </a:pPr>
-            <a:endParaRPr lang="en-US" sz="1800" b="1" kern="1200" cap="all" spc="0" baseline="0" smtClean="0">
-              <a:solidFill>
-                <a:schemeClr val="bg1"/>
-              </a:solidFill>
-              <a:latin typeface="+mj-lt"/>
-              <a:ea typeface="+mj-ea"/>
-              <a:cs typeface="Tunga" pitchFamily="2"/>
-            </a:endParaRPr>
-          </a:p>
-        </p:txBody>
-      </p:sp>
-      <p:sp>
-        <p:nvSpPr>
-          <p:cNvPr id="9" name="Title Placeholder 1"/>
+          <p:cNvPr id="2" name="Title 1"/>
           <p:cNvSpPr>
             <a:spLocks noGrp="1"/>
           </p:cNvSpPr>
@@ -1268,40 +910,17 @@
             <p:ph type="title"/>
           </p:nvPr>
         </p:nvSpPr>
-        <p:spPr bwMode="black">
-          <a:xfrm>
-            <a:off x="2529052" y="3367246"/>
-            <a:ext cx="4085897" cy="706821"/>
-          </a:xfrm>
-          <a:prstGeom prst="rect">
-            <a:avLst/>
-          </a:prstGeom>
-          <a:noFill/>
-          <a:ln w="98425" cmpd="thinThick">
-            <a:noFill/>
-            <a:miter lim="800000"/>
-          </a:ln>
-        </p:spPr>
-        <p:txBody>
-          <a:bodyPr vert="horz" lIns="91440" tIns="45720" rIns="91440" bIns="0" rtlCol="0" anchor="b" anchorCtr="0">
-            <a:normAutofit/>
-          </a:bodyPr>
+        <p:spPr>
+          <a:xfrm>
+            <a:off x="722313" y="4406900"/>
+            <a:ext cx="7772400" cy="1362075"/>
+          </a:xfrm>
+        </p:spPr>
+        <p:txBody>
+          <a:bodyPr anchor="t"/>
           <a:lstStyle>
-            <a:lvl1pPr>
-              <a:defRPr kumimoji="0" lang="en-US" sz="1800" b="1" i="0" u="none" strike="noStrike" kern="1200" cap="all" spc="0" normalizeH="0" baseline="0" noProof="0" dirty="0" smtClean="0">
-                <a:ln>
-                  <a:noFill/>
-                </a:ln>
-                <a:solidFill>
-                  <a:schemeClr val="bg1"/>
-                </a:solidFill>
-                <a:effectLst/>
-                <a:uLnTx/>
-                <a:uFillTx/>
-                <a:latin typeface="+mj-lt"/>
-                <a:ea typeface="+mj-ea"/>
-                <a:cs typeface="Tunga" pitchFamily="2"/>
-              </a:defRPr>
+            <a:lvl1pPr algn="l">
+              <a:defRPr sz="4000" b="1" cap="all"/>
             </a:lvl1pPr>
           </a:lstStyle>
           <a:p>
@@ -1309,51 +928,42 @@
               <a:rPr lang="en-US" smtClean="0"/>
               <a:t>Click to edit Master title style</a:t>
             </a:r>
-            <a:endParaRPr lang="en-US" dirty="0"/>
-          </a:p>
-        </p:txBody>
-      </p:sp>
-      <p:sp>
-        <p:nvSpPr>
-          <p:cNvPr id="10" name="Subtitle 2"/>
+            <a:endParaRPr lang="en-US"/>
+          </a:p>
+        </p:txBody>
+      </p:sp>
+      <p:sp>
+        <p:nvSpPr>
+          <p:cNvPr id="3" name="Text Placeholder 2"/>
           <p:cNvSpPr>
             <a:spLocks noGrp="1"/>
           </p:cNvSpPr>
           <p:nvPr>
-            <p:ph type="subTitle" idx="1"/>
+            <p:ph type="body" idx="1"/>
           </p:nvPr>
         </p:nvSpPr>
-        <p:spPr bwMode="black">
-          <a:xfrm>
-            <a:off x="2518542" y="4084577"/>
-            <a:ext cx="4106917" cy="397094"/>
-          </a:xfrm>
-        </p:spPr>
-        <p:txBody>
-          <a:bodyPr tIns="0" anchor="t" anchorCtr="0">
-            <a:normAutofit/>
-          </a:bodyPr>
+        <p:spPr>
+          <a:xfrm>
+            <a:off x="722313" y="2906713"/>
+            <a:ext cx="7772400" cy="1500187"/>
+          </a:xfrm>
+        </p:spPr>
+        <p:txBody>
+          <a:bodyPr anchor="b"/>
           <a:lstStyle>
-            <a:lvl1pPr marL="0" indent="0" algn="ctr">
+            <a:lvl1pPr marL="0" indent="0">
               <a:buNone/>
-              <a:defRPr kumimoji="0" lang="en-US" sz="1600" b="0" i="0" u="none" strike="noStrike" kern="1200" cap="none" spc="0" normalizeH="0" baseline="0" noProof="0" dirty="0">
-                <a:ln>
-                  <a:noFill/>
-                </a:ln>
+              <a:defRPr sz="2000">
                 <a:solidFill>
-                  <a:schemeClr val="bg1"/>
+                  <a:schemeClr val="tx1">
+                    <a:tint val="75000"/>
+                  </a:schemeClr>
                 </a:solidFill>
-                <a:effectLst/>
-                <a:uLnTx/>
-                <a:uFillTx/>
-                <a:latin typeface="+mn-lt"/>
-                <a:ea typeface="+mn-ea"/>
-                <a:cs typeface="Tahoma" pitchFamily="34" charset="0"/>
               </a:defRPr>
             </a:lvl1pPr>
-            <a:lvl2pPr marL="457200" indent="0" algn="ctr">
+            <a:lvl2pPr marL="457200" indent="0">
               <a:buNone/>
-              <a:defRPr>
+              <a:defRPr sz="1800">
                 <a:solidFill>
                   <a:schemeClr val="tx1">
                     <a:tint val="75000"/>
@@ -1361,9 +971,9 @@
                 </a:solidFill>
               </a:defRPr>
             </a:lvl2pPr>
-            <a:lvl3pPr marL="914400" indent="0" algn="ctr">
+            <a:lvl3pPr marL="914400" indent="0">
               <a:buNone/>
-              <a:defRPr>
+              <a:defRPr sz="1600">
                 <a:solidFill>
                   <a:schemeClr val="tx1">
                     <a:tint val="75000"/>
@@ -1371,9 +981,9 @@
                 </a:solidFill>
               </a:defRPr>
             </a:lvl3pPr>
-            <a:lvl4pPr marL="1371600" indent="0" algn="ctr">
+            <a:lvl4pPr marL="1371600" indent="0">
               <a:buNone/>
-              <a:defRPr>
+              <a:defRPr sz="1400">
                 <a:solidFill>
                   <a:schemeClr val="tx1">
                     <a:tint val="75000"/>
@@ -1381,9 +991,9 @@
                 </a:solidFill>
               </a:defRPr>
             </a:lvl4pPr>
-            <a:lvl5pPr marL="1828800" indent="0" algn="ctr">
+            <a:lvl5pPr marL="1828800" indent="0">
               <a:buNone/>
-              <a:defRPr>
+              <a:defRPr sz="1400">
                 <a:solidFill>
                   <a:schemeClr val="tx1">
                     <a:tint val="75000"/>
@@ -1391,9 +1001,9 @@
                 </a:solidFill>
               </a:defRPr>
             </a:lvl5pPr>
-            <a:lvl6pPr marL="2286000" indent="0" algn="ctr">
+            <a:lvl6pPr marL="2286000" indent="0">
               <a:buNone/>
-              <a:defRPr>
+              <a:defRPr sz="1400">
                 <a:solidFill>
                   <a:schemeClr val="tx1">
                     <a:tint val="75000"/>
@@ -1401,9 +1011,9 @@
                 </a:solidFill>
               </a:defRPr>
             </a:lvl6pPr>
-            <a:lvl7pPr marL="2743200" indent="0" algn="ctr">
+            <a:lvl7pPr marL="2743200" indent="0">
               <a:buNone/>
-              <a:defRPr>
+              <a:defRPr sz="1400">
                 <a:solidFill>
                   <a:schemeClr val="tx1">
                     <a:tint val="75000"/>
@@ -1411,9 +1021,9 @@
                 </a:solidFill>
               </a:defRPr>
             </a:lvl7pPr>
-            <a:lvl8pPr marL="3200400" indent="0" algn="ctr">
+            <a:lvl8pPr marL="3200400" indent="0">
               <a:buNone/>
-              <a:defRPr>
+              <a:defRPr sz="1400">
                 <a:solidFill>
                   <a:schemeClr val="tx1">
                     <a:tint val="75000"/>
@@ -1421,9 +1031,9 @@
                 </a:solidFill>
               </a:defRPr>
             </a:lvl8pPr>
-            <a:lvl9pPr marL="3657600" indent="0" algn="ctr">
+            <a:lvl9pPr marL="3657600" indent="0">
               <a:buNone/>
-              <a:defRPr>
+              <a:defRPr sz="1400">
                 <a:solidFill>
                   <a:schemeClr val="tx1">
                     <a:tint val="75000"/>
@@ -1433,17 +1043,17 @@
             </a:lvl9pPr>
           </a:lstStyle>
           <a:p>
-            <a:r>
-              <a:rPr lang="en-US" smtClean="0"/>
-              <a:t>Click to edit Master subtitle style</a:t>
-            </a:r>
-            <a:endParaRPr lang="en-US" dirty="0"/>
-          </a:p>
-        </p:txBody>
-      </p:sp>
-      <p:sp>
-        <p:nvSpPr>
-          <p:cNvPr id="13" name="Date Placeholder 12"/>
+            <a:pPr lvl="0"/>
+            <a:r>
+              <a:rPr lang="en-US" smtClean="0"/>
+              <a:t>Click to edit Master text styles</a:t>
+            </a:r>
+          </a:p>
+        </p:txBody>
+      </p:sp>
+      <p:sp>
+        <p:nvSpPr>
+          <p:cNvPr id="4" name="Date Placeholder 3"/>
           <p:cNvSpPr>
             <a:spLocks noGrp="1"/>
           </p:cNvSpPr>
@@ -1458,7 +1068,8 @@
           <a:p>
             <a:fld id="{55705980-5705-41E2-8A06-C4141CD6B3E4}" type="datetimeFigureOut">
               <a:rPr lang="en-US" smtClean="0"/>
-              <a:t>11/7/2023</a:t>
+              <a:pPr/>
+              <a:t>6/27/2024</a:t>
             </a:fld>
             <a:endParaRPr lang="en-US"/>
           </a:p>
@@ -1466,12 +1077,12 @@
       </p:sp>
       <p:sp>
         <p:nvSpPr>
-          <p:cNvPr id="14" name="Slide Number Placeholder 13"/>
+          <p:cNvPr id="5" name="Footer Placeholder 4"/>
           <p:cNvSpPr>
             <a:spLocks noGrp="1"/>
           </p:cNvSpPr>
           <p:nvPr>
-            <p:ph type="sldNum" sz="quarter" idx="11"/>
+            <p:ph type="ftr" sz="quarter" idx="11"/>
           </p:nvPr>
         </p:nvSpPr>
         <p:spPr/>
@@ -1479,22 +1090,18 @@
           <a:bodyPr/>
           <a:lstStyle/>
           <a:p>
-            <a:fld id="{B2D25BA2-B931-4137-83A9-D076D252D4E1}" type="slidenum">
-              <a:rPr lang="en-US" smtClean="0"/>
-              <a:t>‹#›</a:t>
-            </a:fld>
             <a:endParaRPr lang="en-US"/>
           </a:p>
         </p:txBody>
       </p:sp>
       <p:sp>
         <p:nvSpPr>
-          <p:cNvPr id="15" name="Footer Placeholder 14"/>
+          <p:cNvPr id="6" name="Slide Number Placeholder 5"/>
           <p:cNvSpPr>
             <a:spLocks noGrp="1"/>
           </p:cNvSpPr>
           <p:nvPr>
-            <p:ph type="ftr" sz="quarter" idx="12"/>
+            <p:ph type="sldNum" sz="quarter" idx="12"/>
           </p:nvPr>
         </p:nvSpPr>
         <p:spPr/>
@@ -1502,6 +1109,11 @@
           <a:bodyPr/>
           <a:lstStyle/>
           <a:p>
+            <a:fld id="{B2D25BA2-B931-4137-83A9-D076D252D4E1}" type="slidenum">
+              <a:rPr lang="en-US" smtClean="0"/>
+              <a:pPr/>
+              <a:t>‹#›</a:t>
+            </a:fld>
             <a:endParaRPr lang="en-US"/>
           </a:p>
         </p:txBody>
@@ -1509,7 +1121,7 @@
     </p:spTree>
   </p:cSld>
   <p:clrMapOvr>
-    <a:overrideClrMapping bg1="lt1" tx1="dk1" bg2="lt2" tx2="dk2" accent1="accent1" accent2="accent2" accent3="accent3" accent4="accent4" accent5="accent5" accent6="accent6" hlink="hlink" folHlink="folHlink"/>
+    <a:masterClrMapping/>
   </p:clrMapOvr>
 </p:sldLayout>
 </file>
@@ -1533,186 +1145,7 @@
       </p:grpSpPr>
       <p:sp>
         <p:nvSpPr>
-          <p:cNvPr id="14" name="Content Placeholder 30"/>
-          <p:cNvSpPr>
-            <a:spLocks noGrp="1"/>
-          </p:cNvSpPr>
-          <p:nvPr>
-            <p:ph sz="quarter" idx="13"/>
-          </p:nvPr>
-        </p:nvSpPr>
-        <p:spPr>
-          <a:xfrm>
-            <a:off x="457201" y="2020824"/>
-            <a:ext cx="4023360" cy="4005072"/>
-          </a:xfrm>
-        </p:spPr>
-        <p:txBody>
-          <a:bodyPr/>
-          <a:lstStyle/>
-          <a:p>
-            <a:pPr lvl="0"/>
-            <a:r>
-              <a:rPr lang="en-US" smtClean="0"/>
-              <a:t>Click to edit Master text styles</a:t>
-            </a:r>
-          </a:p>
-          <a:p>
-            <a:pPr lvl="1"/>
-            <a:r>
-              <a:rPr lang="en-US" smtClean="0"/>
-              <a:t>Second level</a:t>
-            </a:r>
-          </a:p>
-          <a:p>
-            <a:pPr lvl="2"/>
-            <a:r>
-              <a:rPr lang="en-US" smtClean="0"/>
-              <a:t>Third level</a:t>
-            </a:r>
-          </a:p>
-          <a:p>
-            <a:pPr lvl="3"/>
-            <a:r>
-              <a:rPr lang="en-US" smtClean="0"/>
-              <a:t>Fourth level</a:t>
-            </a:r>
-          </a:p>
-          <a:p>
-            <a:pPr lvl="4"/>
-            <a:r>
-              <a:rPr lang="en-US" smtClean="0"/>
-              <a:t>Fifth level</a:t>
-            </a:r>
-            <a:endParaRPr lang="en-US" dirty="0"/>
-          </a:p>
-        </p:txBody>
-      </p:sp>
-      <p:sp>
-        <p:nvSpPr>
-          <p:cNvPr id="15" name="Content Placeholder 30"/>
-          <p:cNvSpPr>
-            <a:spLocks noGrp="1"/>
-          </p:cNvSpPr>
-          <p:nvPr>
-            <p:ph sz="quarter" idx="14"/>
-          </p:nvPr>
-        </p:nvSpPr>
-        <p:spPr>
-          <a:xfrm>
-            <a:off x="4663440" y="2020824"/>
-            <a:ext cx="4023360" cy="4005072"/>
-          </a:xfrm>
-        </p:spPr>
-        <p:txBody>
-          <a:bodyPr/>
-          <a:lstStyle/>
-          <a:p>
-            <a:pPr lvl="0"/>
-            <a:r>
-              <a:rPr lang="en-US" smtClean="0"/>
-              <a:t>Click to edit Master text styles</a:t>
-            </a:r>
-          </a:p>
-          <a:p>
-            <a:pPr lvl="1"/>
-            <a:r>
-              <a:rPr lang="en-US" smtClean="0"/>
-              <a:t>Second level</a:t>
-            </a:r>
-          </a:p>
-          <a:p>
-            <a:pPr lvl="2"/>
-            <a:r>
-              <a:rPr lang="en-US" smtClean="0"/>
-              <a:t>Third level</a:t>
-            </a:r>
-          </a:p>
-          <a:p>
-            <a:pPr lvl="3"/>
-            <a:r>
-              <a:rPr lang="en-US" smtClean="0"/>
-              <a:t>Fourth level</a:t>
-            </a:r>
-          </a:p>
-          <a:p>
-            <a:pPr lvl="4"/>
-            <a:r>
-              <a:rPr lang="en-US" smtClean="0"/>
-              <a:t>Fifth level</a:t>
-            </a:r>
-            <a:endParaRPr lang="en-US" dirty="0"/>
-          </a:p>
-        </p:txBody>
-      </p:sp>
-      <p:sp>
-        <p:nvSpPr>
-          <p:cNvPr id="9" name="Date Placeholder 8"/>
-          <p:cNvSpPr>
-            <a:spLocks noGrp="1"/>
-          </p:cNvSpPr>
-          <p:nvPr>
-            <p:ph type="dt" sz="half" idx="15"/>
-          </p:nvPr>
-        </p:nvSpPr>
-        <p:spPr/>
-        <p:txBody>
-          <a:bodyPr/>
-          <a:lstStyle/>
-          <a:p>
-            <a:fld id="{55705980-5705-41E2-8A06-C4141CD6B3E4}" type="datetimeFigureOut">
-              <a:rPr lang="en-US" smtClean="0"/>
-              <a:t>11/7/2023</a:t>
-            </a:fld>
-            <a:endParaRPr lang="en-US"/>
-          </a:p>
-        </p:txBody>
-      </p:sp>
-      <p:sp>
-        <p:nvSpPr>
-          <p:cNvPr id="12" name="Slide Number Placeholder 11"/>
-          <p:cNvSpPr>
-            <a:spLocks noGrp="1"/>
-          </p:cNvSpPr>
-          <p:nvPr>
-            <p:ph type="sldNum" sz="quarter" idx="16"/>
-          </p:nvPr>
-        </p:nvSpPr>
-        <p:spPr/>
-        <p:txBody>
-          <a:bodyPr/>
-          <a:lstStyle/>
-          <a:p>
-            <a:fld id="{B2D25BA2-B931-4137-83A9-D076D252D4E1}" type="slidenum">
-              <a:rPr lang="en-US" smtClean="0"/>
-              <a:t>‹#›</a:t>
-            </a:fld>
-            <a:endParaRPr lang="en-US"/>
-          </a:p>
-        </p:txBody>
-      </p:sp>
-      <p:sp>
-        <p:nvSpPr>
-          <p:cNvPr id="13" name="Footer Placeholder 12"/>
-          <p:cNvSpPr>
-            <a:spLocks noGrp="1"/>
-          </p:cNvSpPr>
-          <p:nvPr>
-            <p:ph type="ftr" sz="quarter" idx="17"/>
-          </p:nvPr>
-        </p:nvSpPr>
-        <p:spPr/>
-        <p:txBody>
-          <a:bodyPr/>
-          <a:lstStyle/>
-          <a:p>
-            <a:endParaRPr lang="en-US"/>
-          </a:p>
-        </p:txBody>
-      </p:sp>
-      <p:sp>
-        <p:nvSpPr>
-          <p:cNvPr id="16" name="Title 15"/>
+          <p:cNvPr id="2" name="Title 1"/>
           <p:cNvSpPr>
             <a:spLocks noGrp="1"/>
           </p:cNvSpPr>
@@ -1729,6 +1162,243 @@
               <a:rPr lang="en-US" smtClean="0"/>
               <a:t>Click to edit Master title style</a:t>
             </a:r>
+            <a:endParaRPr lang="en-US"/>
+          </a:p>
+        </p:txBody>
+      </p:sp>
+      <p:sp>
+        <p:nvSpPr>
+          <p:cNvPr id="3" name="Content Placeholder 2"/>
+          <p:cNvSpPr>
+            <a:spLocks noGrp="1"/>
+          </p:cNvSpPr>
+          <p:nvPr>
+            <p:ph sz="half" idx="1"/>
+          </p:nvPr>
+        </p:nvSpPr>
+        <p:spPr>
+          <a:xfrm>
+            <a:off x="457200" y="1600200"/>
+            <a:ext cx="4038600" cy="4525963"/>
+          </a:xfrm>
+        </p:spPr>
+        <p:txBody>
+          <a:bodyPr/>
+          <a:lstStyle>
+            <a:lvl1pPr>
+              <a:defRPr sz="2800"/>
+            </a:lvl1pPr>
+            <a:lvl2pPr>
+              <a:defRPr sz="2400"/>
+            </a:lvl2pPr>
+            <a:lvl3pPr>
+              <a:defRPr sz="2000"/>
+            </a:lvl3pPr>
+            <a:lvl4pPr>
+              <a:defRPr sz="1800"/>
+            </a:lvl4pPr>
+            <a:lvl5pPr>
+              <a:defRPr sz="1800"/>
+            </a:lvl5pPr>
+            <a:lvl6pPr>
+              <a:defRPr sz="1800"/>
+            </a:lvl6pPr>
+            <a:lvl7pPr>
+              <a:defRPr sz="1800"/>
+            </a:lvl7pPr>
+            <a:lvl8pPr>
+              <a:defRPr sz="1800"/>
+            </a:lvl8pPr>
+            <a:lvl9pPr>
+              <a:defRPr sz="1800"/>
+            </a:lvl9pPr>
+          </a:lstStyle>
+          <a:p>
+            <a:pPr lvl="0"/>
+            <a:r>
+              <a:rPr lang="en-US" smtClean="0"/>
+              <a:t>Click to edit Master text styles</a:t>
+            </a:r>
+          </a:p>
+          <a:p>
+            <a:pPr lvl="1"/>
+            <a:r>
+              <a:rPr lang="en-US" smtClean="0"/>
+              <a:t>Second level</a:t>
+            </a:r>
+          </a:p>
+          <a:p>
+            <a:pPr lvl="2"/>
+            <a:r>
+              <a:rPr lang="en-US" smtClean="0"/>
+              <a:t>Third level</a:t>
+            </a:r>
+          </a:p>
+          <a:p>
+            <a:pPr lvl="3"/>
+            <a:r>
+              <a:rPr lang="en-US" smtClean="0"/>
+              <a:t>Fourth level</a:t>
+            </a:r>
+          </a:p>
+          <a:p>
+            <a:pPr lvl="4"/>
+            <a:r>
+              <a:rPr lang="en-US" smtClean="0"/>
+              <a:t>Fifth level</a:t>
+            </a:r>
+            <a:endParaRPr lang="en-US"/>
+          </a:p>
+        </p:txBody>
+      </p:sp>
+      <p:sp>
+        <p:nvSpPr>
+          <p:cNvPr id="4" name="Content Placeholder 3"/>
+          <p:cNvSpPr>
+            <a:spLocks noGrp="1"/>
+          </p:cNvSpPr>
+          <p:nvPr>
+            <p:ph sz="half" idx="2"/>
+          </p:nvPr>
+        </p:nvSpPr>
+        <p:spPr>
+          <a:xfrm>
+            <a:off x="4648200" y="1600200"/>
+            <a:ext cx="4038600" cy="4525963"/>
+          </a:xfrm>
+        </p:spPr>
+        <p:txBody>
+          <a:bodyPr/>
+          <a:lstStyle>
+            <a:lvl1pPr>
+              <a:defRPr sz="2800"/>
+            </a:lvl1pPr>
+            <a:lvl2pPr>
+              <a:defRPr sz="2400"/>
+            </a:lvl2pPr>
+            <a:lvl3pPr>
+              <a:defRPr sz="2000"/>
+            </a:lvl3pPr>
+            <a:lvl4pPr>
+              <a:defRPr sz="1800"/>
+            </a:lvl4pPr>
+            <a:lvl5pPr>
+              <a:defRPr sz="1800"/>
+            </a:lvl5pPr>
+            <a:lvl6pPr>
+              <a:defRPr sz="1800"/>
+            </a:lvl6pPr>
+            <a:lvl7pPr>
+              <a:defRPr sz="1800"/>
+            </a:lvl7pPr>
+            <a:lvl8pPr>
+              <a:defRPr sz="1800"/>
+            </a:lvl8pPr>
+            <a:lvl9pPr>
+              <a:defRPr sz="1800"/>
+            </a:lvl9pPr>
+          </a:lstStyle>
+          <a:p>
+            <a:pPr lvl="0"/>
+            <a:r>
+              <a:rPr lang="en-US" smtClean="0"/>
+              <a:t>Click to edit Master text styles</a:t>
+            </a:r>
+          </a:p>
+          <a:p>
+            <a:pPr lvl="1"/>
+            <a:r>
+              <a:rPr lang="en-US" smtClean="0"/>
+              <a:t>Second level</a:t>
+            </a:r>
+          </a:p>
+          <a:p>
+            <a:pPr lvl="2"/>
+            <a:r>
+              <a:rPr lang="en-US" smtClean="0"/>
+              <a:t>Third level</a:t>
+            </a:r>
+          </a:p>
+          <a:p>
+            <a:pPr lvl="3"/>
+            <a:r>
+              <a:rPr lang="en-US" smtClean="0"/>
+              <a:t>Fourth level</a:t>
+            </a:r>
+          </a:p>
+          <a:p>
+            <a:pPr lvl="4"/>
+            <a:r>
+              <a:rPr lang="en-US" smtClean="0"/>
+              <a:t>Fifth level</a:t>
+            </a:r>
+            <a:endParaRPr lang="en-US"/>
+          </a:p>
+        </p:txBody>
+      </p:sp>
+      <p:sp>
+        <p:nvSpPr>
+          <p:cNvPr id="5" name="Date Placeholder 4"/>
+          <p:cNvSpPr>
+            <a:spLocks noGrp="1"/>
+          </p:cNvSpPr>
+          <p:nvPr>
+            <p:ph type="dt" sz="half" idx="10"/>
+          </p:nvPr>
+        </p:nvSpPr>
+        <p:spPr/>
+        <p:txBody>
+          <a:bodyPr/>
+          <a:lstStyle/>
+          <a:p>
+            <a:fld id="{55705980-5705-41E2-8A06-C4141CD6B3E4}" type="datetimeFigureOut">
+              <a:rPr lang="en-US" smtClean="0"/>
+              <a:pPr/>
+              <a:t>6/27/2024</a:t>
+            </a:fld>
+            <a:endParaRPr lang="en-US"/>
+          </a:p>
+        </p:txBody>
+      </p:sp>
+      <p:sp>
+        <p:nvSpPr>
+          <p:cNvPr id="6" name="Footer Placeholder 5"/>
+          <p:cNvSpPr>
+            <a:spLocks noGrp="1"/>
+          </p:cNvSpPr>
+          <p:nvPr>
+            <p:ph type="ftr" sz="quarter" idx="11"/>
+          </p:nvPr>
+        </p:nvSpPr>
+        <p:spPr/>
+        <p:txBody>
+          <a:bodyPr/>
+          <a:lstStyle/>
+          <a:p>
+            <a:endParaRPr lang="en-US"/>
+          </a:p>
+        </p:txBody>
+      </p:sp>
+      <p:sp>
+        <p:nvSpPr>
+          <p:cNvPr id="7" name="Slide Number Placeholder 6"/>
+          <p:cNvSpPr>
+            <a:spLocks noGrp="1"/>
+          </p:cNvSpPr>
+          <p:nvPr>
+            <p:ph type="sldNum" sz="quarter" idx="12"/>
+          </p:nvPr>
+        </p:nvSpPr>
+        <p:spPr/>
+        <p:txBody>
+          <a:bodyPr/>
+          <a:lstStyle/>
+          <a:p>
+            <a:fld id="{B2D25BA2-B931-4137-83A9-D076D252D4E1}" type="slidenum">
+              <a:rPr lang="en-US" smtClean="0"/>
+              <a:pPr/>
+              <a:t>‹#›</a:t>
+            </a:fld>
             <a:endParaRPr lang="en-US"/>
           </a:p>
         </p:txBody>
@@ -1760,80 +1430,143 @@
       </p:grpSpPr>
       <p:sp>
         <p:nvSpPr>
-          <p:cNvPr id="23" name="Content Placeholder 30"/>
+          <p:cNvPr id="2" name="Title 1"/>
           <p:cNvSpPr>
             <a:spLocks noGrp="1"/>
           </p:cNvSpPr>
           <p:nvPr>
-            <p:ph sz="quarter" idx="13"/>
+            <p:ph type="title"/>
           </p:nvPr>
         </p:nvSpPr>
-        <p:spPr>
-          <a:xfrm>
-            <a:off x="457201" y="2819400"/>
-            <a:ext cx="4023360" cy="3209544"/>
-          </a:xfrm>
-        </p:spPr>
+        <p:spPr/>
         <p:txBody>
           <a:bodyPr/>
-          <a:lstStyle/>
-          <a:p>
-            <a:pPr lvl="0"/>
-            <a:r>
-              <a:rPr lang="en-US" smtClean="0"/>
-              <a:t>Click to edit Master text styles</a:t>
-            </a:r>
-          </a:p>
-          <a:p>
-            <a:pPr lvl="1"/>
-            <a:r>
-              <a:rPr lang="en-US" smtClean="0"/>
-              <a:t>Second level</a:t>
-            </a:r>
-          </a:p>
-          <a:p>
-            <a:pPr lvl="2"/>
-            <a:r>
-              <a:rPr lang="en-US" smtClean="0"/>
-              <a:t>Third level</a:t>
-            </a:r>
-          </a:p>
-          <a:p>
-            <a:pPr lvl="3"/>
-            <a:r>
-              <a:rPr lang="en-US" smtClean="0"/>
-              <a:t>Fourth level</a:t>
-            </a:r>
-          </a:p>
-          <a:p>
-            <a:pPr lvl="4"/>
-            <a:r>
-              <a:rPr lang="en-US" smtClean="0"/>
-              <a:t>Fifth level</a:t>
-            </a:r>
-            <a:endParaRPr lang="en-US" dirty="0"/>
-          </a:p>
-        </p:txBody>
-      </p:sp>
-      <p:sp>
-        <p:nvSpPr>
-          <p:cNvPr id="24" name="Content Placeholder 30"/>
+          <a:lstStyle>
+            <a:lvl1pPr>
+              <a:defRPr/>
+            </a:lvl1pPr>
+          </a:lstStyle>
+          <a:p>
+            <a:r>
+              <a:rPr lang="en-US" smtClean="0"/>
+              <a:t>Click to edit Master title style</a:t>
+            </a:r>
+            <a:endParaRPr lang="en-US"/>
+          </a:p>
+        </p:txBody>
+      </p:sp>
+      <p:sp>
+        <p:nvSpPr>
+          <p:cNvPr id="3" name="Text Placeholder 2"/>
           <p:cNvSpPr>
             <a:spLocks noGrp="1"/>
           </p:cNvSpPr>
           <p:nvPr>
-            <p:ph sz="quarter" idx="14"/>
+            <p:ph type="body" idx="1"/>
           </p:nvPr>
         </p:nvSpPr>
         <p:spPr>
           <a:xfrm>
-            <a:off x="4663440" y="2816352"/>
-            <a:ext cx="4023360" cy="3209544"/>
+            <a:off x="457200" y="1535113"/>
+            <a:ext cx="4040188" cy="639762"/>
+          </a:xfrm>
+        </p:spPr>
+        <p:txBody>
+          <a:bodyPr anchor="b"/>
+          <a:lstStyle>
+            <a:lvl1pPr marL="0" indent="0">
+              <a:buNone/>
+              <a:defRPr sz="2400" b="1"/>
+            </a:lvl1pPr>
+            <a:lvl2pPr marL="457200" indent="0">
+              <a:buNone/>
+              <a:defRPr sz="2000" b="1"/>
+            </a:lvl2pPr>
+            <a:lvl3pPr marL="914400" indent="0">
+              <a:buNone/>
+              <a:defRPr sz="1800" b="1"/>
+            </a:lvl3pPr>
+            <a:lvl4pPr marL="1371600" indent="0">
+              <a:buNone/>
+              <a:defRPr sz="1600" b="1"/>
+            </a:lvl4pPr>
+            <a:lvl5pPr marL="1828800" indent="0">
+              <a:buNone/>
+              <a:defRPr sz="1600" b="1"/>
+            </a:lvl5pPr>
+            <a:lvl6pPr marL="2286000" indent="0">
+              <a:buNone/>
+              <a:defRPr sz="1600" b="1"/>
+            </a:lvl6pPr>
+            <a:lvl7pPr marL="2743200" indent="0">
+              <a:buNone/>
+              <a:defRPr sz="1600" b="1"/>
+            </a:lvl7pPr>
+            <a:lvl8pPr marL="3200400" indent="0">
+              <a:buNone/>
+              <a:defRPr sz="1600" b="1"/>
+            </a:lvl8pPr>
+            <a:lvl9pPr marL="3657600" indent="0">
+              <a:buNone/>
+              <a:defRPr sz="1600" b="1"/>
+            </a:lvl9pPr>
+          </a:lstStyle>
+          <a:p>
+            <a:pPr lvl="0"/>
+            <a:r>
+              <a:rPr lang="en-US" smtClean="0"/>
+              <a:t>Click to edit Master text styles</a:t>
+            </a:r>
+          </a:p>
+        </p:txBody>
+      </p:sp>
+      <p:sp>
+        <p:nvSpPr>
+          <p:cNvPr id="4" name="Content Placeholder 3"/>
+          <p:cNvSpPr>
+            <a:spLocks noGrp="1"/>
+          </p:cNvSpPr>
+          <p:nvPr>
+            <p:ph sz="half" idx="2"/>
+          </p:nvPr>
+        </p:nvSpPr>
+        <p:spPr>
+          <a:xfrm>
+            <a:off x="457200" y="2174875"/>
+            <a:ext cx="4040188" cy="3951288"/>
           </a:xfrm>
         </p:spPr>
         <p:txBody>
           <a:bodyPr/>
-          <a:lstStyle/>
+          <a:lstStyle>
+            <a:lvl1pPr>
+              <a:defRPr sz="2400"/>
+            </a:lvl1pPr>
+            <a:lvl2pPr>
+              <a:defRPr sz="2000"/>
+            </a:lvl2pPr>
+            <a:lvl3pPr>
+              <a:defRPr sz="1800"/>
+            </a:lvl3pPr>
+            <a:lvl4pPr>
+              <a:defRPr sz="1600"/>
+            </a:lvl4pPr>
+            <a:lvl5pPr>
+              <a:defRPr sz="1600"/>
+            </a:lvl5pPr>
+            <a:lvl6pPr>
+              <a:defRPr sz="1600"/>
+            </a:lvl6pPr>
+            <a:lvl7pPr>
+              <a:defRPr sz="1600"/>
+            </a:lvl7pPr>
+            <a:lvl8pPr>
+              <a:defRPr sz="1600"/>
+            </a:lvl8pPr>
+            <a:lvl9pPr>
+              <a:defRPr sz="1600"/>
+            </a:lvl9pPr>
+          </a:lstStyle>
           <a:p>
             <a:pPr lvl="0"/>
             <a:r>
@@ -1868,13 +1601,579 @@
               <a:rPr lang="en-US" smtClean="0"/>
               <a:t>Fifth level</a:t>
             </a:r>
-            <a:endParaRPr lang="en-US" dirty="0"/>
-          </a:p>
-        </p:txBody>
-      </p:sp>
-      <p:sp>
-        <p:nvSpPr>
-          <p:cNvPr id="20" name="Text Placeholder 3"/>
+            <a:endParaRPr lang="en-US"/>
+          </a:p>
+        </p:txBody>
+      </p:sp>
+      <p:sp>
+        <p:nvSpPr>
+          <p:cNvPr id="5" name="Text Placeholder 4"/>
+          <p:cNvSpPr>
+            <a:spLocks noGrp="1"/>
+          </p:cNvSpPr>
+          <p:nvPr>
+            <p:ph type="body" sz="quarter" idx="3"/>
+          </p:nvPr>
+        </p:nvSpPr>
+        <p:spPr>
+          <a:xfrm>
+            <a:off x="4645025" y="1535113"/>
+            <a:ext cx="4041775" cy="639762"/>
+          </a:xfrm>
+        </p:spPr>
+        <p:txBody>
+          <a:bodyPr anchor="b"/>
+          <a:lstStyle>
+            <a:lvl1pPr marL="0" indent="0">
+              <a:buNone/>
+              <a:defRPr sz="2400" b="1"/>
+            </a:lvl1pPr>
+            <a:lvl2pPr marL="457200" indent="0">
+              <a:buNone/>
+              <a:defRPr sz="2000" b="1"/>
+            </a:lvl2pPr>
+            <a:lvl3pPr marL="914400" indent="0">
+              <a:buNone/>
+              <a:defRPr sz="1800" b="1"/>
+            </a:lvl3pPr>
+            <a:lvl4pPr marL="1371600" indent="0">
+              <a:buNone/>
+              <a:defRPr sz="1600" b="1"/>
+            </a:lvl4pPr>
+            <a:lvl5pPr marL="1828800" indent="0">
+              <a:buNone/>
+              <a:defRPr sz="1600" b="1"/>
+            </a:lvl5pPr>
+            <a:lvl6pPr marL="2286000" indent="0">
+              <a:buNone/>
+              <a:defRPr sz="1600" b="1"/>
+            </a:lvl6pPr>
+            <a:lvl7pPr marL="2743200" indent="0">
+              <a:buNone/>
+              <a:defRPr sz="1600" b="1"/>
+            </a:lvl7pPr>
+            <a:lvl8pPr marL="3200400" indent="0">
+              <a:buNone/>
+              <a:defRPr sz="1600" b="1"/>
+            </a:lvl8pPr>
+            <a:lvl9pPr marL="3657600" indent="0">
+              <a:buNone/>
+              <a:defRPr sz="1600" b="1"/>
+            </a:lvl9pPr>
+          </a:lstStyle>
+          <a:p>
+            <a:pPr lvl="0"/>
+            <a:r>
+              <a:rPr lang="en-US" smtClean="0"/>
+              <a:t>Click to edit Master text styles</a:t>
+            </a:r>
+          </a:p>
+        </p:txBody>
+      </p:sp>
+      <p:sp>
+        <p:nvSpPr>
+          <p:cNvPr id="6" name="Content Placeholder 5"/>
+          <p:cNvSpPr>
+            <a:spLocks noGrp="1"/>
+          </p:cNvSpPr>
+          <p:nvPr>
+            <p:ph sz="quarter" idx="4"/>
+          </p:nvPr>
+        </p:nvSpPr>
+        <p:spPr>
+          <a:xfrm>
+            <a:off x="4645025" y="2174875"/>
+            <a:ext cx="4041775" cy="3951288"/>
+          </a:xfrm>
+        </p:spPr>
+        <p:txBody>
+          <a:bodyPr/>
+          <a:lstStyle>
+            <a:lvl1pPr>
+              <a:defRPr sz="2400"/>
+            </a:lvl1pPr>
+            <a:lvl2pPr>
+              <a:defRPr sz="2000"/>
+            </a:lvl2pPr>
+            <a:lvl3pPr>
+              <a:defRPr sz="1800"/>
+            </a:lvl3pPr>
+            <a:lvl4pPr>
+              <a:defRPr sz="1600"/>
+            </a:lvl4pPr>
+            <a:lvl5pPr>
+              <a:defRPr sz="1600"/>
+            </a:lvl5pPr>
+            <a:lvl6pPr>
+              <a:defRPr sz="1600"/>
+            </a:lvl6pPr>
+            <a:lvl7pPr>
+              <a:defRPr sz="1600"/>
+            </a:lvl7pPr>
+            <a:lvl8pPr>
+              <a:defRPr sz="1600"/>
+            </a:lvl8pPr>
+            <a:lvl9pPr>
+              <a:defRPr sz="1600"/>
+            </a:lvl9pPr>
+          </a:lstStyle>
+          <a:p>
+            <a:pPr lvl="0"/>
+            <a:r>
+              <a:rPr lang="en-US" smtClean="0"/>
+              <a:t>Click to edit Master text styles</a:t>
+            </a:r>
+          </a:p>
+          <a:p>
+            <a:pPr lvl="1"/>
+            <a:r>
+              <a:rPr lang="en-US" smtClean="0"/>
+              <a:t>Second level</a:t>
+            </a:r>
+          </a:p>
+          <a:p>
+            <a:pPr lvl="2"/>
+            <a:r>
+              <a:rPr lang="en-US" smtClean="0"/>
+              <a:t>Third level</a:t>
+            </a:r>
+          </a:p>
+          <a:p>
+            <a:pPr lvl="3"/>
+            <a:r>
+              <a:rPr lang="en-US" smtClean="0"/>
+              <a:t>Fourth level</a:t>
+            </a:r>
+          </a:p>
+          <a:p>
+            <a:pPr lvl="4"/>
+            <a:r>
+              <a:rPr lang="en-US" smtClean="0"/>
+              <a:t>Fifth level</a:t>
+            </a:r>
+            <a:endParaRPr lang="en-US"/>
+          </a:p>
+        </p:txBody>
+      </p:sp>
+      <p:sp>
+        <p:nvSpPr>
+          <p:cNvPr id="7" name="Date Placeholder 6"/>
+          <p:cNvSpPr>
+            <a:spLocks noGrp="1"/>
+          </p:cNvSpPr>
+          <p:nvPr>
+            <p:ph type="dt" sz="half" idx="10"/>
+          </p:nvPr>
+        </p:nvSpPr>
+        <p:spPr/>
+        <p:txBody>
+          <a:bodyPr/>
+          <a:lstStyle/>
+          <a:p>
+            <a:fld id="{55705980-5705-41E2-8A06-C4141CD6B3E4}" type="datetimeFigureOut">
+              <a:rPr lang="en-US" smtClean="0"/>
+              <a:pPr/>
+              <a:t>6/27/2024</a:t>
+            </a:fld>
+            <a:endParaRPr lang="en-US"/>
+          </a:p>
+        </p:txBody>
+      </p:sp>
+      <p:sp>
+        <p:nvSpPr>
+          <p:cNvPr id="8" name="Footer Placeholder 7"/>
+          <p:cNvSpPr>
+            <a:spLocks noGrp="1"/>
+          </p:cNvSpPr>
+          <p:nvPr>
+            <p:ph type="ftr" sz="quarter" idx="11"/>
+          </p:nvPr>
+        </p:nvSpPr>
+        <p:spPr/>
+        <p:txBody>
+          <a:bodyPr/>
+          <a:lstStyle/>
+          <a:p>
+            <a:endParaRPr lang="en-US"/>
+          </a:p>
+        </p:txBody>
+      </p:sp>
+      <p:sp>
+        <p:nvSpPr>
+          <p:cNvPr id="9" name="Slide Number Placeholder 8"/>
+          <p:cNvSpPr>
+            <a:spLocks noGrp="1"/>
+          </p:cNvSpPr>
+          <p:nvPr>
+            <p:ph type="sldNum" sz="quarter" idx="12"/>
+          </p:nvPr>
+        </p:nvSpPr>
+        <p:spPr/>
+        <p:txBody>
+          <a:bodyPr/>
+          <a:lstStyle/>
+          <a:p>
+            <a:fld id="{B2D25BA2-B931-4137-83A9-D076D252D4E1}" type="slidenum">
+              <a:rPr lang="en-US" smtClean="0"/>
+              <a:pPr/>
+              <a:t>‹#›</a:t>
+            </a:fld>
+            <a:endParaRPr lang="en-US"/>
+          </a:p>
+        </p:txBody>
+      </p:sp>
+    </p:spTree>
+  </p:cSld>
+  <p:clrMapOvr>
+    <a:masterClrMapping/>
+  </p:clrMapOvr>
+</p:sldLayout>
+</file>
+
+<file path=ppt/slideLayouts/slideLayout6.xml><?xml version="1.0" encoding="utf-8"?>
+<p:sldLayout xmlns:a="http://schemas.openxmlformats.org/drawingml/2006/main" xmlns:r="http://schemas.openxmlformats.org/officeDocument/2006/relationships" xmlns:p="http://schemas.openxmlformats.org/presentationml/2006/main" type="titleOnly" preserve="1">
+  <p:cSld name="Title Only">
+    <p:spTree>
+      <p:nvGrpSpPr>
+        <p:cNvPr id="1" name=""/>
+        <p:cNvGrpSpPr/>
+        <p:nvPr/>
+      </p:nvGrpSpPr>
+      <p:grpSpPr>
+        <a:xfrm>
+          <a:off x="0" y="0"/>
+          <a:ext cx="0" cy="0"/>
+          <a:chOff x="0" y="0"/>
+          <a:chExt cx="0" cy="0"/>
+        </a:xfrm>
+      </p:grpSpPr>
+      <p:sp>
+        <p:nvSpPr>
+          <p:cNvPr id="2" name="Title 1"/>
+          <p:cNvSpPr>
+            <a:spLocks noGrp="1"/>
+          </p:cNvSpPr>
+          <p:nvPr>
+            <p:ph type="title"/>
+          </p:nvPr>
+        </p:nvSpPr>
+        <p:spPr/>
+        <p:txBody>
+          <a:bodyPr/>
+          <a:lstStyle/>
+          <a:p>
+            <a:r>
+              <a:rPr lang="en-US" smtClean="0"/>
+              <a:t>Click to edit Master title style</a:t>
+            </a:r>
+            <a:endParaRPr lang="en-US"/>
+          </a:p>
+        </p:txBody>
+      </p:sp>
+      <p:sp>
+        <p:nvSpPr>
+          <p:cNvPr id="3" name="Date Placeholder 2"/>
+          <p:cNvSpPr>
+            <a:spLocks noGrp="1"/>
+          </p:cNvSpPr>
+          <p:nvPr>
+            <p:ph type="dt" sz="half" idx="10"/>
+          </p:nvPr>
+        </p:nvSpPr>
+        <p:spPr/>
+        <p:txBody>
+          <a:bodyPr/>
+          <a:lstStyle/>
+          <a:p>
+            <a:fld id="{55705980-5705-41E2-8A06-C4141CD6B3E4}" type="datetimeFigureOut">
+              <a:rPr lang="en-US" smtClean="0"/>
+              <a:pPr/>
+              <a:t>6/27/2024</a:t>
+            </a:fld>
+            <a:endParaRPr lang="en-US"/>
+          </a:p>
+        </p:txBody>
+      </p:sp>
+      <p:sp>
+        <p:nvSpPr>
+          <p:cNvPr id="4" name="Footer Placeholder 3"/>
+          <p:cNvSpPr>
+            <a:spLocks noGrp="1"/>
+          </p:cNvSpPr>
+          <p:nvPr>
+            <p:ph type="ftr" sz="quarter" idx="11"/>
+          </p:nvPr>
+        </p:nvSpPr>
+        <p:spPr/>
+        <p:txBody>
+          <a:bodyPr/>
+          <a:lstStyle/>
+          <a:p>
+            <a:endParaRPr lang="en-US"/>
+          </a:p>
+        </p:txBody>
+      </p:sp>
+      <p:sp>
+        <p:nvSpPr>
+          <p:cNvPr id="5" name="Slide Number Placeholder 4"/>
+          <p:cNvSpPr>
+            <a:spLocks noGrp="1"/>
+          </p:cNvSpPr>
+          <p:nvPr>
+            <p:ph type="sldNum" sz="quarter" idx="12"/>
+          </p:nvPr>
+        </p:nvSpPr>
+        <p:spPr/>
+        <p:txBody>
+          <a:bodyPr/>
+          <a:lstStyle/>
+          <a:p>
+            <a:fld id="{B2D25BA2-B931-4137-83A9-D076D252D4E1}" type="slidenum">
+              <a:rPr lang="en-US" smtClean="0"/>
+              <a:pPr/>
+              <a:t>‹#›</a:t>
+            </a:fld>
+            <a:endParaRPr lang="en-US"/>
+          </a:p>
+        </p:txBody>
+      </p:sp>
+    </p:spTree>
+  </p:cSld>
+  <p:clrMapOvr>
+    <a:masterClrMapping/>
+  </p:clrMapOvr>
+</p:sldLayout>
+</file>
+
+<file path=ppt/slideLayouts/slideLayout7.xml><?xml version="1.0" encoding="utf-8"?>
+<p:sldLayout xmlns:a="http://schemas.openxmlformats.org/drawingml/2006/main" xmlns:r="http://schemas.openxmlformats.org/officeDocument/2006/relationships" xmlns:p="http://schemas.openxmlformats.org/presentationml/2006/main" type="blank" preserve="1">
+  <p:cSld name="Blank">
+    <p:spTree>
+      <p:nvGrpSpPr>
+        <p:cNvPr id="1" name=""/>
+        <p:cNvGrpSpPr/>
+        <p:nvPr/>
+      </p:nvGrpSpPr>
+      <p:grpSpPr>
+        <a:xfrm>
+          <a:off x="0" y="0"/>
+          <a:ext cx="0" cy="0"/>
+          <a:chOff x="0" y="0"/>
+          <a:chExt cx="0" cy="0"/>
+        </a:xfrm>
+      </p:grpSpPr>
+      <p:sp>
+        <p:nvSpPr>
+          <p:cNvPr id="2" name="Date Placeholder 1"/>
+          <p:cNvSpPr>
+            <a:spLocks noGrp="1"/>
+          </p:cNvSpPr>
+          <p:nvPr>
+            <p:ph type="dt" sz="half" idx="10"/>
+          </p:nvPr>
+        </p:nvSpPr>
+        <p:spPr/>
+        <p:txBody>
+          <a:bodyPr/>
+          <a:lstStyle/>
+          <a:p>
+            <a:fld id="{55705980-5705-41E2-8A06-C4141CD6B3E4}" type="datetimeFigureOut">
+              <a:rPr lang="en-US" smtClean="0"/>
+              <a:pPr/>
+              <a:t>6/27/2024</a:t>
+            </a:fld>
+            <a:endParaRPr lang="en-US"/>
+          </a:p>
+        </p:txBody>
+      </p:sp>
+      <p:sp>
+        <p:nvSpPr>
+          <p:cNvPr id="3" name="Footer Placeholder 2"/>
+          <p:cNvSpPr>
+            <a:spLocks noGrp="1"/>
+          </p:cNvSpPr>
+          <p:nvPr>
+            <p:ph type="ftr" sz="quarter" idx="11"/>
+          </p:nvPr>
+        </p:nvSpPr>
+        <p:spPr/>
+        <p:txBody>
+          <a:bodyPr/>
+          <a:lstStyle/>
+          <a:p>
+            <a:endParaRPr lang="en-US"/>
+          </a:p>
+        </p:txBody>
+      </p:sp>
+      <p:sp>
+        <p:nvSpPr>
+          <p:cNvPr id="4" name="Slide Number Placeholder 3"/>
+          <p:cNvSpPr>
+            <a:spLocks noGrp="1"/>
+          </p:cNvSpPr>
+          <p:nvPr>
+            <p:ph type="sldNum" sz="quarter" idx="12"/>
+          </p:nvPr>
+        </p:nvSpPr>
+        <p:spPr/>
+        <p:txBody>
+          <a:bodyPr/>
+          <a:lstStyle/>
+          <a:p>
+            <a:fld id="{B2D25BA2-B931-4137-83A9-D076D252D4E1}" type="slidenum">
+              <a:rPr lang="en-US" smtClean="0"/>
+              <a:pPr/>
+              <a:t>‹#›</a:t>
+            </a:fld>
+            <a:endParaRPr lang="en-US"/>
+          </a:p>
+        </p:txBody>
+      </p:sp>
+    </p:spTree>
+  </p:cSld>
+  <p:clrMapOvr>
+    <a:masterClrMapping/>
+  </p:clrMapOvr>
+</p:sldLayout>
+</file>
+
+<file path=ppt/slideLayouts/slideLayout8.xml><?xml version="1.0" encoding="utf-8"?>
+<p:sldLayout xmlns:a="http://schemas.openxmlformats.org/drawingml/2006/main" xmlns:r="http://schemas.openxmlformats.org/officeDocument/2006/relationships" xmlns:p="http://schemas.openxmlformats.org/presentationml/2006/main" type="objTx" preserve="1">
+  <p:cSld name="Content with Caption">
+    <p:spTree>
+      <p:nvGrpSpPr>
+        <p:cNvPr id="1" name=""/>
+        <p:cNvGrpSpPr/>
+        <p:nvPr/>
+      </p:nvGrpSpPr>
+      <p:grpSpPr>
+        <a:xfrm>
+          <a:off x="0" y="0"/>
+          <a:ext cx="0" cy="0"/>
+          <a:chOff x="0" y="0"/>
+          <a:chExt cx="0" cy="0"/>
+        </a:xfrm>
+      </p:grpSpPr>
+      <p:sp>
+        <p:nvSpPr>
+          <p:cNvPr id="2" name="Title 1"/>
+          <p:cNvSpPr>
+            <a:spLocks noGrp="1"/>
+          </p:cNvSpPr>
+          <p:nvPr>
+            <p:ph type="title"/>
+          </p:nvPr>
+        </p:nvSpPr>
+        <p:spPr>
+          <a:xfrm>
+            <a:off x="457200" y="273050"/>
+            <a:ext cx="3008313" cy="1162050"/>
+          </a:xfrm>
+        </p:spPr>
+        <p:txBody>
+          <a:bodyPr anchor="b"/>
+          <a:lstStyle>
+            <a:lvl1pPr algn="l">
+              <a:defRPr sz="2000" b="1"/>
+            </a:lvl1pPr>
+          </a:lstStyle>
+          <a:p>
+            <a:r>
+              <a:rPr lang="en-US" smtClean="0"/>
+              <a:t>Click to edit Master title style</a:t>
+            </a:r>
+            <a:endParaRPr lang="en-US"/>
+          </a:p>
+        </p:txBody>
+      </p:sp>
+      <p:sp>
+        <p:nvSpPr>
+          <p:cNvPr id="3" name="Content Placeholder 2"/>
+          <p:cNvSpPr>
+            <a:spLocks noGrp="1"/>
+          </p:cNvSpPr>
+          <p:nvPr>
+            <p:ph idx="1"/>
+          </p:nvPr>
+        </p:nvSpPr>
+        <p:spPr>
+          <a:xfrm>
+            <a:off x="3575050" y="273050"/>
+            <a:ext cx="5111750" cy="5853113"/>
+          </a:xfrm>
+        </p:spPr>
+        <p:txBody>
+          <a:bodyPr/>
+          <a:lstStyle>
+            <a:lvl1pPr>
+              <a:defRPr sz="3200"/>
+            </a:lvl1pPr>
+            <a:lvl2pPr>
+              <a:defRPr sz="2800"/>
+            </a:lvl2pPr>
+            <a:lvl3pPr>
+              <a:defRPr sz="2400"/>
+            </a:lvl3pPr>
+            <a:lvl4pPr>
+              <a:defRPr sz="2000"/>
+            </a:lvl4pPr>
+            <a:lvl5pPr>
+              <a:defRPr sz="2000"/>
+            </a:lvl5pPr>
+            <a:lvl6pPr>
+              <a:defRPr sz="2000"/>
+            </a:lvl6pPr>
+            <a:lvl7pPr>
+              <a:defRPr sz="2000"/>
+            </a:lvl7pPr>
+            <a:lvl8pPr>
+              <a:defRPr sz="2000"/>
+            </a:lvl8pPr>
+            <a:lvl9pPr>
+              <a:defRPr sz="2000"/>
+            </a:lvl9pPr>
+          </a:lstStyle>
+          <a:p>
+            <a:pPr lvl="0"/>
+            <a:r>
+              <a:rPr lang="en-US" smtClean="0"/>
+              <a:t>Click to edit Master text styles</a:t>
+            </a:r>
+          </a:p>
+          <a:p>
+            <a:pPr lvl="1"/>
+            <a:r>
+              <a:rPr lang="en-US" smtClean="0"/>
+              <a:t>Second level</a:t>
+            </a:r>
+          </a:p>
+          <a:p>
+            <a:pPr lvl="2"/>
+            <a:r>
+              <a:rPr lang="en-US" smtClean="0"/>
+              <a:t>Third level</a:t>
+            </a:r>
+          </a:p>
+          <a:p>
+            <a:pPr lvl="3"/>
+            <a:r>
+              <a:rPr lang="en-US" smtClean="0"/>
+              <a:t>Fourth level</a:t>
+            </a:r>
+          </a:p>
+          <a:p>
+            <a:pPr lvl="4"/>
+            <a:r>
+              <a:rPr lang="en-US" smtClean="0"/>
+              <a:t>Fifth level</a:t>
+            </a:r>
+            <a:endParaRPr lang="en-US"/>
+          </a:p>
+        </p:txBody>
+      </p:sp>
+      <p:sp>
+        <p:nvSpPr>
+          <p:cNvPr id="4" name="Text Placeholder 3"/>
           <p:cNvSpPr>
             <a:spLocks noGrp="1"/>
           </p:cNvSpPr>
@@ -1884,33 +2183,16 @@
         </p:nvSpPr>
         <p:spPr>
           <a:xfrm>
-            <a:off x="457200" y="2020824"/>
-            <a:ext cx="4023360" cy="704088"/>
-          </a:xfrm>
-          <a:noFill/>
-          <a:ln w="98425" cmpd="thinThick">
-            <a:noFill/>
-            <a:miter lim="800000"/>
-          </a:ln>
-        </p:spPr>
-        <p:txBody>
-          <a:bodyPr vert="horz" lIns="91440" tIns="45720" rIns="91440" bIns="45720" rtlCol="0" anchor="ctr" anchorCtr="0">
-            <a:normAutofit/>
-          </a:bodyPr>
+            <a:off x="457200" y="1435100"/>
+            <a:ext cx="3008313" cy="4691063"/>
+          </a:xfrm>
+        </p:spPr>
+        <p:txBody>
+          <a:bodyPr/>
           <a:lstStyle>
-            <a:lvl1pPr marL="0" indent="0" algn="ctr" defTabSz="914400" rtl="0" eaLnBrk="1" latinLnBrk="0" hangingPunct="1">
-              <a:spcBef>
-                <a:spcPts val="400"/>
-              </a:spcBef>
+            <a:lvl1pPr marL="0" indent="0">
               <a:buNone/>
-              <a:defRPr lang="en-US" sz="1800" b="1" kern="1200" cap="none" spc="200" baseline="0" smtClean="0">
-                <a:solidFill>
-                  <a:schemeClr val="tx1"/>
-                </a:solidFill>
-                <a:latin typeface="+mj-lt"/>
-                <a:ea typeface="+mj-ea"/>
-                <a:cs typeface="Tunga" pitchFamily="2"/>
-              </a:defRPr>
+              <a:defRPr sz="1400"/>
             </a:lvl1pPr>
             <a:lvl2pPr marL="457200" indent="0">
               <a:buNone/>
@@ -1956,43 +2238,211 @@
       </p:sp>
       <p:sp>
         <p:nvSpPr>
-          <p:cNvPr id="21" name="Text Placeholder 3"/>
+          <p:cNvPr id="5" name="Date Placeholder 4"/>
           <p:cNvSpPr>
             <a:spLocks noGrp="1"/>
           </p:cNvSpPr>
           <p:nvPr>
-            <p:ph type="body" sz="half" idx="15"/>
+            <p:ph type="dt" sz="half" idx="10"/>
           </p:nvPr>
         </p:nvSpPr>
+        <p:spPr/>
+        <p:txBody>
+          <a:bodyPr/>
+          <a:lstStyle/>
+          <a:p>
+            <a:fld id="{55705980-5705-41E2-8A06-C4141CD6B3E4}" type="datetimeFigureOut">
+              <a:rPr lang="en-US" smtClean="0"/>
+              <a:pPr/>
+              <a:t>6/27/2024</a:t>
+            </a:fld>
+            <a:endParaRPr lang="en-US"/>
+          </a:p>
+        </p:txBody>
+      </p:sp>
+      <p:sp>
+        <p:nvSpPr>
+          <p:cNvPr id="6" name="Footer Placeholder 5"/>
+          <p:cNvSpPr>
+            <a:spLocks noGrp="1"/>
+          </p:cNvSpPr>
+          <p:nvPr>
+            <p:ph type="ftr" sz="quarter" idx="11"/>
+          </p:nvPr>
+        </p:nvSpPr>
+        <p:spPr/>
+        <p:txBody>
+          <a:bodyPr/>
+          <a:lstStyle/>
+          <a:p>
+            <a:endParaRPr lang="en-US"/>
+          </a:p>
+        </p:txBody>
+      </p:sp>
+      <p:sp>
+        <p:nvSpPr>
+          <p:cNvPr id="7" name="Slide Number Placeholder 6"/>
+          <p:cNvSpPr>
+            <a:spLocks noGrp="1"/>
+          </p:cNvSpPr>
+          <p:nvPr>
+            <p:ph type="sldNum" sz="quarter" idx="12"/>
+          </p:nvPr>
+        </p:nvSpPr>
+        <p:spPr/>
+        <p:txBody>
+          <a:bodyPr/>
+          <a:lstStyle/>
+          <a:p>
+            <a:fld id="{B2D25BA2-B931-4137-83A9-D076D252D4E1}" type="slidenum">
+              <a:rPr lang="en-US" smtClean="0"/>
+              <a:pPr/>
+              <a:t>‹#›</a:t>
+            </a:fld>
+            <a:endParaRPr lang="en-US"/>
+          </a:p>
+        </p:txBody>
+      </p:sp>
+    </p:spTree>
+  </p:cSld>
+  <p:clrMapOvr>
+    <a:masterClrMapping/>
+  </p:clrMapOvr>
+</p:sldLayout>
+</file>
+
+<file path=ppt/slideLayouts/slideLayout9.xml><?xml version="1.0" encoding="utf-8"?>
+<p:sldLayout xmlns:a="http://schemas.openxmlformats.org/drawingml/2006/main" xmlns:r="http://schemas.openxmlformats.org/officeDocument/2006/relationships" xmlns:p="http://schemas.openxmlformats.org/presentationml/2006/main" type="picTx" preserve="1">
+  <p:cSld name="Picture with Caption">
+    <p:spTree>
+      <p:nvGrpSpPr>
+        <p:cNvPr id="1" name=""/>
+        <p:cNvGrpSpPr/>
+        <p:nvPr/>
+      </p:nvGrpSpPr>
+      <p:grpSpPr>
+        <a:xfrm>
+          <a:off x="0" y="0"/>
+          <a:ext cx="0" cy="0"/>
+          <a:chOff x="0" y="0"/>
+          <a:chExt cx="0" cy="0"/>
+        </a:xfrm>
+      </p:grpSpPr>
+      <p:sp>
+        <p:nvSpPr>
+          <p:cNvPr id="2" name="Title 1"/>
+          <p:cNvSpPr>
+            <a:spLocks noGrp="1"/>
+          </p:cNvSpPr>
+          <p:nvPr>
+            <p:ph type="title"/>
+          </p:nvPr>
+        </p:nvSpPr>
         <p:spPr>
           <a:xfrm>
-            <a:off x="4663440" y="2020824"/>
-            <a:ext cx="4023360" cy="704088"/>
-          </a:xfrm>
-          <a:noFill/>
-          <a:ln w="98425" cmpd="thinThick">
-            <a:noFill/>
-            <a:miter lim="800000"/>
-          </a:ln>
-        </p:spPr>
-        <p:txBody>
-          <a:bodyPr vert="horz" lIns="91440" tIns="45720" rIns="91440" bIns="45720" rtlCol="0" anchor="ctr" anchorCtr="0">
-            <a:normAutofit/>
-          </a:bodyPr>
+            <a:off x="1792288" y="4800600"/>
+            <a:ext cx="5486400" cy="566738"/>
+          </a:xfrm>
+        </p:spPr>
+        <p:txBody>
+          <a:bodyPr anchor="b"/>
           <a:lstStyle>
-            <a:lvl1pPr marL="0" indent="0" algn="ctr" defTabSz="914400" rtl="0" eaLnBrk="1" latinLnBrk="0" hangingPunct="1">
-              <a:spcBef>
-                <a:spcPts val="400"/>
-              </a:spcBef>
+            <a:lvl1pPr algn="l">
+              <a:defRPr sz="2000" b="1"/>
+            </a:lvl1pPr>
+          </a:lstStyle>
+          <a:p>
+            <a:r>
+              <a:rPr lang="en-US" smtClean="0"/>
+              <a:t>Click to edit Master title style</a:t>
+            </a:r>
+            <a:endParaRPr lang="en-US"/>
+          </a:p>
+        </p:txBody>
+      </p:sp>
+      <p:sp>
+        <p:nvSpPr>
+          <p:cNvPr id="3" name="Picture Placeholder 2"/>
+          <p:cNvSpPr>
+            <a:spLocks noGrp="1"/>
+          </p:cNvSpPr>
+          <p:nvPr>
+            <p:ph type="pic" idx="1"/>
+          </p:nvPr>
+        </p:nvSpPr>
+        <p:spPr>
+          <a:xfrm>
+            <a:off x="1792288" y="612775"/>
+            <a:ext cx="5486400" cy="4114800"/>
+          </a:xfrm>
+        </p:spPr>
+        <p:txBody>
+          <a:bodyPr/>
+          <a:lstStyle>
+            <a:lvl1pPr marL="0" indent="0">
               <a:buNone/>
-              <a:defRPr lang="en-US" sz="1800" b="1" i="0" kern="1200" cap="none" spc="200" baseline="0" dirty="0" smtClean="0">
-                <a:solidFill>
-                  <a:schemeClr val="tx1"/>
-                </a:solidFill>
-                <a:latin typeface="+mj-lt"/>
-                <a:ea typeface="+mj-ea"/>
-                <a:cs typeface="Tunga" pitchFamily="2"/>
-              </a:defRPr>
+              <a:defRPr sz="3200"/>
+            </a:lvl1pPr>
+            <a:lvl2pPr marL="457200" indent="0">
+              <a:buNone/>
+              <a:defRPr sz="2800"/>
+            </a:lvl2pPr>
+            <a:lvl3pPr marL="914400" indent="0">
+              <a:buNone/>
+              <a:defRPr sz="2400"/>
+            </a:lvl3pPr>
+            <a:lvl4pPr marL="1371600" indent="0">
+              <a:buNone/>
+              <a:defRPr sz="2000"/>
+            </a:lvl4pPr>
+            <a:lvl5pPr marL="1828800" indent="0">
+              <a:buNone/>
+              <a:defRPr sz="2000"/>
+            </a:lvl5pPr>
+            <a:lvl6pPr marL="2286000" indent="0">
+              <a:buNone/>
+              <a:defRPr sz="2000"/>
+            </a:lvl6pPr>
+            <a:lvl7pPr marL="2743200" indent="0">
+              <a:buNone/>
+              <a:defRPr sz="2000"/>
+            </a:lvl7pPr>
+            <a:lvl8pPr marL="3200400" indent="0">
+              <a:buNone/>
+              <a:defRPr sz="2000"/>
+            </a:lvl8pPr>
+            <a:lvl9pPr marL="3657600" indent="0">
+              <a:buNone/>
+              <a:defRPr sz="2000"/>
+            </a:lvl9pPr>
+          </a:lstStyle>
+          <a:p>
+            <a:endParaRPr lang="en-US"/>
+          </a:p>
+        </p:txBody>
+      </p:sp>
+      <p:sp>
+        <p:nvSpPr>
+          <p:cNvPr id="4" name="Text Placeholder 3"/>
+          <p:cNvSpPr>
+            <a:spLocks noGrp="1"/>
+          </p:cNvSpPr>
+          <p:nvPr>
+            <p:ph type="body" sz="half" idx="2"/>
+          </p:nvPr>
+        </p:nvSpPr>
+        <p:spPr>
+          <a:xfrm>
+            <a:off x="1792288" y="5367338"/>
+            <a:ext cx="5486400" cy="804862"/>
+          </a:xfrm>
+        </p:spPr>
+        <p:txBody>
+          <a:bodyPr/>
+          <a:lstStyle>
+            <a:lvl1pPr marL="0" indent="0">
+              <a:buNone/>
+              <a:defRPr sz="1400"/>
             </a:lvl1pPr>
             <a:lvl2pPr marL="457200" indent="0">
               <a:buNone/>
@@ -2028,22 +2478,7 @@
             </a:lvl9pPr>
           </a:lstStyle>
           <a:p>
-            <a:pPr marL="0" lvl="0" indent="0" algn="ctr" defTabSz="914400" rtl="0" eaLnBrk="1" latinLnBrk="0" hangingPunct="1">
-              <a:lnSpc>
-                <a:spcPct val="110000"/>
-              </a:lnSpc>
-              <a:spcBef>
-                <a:spcPts val="400"/>
-              </a:spcBef>
-              <a:spcAft>
-                <a:spcPts val="0"/>
-              </a:spcAft>
-              <a:buClr>
-                <a:schemeClr val="accent1"/>
-              </a:buClr>
-              <a:buFontTx/>
-              <a:buNone/>
-            </a:pPr>
+            <a:pPr lvl="0"/>
             <a:r>
               <a:rPr lang="en-US" smtClean="0"/>
               <a:t>Click to edit Master text styles</a:t>
@@ -2053,143 +2488,7 @@
       </p:sp>
       <p:sp>
         <p:nvSpPr>
-          <p:cNvPr id="11" name="Date Placeholder 10"/>
-          <p:cNvSpPr>
-            <a:spLocks noGrp="1"/>
-          </p:cNvSpPr>
-          <p:nvPr>
-            <p:ph type="dt" sz="half" idx="16"/>
-          </p:nvPr>
-        </p:nvSpPr>
-        <p:spPr/>
-        <p:txBody>
-          <a:bodyPr/>
-          <a:lstStyle/>
-          <a:p>
-            <a:fld id="{55705980-5705-41E2-8A06-C4141CD6B3E4}" type="datetimeFigureOut">
-              <a:rPr lang="en-US" smtClean="0"/>
-              <a:t>11/7/2023</a:t>
-            </a:fld>
-            <a:endParaRPr lang="en-US"/>
-          </a:p>
-        </p:txBody>
-      </p:sp>
-      <p:sp>
-        <p:nvSpPr>
-          <p:cNvPr id="12" name="Slide Number Placeholder 11"/>
-          <p:cNvSpPr>
-            <a:spLocks noGrp="1"/>
-          </p:cNvSpPr>
-          <p:nvPr>
-            <p:ph type="sldNum" sz="quarter" idx="17"/>
-          </p:nvPr>
-        </p:nvSpPr>
-        <p:spPr/>
-        <p:txBody>
-          <a:bodyPr/>
-          <a:lstStyle/>
-          <a:p>
-            <a:fld id="{B2D25BA2-B931-4137-83A9-D076D252D4E1}" type="slidenum">
-              <a:rPr lang="en-US" smtClean="0"/>
-              <a:t>‹#›</a:t>
-            </a:fld>
-            <a:endParaRPr lang="en-US"/>
-          </a:p>
-        </p:txBody>
-      </p:sp>
-      <p:sp>
-        <p:nvSpPr>
-          <p:cNvPr id="13" name="Footer Placeholder 12"/>
-          <p:cNvSpPr>
-            <a:spLocks noGrp="1"/>
-          </p:cNvSpPr>
-          <p:nvPr>
-            <p:ph type="ftr" sz="quarter" idx="18"/>
-          </p:nvPr>
-        </p:nvSpPr>
-        <p:spPr/>
-        <p:txBody>
-          <a:bodyPr/>
-          <a:lstStyle/>
-          <a:p>
-            <a:endParaRPr lang="en-US"/>
-          </a:p>
-        </p:txBody>
-      </p:sp>
-      <p:sp>
-        <p:nvSpPr>
-          <p:cNvPr id="18" name="Title 17"/>
-          <p:cNvSpPr>
-            <a:spLocks noGrp="1"/>
-          </p:cNvSpPr>
-          <p:nvPr>
-            <p:ph type="title"/>
-          </p:nvPr>
-        </p:nvSpPr>
-        <p:spPr/>
-        <p:txBody>
-          <a:bodyPr/>
-          <a:lstStyle/>
-          <a:p>
-            <a:r>
-              <a:rPr lang="en-US" smtClean="0"/>
-              <a:t>Click to edit Master title style</a:t>
-            </a:r>
-            <a:endParaRPr lang="en-US"/>
-          </a:p>
-        </p:txBody>
-      </p:sp>
-    </p:spTree>
-  </p:cSld>
-  <p:clrMapOvr>
-    <a:masterClrMapping/>
-  </p:clrMapOvr>
-</p:sldLayout>
-</file>
-
-<file path=ppt/slideLayouts/slideLayout6.xml><?xml version="1.0" encoding="utf-8"?>
-<p:sldLayout xmlns:a="http://schemas.openxmlformats.org/drawingml/2006/main" xmlns:r="http://schemas.openxmlformats.org/officeDocument/2006/relationships" xmlns:p="http://schemas.openxmlformats.org/presentationml/2006/main" type="titleOnly" preserve="1">
-  <p:cSld name="Title Only">
-    <p:spTree>
-      <p:nvGrpSpPr>
-        <p:cNvPr id="1" name=""/>
-        <p:cNvGrpSpPr/>
-        <p:nvPr/>
-      </p:nvGrpSpPr>
-      <p:grpSpPr>
-        <a:xfrm>
-          <a:off x="0" y="0"/>
-          <a:ext cx="0" cy="0"/>
-          <a:chOff x="0" y="0"/>
-          <a:chExt cx="0" cy="0"/>
-        </a:xfrm>
-      </p:grpSpPr>
-      <p:sp>
-        <p:nvSpPr>
-          <p:cNvPr id="9" name="Title 8"/>
-          <p:cNvSpPr>
-            <a:spLocks noGrp="1"/>
-          </p:cNvSpPr>
-          <p:nvPr>
-            <p:ph type="title"/>
-          </p:nvPr>
-        </p:nvSpPr>
-        <p:spPr/>
-        <p:txBody>
-          <a:bodyPr/>
-          <a:lstStyle/>
-          <a:p>
-            <a:r>
-              <a:rPr lang="en-US" smtClean="0"/>
-              <a:t>Click to edit Master title style</a:t>
-            </a:r>
-            <a:endParaRPr lang="en-US"/>
-          </a:p>
-        </p:txBody>
-      </p:sp>
-      <p:sp>
-        <p:nvSpPr>
-          <p:cNvPr id="15" name="Date Placeholder 14"/>
+          <p:cNvPr id="5" name="Date Placeholder 4"/>
           <p:cNvSpPr>
             <a:spLocks noGrp="1"/>
           </p:cNvSpPr>
@@ -2204,7 +2503,8 @@
           <a:p>
             <a:fld id="{55705980-5705-41E2-8A06-C4141CD6B3E4}" type="datetimeFigureOut">
               <a:rPr lang="en-US" smtClean="0"/>
-              <a:t>11/7/2023</a:t>
+              <a:pPr/>
+              <a:t>6/27/2024</a:t>
             </a:fld>
             <a:endParaRPr lang="en-US"/>
           </a:p>
@@ -2212,12 +2512,12 @@
       </p:sp>
       <p:sp>
         <p:nvSpPr>
-          <p:cNvPr id="16" name="Slide Number Placeholder 15"/>
+          <p:cNvPr id="6" name="Footer Placeholder 5"/>
           <p:cNvSpPr>
             <a:spLocks noGrp="1"/>
           </p:cNvSpPr>
           <p:nvPr>
-            <p:ph type="sldNum" sz="quarter" idx="11"/>
+            <p:ph type="ftr" sz="quarter" idx="11"/>
           </p:nvPr>
         </p:nvSpPr>
         <p:spPr/>
@@ -2225,22 +2525,18 @@
           <a:bodyPr/>
           <a:lstStyle/>
           <a:p>
-            <a:fld id="{B2D25BA2-B931-4137-83A9-D076D252D4E1}" type="slidenum">
-              <a:rPr lang="en-US" smtClean="0"/>
-              <a:t>‹#›</a:t>
-            </a:fld>
             <a:endParaRPr lang="en-US"/>
           </a:p>
         </p:txBody>
       </p:sp>
       <p:sp>
         <p:nvSpPr>
-          <p:cNvPr id="17" name="Footer Placeholder 16"/>
+          <p:cNvPr id="7" name="Slide Number Placeholder 6"/>
           <p:cNvSpPr>
             <a:spLocks noGrp="1"/>
           </p:cNvSpPr>
           <p:nvPr>
-            <p:ph type="ftr" sz="quarter" idx="12"/>
+            <p:ph type="sldNum" sz="quarter" idx="12"/>
           </p:nvPr>
         </p:nvSpPr>
         <p:spPr/>
@@ -2248,658 +2544,11 @@
           <a:bodyPr/>
           <a:lstStyle/>
           <a:p>
-            <a:endParaRPr lang="en-US"/>
-          </a:p>
-        </p:txBody>
-      </p:sp>
-    </p:spTree>
-  </p:cSld>
-  <p:clrMapOvr>
-    <a:masterClrMapping/>
-  </p:clrMapOvr>
-</p:sldLayout>
-</file>
-
-<file path=ppt/slideLayouts/slideLayout7.xml><?xml version="1.0" encoding="utf-8"?>
-<p:sldLayout xmlns:a="http://schemas.openxmlformats.org/drawingml/2006/main" xmlns:r="http://schemas.openxmlformats.org/officeDocument/2006/relationships" xmlns:p="http://schemas.openxmlformats.org/presentationml/2006/main" showMasterSp="0" type="blank" preserve="1">
-  <p:cSld name="Blank">
-    <p:spTree>
-      <p:nvGrpSpPr>
-        <p:cNvPr id="1" name=""/>
-        <p:cNvGrpSpPr/>
-        <p:nvPr/>
-      </p:nvGrpSpPr>
-      <p:grpSpPr>
-        <a:xfrm>
-          <a:off x="0" y="0"/>
-          <a:ext cx="0" cy="0"/>
-          <a:chOff x="0" y="0"/>
-          <a:chExt cx="0" cy="0"/>
-        </a:xfrm>
-      </p:grpSpPr>
-      <p:sp>
-        <p:nvSpPr>
-          <p:cNvPr id="7" name="Date Placeholder 6"/>
-          <p:cNvSpPr>
-            <a:spLocks noGrp="1"/>
-          </p:cNvSpPr>
-          <p:nvPr>
-            <p:ph type="dt" sz="half" idx="10"/>
-          </p:nvPr>
-        </p:nvSpPr>
-        <p:spPr/>
-        <p:txBody>
-          <a:bodyPr/>
-          <a:lstStyle/>
-          <a:p>
-            <a:fld id="{55705980-5705-41E2-8A06-C4141CD6B3E4}" type="datetimeFigureOut">
-              <a:rPr lang="en-US" smtClean="0"/>
-              <a:t>11/7/2023</a:t>
-            </a:fld>
-            <a:endParaRPr lang="en-US"/>
-          </a:p>
-        </p:txBody>
-      </p:sp>
-      <p:sp>
-        <p:nvSpPr>
-          <p:cNvPr id="8" name="Slide Number Placeholder 7"/>
-          <p:cNvSpPr>
-            <a:spLocks noGrp="1"/>
-          </p:cNvSpPr>
-          <p:nvPr>
-            <p:ph type="sldNum" sz="quarter" idx="11"/>
-          </p:nvPr>
-        </p:nvSpPr>
-        <p:spPr/>
-        <p:txBody>
-          <a:bodyPr/>
-          <a:lstStyle/>
-          <a:p>
             <a:fld id="{B2D25BA2-B931-4137-83A9-D076D252D4E1}" type="slidenum">
               <a:rPr lang="en-US" smtClean="0"/>
+              <a:pPr/>
               <a:t>‹#›</a:t>
             </a:fld>
-            <a:endParaRPr lang="en-US"/>
-          </a:p>
-        </p:txBody>
-      </p:sp>
-      <p:sp>
-        <p:nvSpPr>
-          <p:cNvPr id="9" name="Footer Placeholder 8"/>
-          <p:cNvSpPr>
-            <a:spLocks noGrp="1"/>
-          </p:cNvSpPr>
-          <p:nvPr>
-            <p:ph type="ftr" sz="quarter" idx="12"/>
-          </p:nvPr>
-        </p:nvSpPr>
-        <p:spPr/>
-        <p:txBody>
-          <a:bodyPr/>
-          <a:lstStyle/>
-          <a:p>
-            <a:endParaRPr lang="en-US"/>
-          </a:p>
-        </p:txBody>
-      </p:sp>
-    </p:spTree>
-  </p:cSld>
-  <p:clrMapOvr>
-    <a:masterClrMapping/>
-  </p:clrMapOvr>
-</p:sldLayout>
-</file>
-
-<file path=ppt/slideLayouts/slideLayout8.xml><?xml version="1.0" encoding="utf-8"?>
-<p:sldLayout xmlns:a="http://schemas.openxmlformats.org/drawingml/2006/main" xmlns:r="http://schemas.openxmlformats.org/officeDocument/2006/relationships" xmlns:p="http://schemas.openxmlformats.org/presentationml/2006/main" type="objTx" preserve="1">
-  <p:cSld name="Content with Caption">
-    <p:spTree>
-      <p:nvGrpSpPr>
-        <p:cNvPr id="1" name=""/>
-        <p:cNvGrpSpPr/>
-        <p:nvPr/>
-      </p:nvGrpSpPr>
-      <p:grpSpPr>
-        <a:xfrm>
-          <a:off x="0" y="0"/>
-          <a:ext cx="0" cy="0"/>
-          <a:chOff x="0" y="0"/>
-          <a:chExt cx="0" cy="0"/>
-        </a:xfrm>
-      </p:grpSpPr>
-      <p:sp>
-        <p:nvSpPr>
-          <p:cNvPr id="14" name="Content Placeholder 30"/>
-          <p:cNvSpPr>
-            <a:spLocks noGrp="1"/>
-          </p:cNvSpPr>
-          <p:nvPr>
-            <p:ph sz="quarter" idx="14"/>
-          </p:nvPr>
-        </p:nvSpPr>
-        <p:spPr>
-          <a:xfrm>
-            <a:off x="1485900" y="1914525"/>
-            <a:ext cx="6172200" cy="3510915"/>
-          </a:xfrm>
-        </p:spPr>
-        <p:txBody>
-          <a:bodyPr/>
-          <a:lstStyle/>
-          <a:p>
-            <a:pPr lvl="0"/>
-            <a:r>
-              <a:rPr lang="en-US" smtClean="0"/>
-              <a:t>Click to edit Master text styles</a:t>
-            </a:r>
-          </a:p>
-          <a:p>
-            <a:pPr lvl="1"/>
-            <a:r>
-              <a:rPr lang="en-US" smtClean="0"/>
-              <a:t>Second level</a:t>
-            </a:r>
-          </a:p>
-          <a:p>
-            <a:pPr lvl="2"/>
-            <a:r>
-              <a:rPr lang="en-US" smtClean="0"/>
-              <a:t>Third level</a:t>
-            </a:r>
-          </a:p>
-          <a:p>
-            <a:pPr lvl="3"/>
-            <a:r>
-              <a:rPr lang="en-US" smtClean="0"/>
-              <a:t>Fourth level</a:t>
-            </a:r>
-          </a:p>
-          <a:p>
-            <a:pPr lvl="4"/>
-            <a:r>
-              <a:rPr lang="en-US" smtClean="0"/>
-              <a:t>Fifth level</a:t>
-            </a:r>
-            <a:endParaRPr lang="en-US" dirty="0"/>
-          </a:p>
-        </p:txBody>
-      </p:sp>
-      <p:sp>
-        <p:nvSpPr>
-          <p:cNvPr id="11" name="Text Placeholder 3"/>
-          <p:cNvSpPr>
-            <a:spLocks noGrp="1"/>
-          </p:cNvSpPr>
-          <p:nvPr>
-            <p:ph type="body" sz="half" idx="2"/>
-          </p:nvPr>
-        </p:nvSpPr>
-        <p:spPr>
-          <a:xfrm>
-            <a:off x="1737360" y="5513832"/>
-            <a:ext cx="5669280" cy="548640"/>
-          </a:xfrm>
-        </p:spPr>
-        <p:txBody>
-          <a:bodyPr vert="horz" lIns="91440" tIns="0" rIns="91440" bIns="45720" rtlCol="0" anchor="ctr">
-            <a:normAutofit/>
-          </a:bodyPr>
-          <a:lstStyle>
-            <a:lvl1pPr marL="0" indent="0" algn="ctr" defTabSz="914400" rtl="0" eaLnBrk="1" latinLnBrk="0" hangingPunct="1">
-              <a:lnSpc>
-                <a:spcPct val="100000"/>
-              </a:lnSpc>
-              <a:spcBef>
-                <a:spcPts val="0"/>
-              </a:spcBef>
-              <a:buClr>
-                <a:schemeClr val="accent1"/>
-              </a:buClr>
-              <a:buFont typeface="Arial" pitchFamily="34" charset="0"/>
-              <a:buNone/>
-              <a:defRPr lang="en-US" sz="1400" b="0" i="0" kern="1200" cap="none" spc="0" baseline="0" smtClean="0">
-                <a:solidFill>
-                  <a:schemeClr val="tx1"/>
-                </a:solidFill>
-                <a:latin typeface="+mn-lt"/>
-                <a:ea typeface="+mn-ea"/>
-                <a:cs typeface="Tahoma" pitchFamily="34" charset="0"/>
-              </a:defRPr>
-            </a:lvl1pPr>
-            <a:lvl2pPr marL="457200" indent="0">
-              <a:buNone/>
-              <a:defRPr sz="1200"/>
-            </a:lvl2pPr>
-            <a:lvl3pPr marL="914400" indent="0">
-              <a:buNone/>
-              <a:defRPr sz="1000"/>
-            </a:lvl3pPr>
-            <a:lvl4pPr marL="1371600" indent="0">
-              <a:buNone/>
-              <a:defRPr sz="900"/>
-            </a:lvl4pPr>
-            <a:lvl5pPr marL="1828800" indent="0">
-              <a:buNone/>
-              <a:defRPr sz="900"/>
-            </a:lvl5pPr>
-            <a:lvl6pPr marL="2286000" indent="0">
-              <a:buNone/>
-              <a:defRPr sz="900"/>
-            </a:lvl6pPr>
-            <a:lvl7pPr marL="2743200" indent="0">
-              <a:buNone/>
-              <a:defRPr sz="900"/>
-            </a:lvl7pPr>
-            <a:lvl8pPr marL="3200400" indent="0">
-              <a:buNone/>
-              <a:defRPr sz="900"/>
-            </a:lvl8pPr>
-            <a:lvl9pPr marL="3657600" indent="0">
-              <a:buNone/>
-              <a:defRPr sz="900"/>
-            </a:lvl9pPr>
-          </a:lstStyle>
-          <a:p>
-            <a:pPr lvl="0"/>
-            <a:r>
-              <a:rPr lang="en-US" smtClean="0"/>
-              <a:t>Click to edit Master text styles</a:t>
-            </a:r>
-          </a:p>
-        </p:txBody>
-      </p:sp>
-      <p:sp>
-        <p:nvSpPr>
-          <p:cNvPr id="13" name="Title 12"/>
-          <p:cNvSpPr>
-            <a:spLocks noGrp="1"/>
-          </p:cNvSpPr>
-          <p:nvPr>
-            <p:ph type="title"/>
-          </p:nvPr>
-        </p:nvSpPr>
-        <p:spPr/>
-        <p:txBody>
-          <a:bodyPr/>
-          <a:lstStyle/>
-          <a:p>
-            <a:r>
-              <a:rPr lang="en-US" smtClean="0"/>
-              <a:t>Click to edit Master title style</a:t>
-            </a:r>
-            <a:endParaRPr lang="en-US"/>
-          </a:p>
-        </p:txBody>
-      </p:sp>
-      <p:sp>
-        <p:nvSpPr>
-          <p:cNvPr id="16" name="Date Placeholder 15"/>
-          <p:cNvSpPr>
-            <a:spLocks noGrp="1"/>
-          </p:cNvSpPr>
-          <p:nvPr>
-            <p:ph type="dt" sz="half" idx="15"/>
-          </p:nvPr>
-        </p:nvSpPr>
-        <p:spPr/>
-        <p:txBody>
-          <a:bodyPr/>
-          <a:lstStyle/>
-          <a:p>
-            <a:fld id="{55705980-5705-41E2-8A06-C4141CD6B3E4}" type="datetimeFigureOut">
-              <a:rPr lang="en-US" smtClean="0"/>
-              <a:t>11/7/2023</a:t>
-            </a:fld>
-            <a:endParaRPr lang="en-US"/>
-          </a:p>
-        </p:txBody>
-      </p:sp>
-      <p:sp>
-        <p:nvSpPr>
-          <p:cNvPr id="19" name="Slide Number Placeholder 18"/>
-          <p:cNvSpPr>
-            <a:spLocks noGrp="1"/>
-          </p:cNvSpPr>
-          <p:nvPr>
-            <p:ph type="sldNum" sz="quarter" idx="16"/>
-          </p:nvPr>
-        </p:nvSpPr>
-        <p:spPr/>
-        <p:txBody>
-          <a:bodyPr/>
-          <a:lstStyle/>
-          <a:p>
-            <a:fld id="{B2D25BA2-B931-4137-83A9-D076D252D4E1}" type="slidenum">
-              <a:rPr lang="en-US" smtClean="0"/>
-              <a:t>‹#›</a:t>
-            </a:fld>
-            <a:endParaRPr lang="en-US"/>
-          </a:p>
-        </p:txBody>
-      </p:sp>
-      <p:sp>
-        <p:nvSpPr>
-          <p:cNvPr id="23" name="Footer Placeholder 22"/>
-          <p:cNvSpPr>
-            <a:spLocks noGrp="1"/>
-          </p:cNvSpPr>
-          <p:nvPr>
-            <p:ph type="ftr" sz="quarter" idx="17"/>
-          </p:nvPr>
-        </p:nvSpPr>
-        <p:spPr/>
-        <p:txBody>
-          <a:bodyPr/>
-          <a:lstStyle/>
-          <a:p>
-            <a:endParaRPr lang="en-US"/>
-          </a:p>
-        </p:txBody>
-      </p:sp>
-    </p:spTree>
-  </p:cSld>
-  <p:clrMapOvr>
-    <a:masterClrMapping/>
-  </p:clrMapOvr>
-</p:sldLayout>
-</file>
-
-<file path=ppt/slideLayouts/slideLayout9.xml><?xml version="1.0" encoding="utf-8"?>
-<p:sldLayout xmlns:a="http://schemas.openxmlformats.org/drawingml/2006/main" xmlns:r="http://schemas.openxmlformats.org/officeDocument/2006/relationships" xmlns:p="http://schemas.openxmlformats.org/presentationml/2006/main" type="picTx" preserve="1">
-  <p:cSld name="Picture with Caption">
-    <p:spTree>
-      <p:nvGrpSpPr>
-        <p:cNvPr id="1" name=""/>
-        <p:cNvGrpSpPr/>
-        <p:nvPr/>
-      </p:nvGrpSpPr>
-      <p:grpSpPr>
-        <a:xfrm>
-          <a:off x="0" y="0"/>
-          <a:ext cx="0" cy="0"/>
-          <a:chOff x="0" y="0"/>
-          <a:chExt cx="0" cy="0"/>
-        </a:xfrm>
-      </p:grpSpPr>
-      <p:sp>
-        <p:nvSpPr>
-          <p:cNvPr id="3" name="Picture Placeholder 2"/>
-          <p:cNvSpPr>
-            <a:spLocks noGrp="1" noChangeAspect="1"/>
-          </p:cNvSpPr>
-          <p:nvPr>
-            <p:ph type="pic" idx="1"/>
-          </p:nvPr>
-        </p:nvSpPr>
-        <p:spPr>
-          <a:xfrm>
-            <a:off x="1852209" y="2026918"/>
-            <a:ext cx="5439582" cy="3263750"/>
-          </a:xfrm>
-          <a:solidFill>
-            <a:schemeClr val="tx1"/>
-          </a:solidFill>
-          <a:ln w="69850" cmpd="dbl">
-            <a:solidFill>
-              <a:schemeClr val="tx1"/>
-            </a:solidFill>
-            <a:miter lim="800000"/>
-          </a:ln>
-        </p:spPr>
-        <p:txBody>
-          <a:bodyPr vert="horz" lIns="91440" tIns="45720" rIns="91440" bIns="45720" rtlCol="0" anchor="ctr" anchorCtr="0">
-            <a:normAutofit/>
-          </a:bodyPr>
-          <a:lstStyle>
-            <a:lvl1pPr marL="0" indent="0" algn="ctr" defTabSz="914400" rtl="0" eaLnBrk="1" latinLnBrk="0" hangingPunct="1">
-              <a:spcBef>
-                <a:spcPts val="400"/>
-              </a:spcBef>
-              <a:buNone/>
-              <a:defRPr lang="en-US" sz="1800" b="0" kern="1200" cap="none" spc="0" baseline="0" dirty="0">
-                <a:solidFill>
-                  <a:schemeClr val="bg1"/>
-                </a:solidFill>
-                <a:latin typeface="+mj-lt"/>
-                <a:ea typeface="+mj-ea"/>
-                <a:cs typeface="Tunga" pitchFamily="2"/>
-              </a:defRPr>
-            </a:lvl1pPr>
-            <a:lvl2pPr marL="457200" indent="0">
-              <a:buNone/>
-              <a:defRPr sz="2800"/>
-            </a:lvl2pPr>
-            <a:lvl3pPr marL="914400" indent="0">
-              <a:buNone/>
-              <a:defRPr sz="2400"/>
-            </a:lvl3pPr>
-            <a:lvl4pPr marL="1371600" indent="0">
-              <a:buNone/>
-              <a:defRPr sz="2000"/>
-            </a:lvl4pPr>
-            <a:lvl5pPr marL="1828800" indent="0">
-              <a:buNone/>
-              <a:defRPr sz="2000"/>
-            </a:lvl5pPr>
-            <a:lvl6pPr marL="2286000" indent="0">
-              <a:buNone/>
-              <a:defRPr sz="2000"/>
-            </a:lvl6pPr>
-            <a:lvl7pPr marL="2743200" indent="0">
-              <a:buNone/>
-              <a:defRPr sz="2000"/>
-            </a:lvl7pPr>
-            <a:lvl8pPr marL="3200400" indent="0">
-              <a:buNone/>
-              <a:defRPr sz="2000"/>
-            </a:lvl8pPr>
-            <a:lvl9pPr marL="3657600" indent="0">
-              <a:buNone/>
-              <a:defRPr sz="2000"/>
-            </a:lvl9pPr>
-          </a:lstStyle>
-          <a:p>
-            <a:r>
-              <a:rPr lang="en-US" smtClean="0"/>
-              <a:t>Click icon to add picture</a:t>
-            </a:r>
-            <a:endParaRPr lang="en-US" dirty="0"/>
-          </a:p>
-        </p:txBody>
-      </p:sp>
-      <p:sp>
-        <p:nvSpPr>
-          <p:cNvPr id="25" name="Text Placeholder 24"/>
-          <p:cNvSpPr>
-            <a:spLocks noGrp="1"/>
-          </p:cNvSpPr>
-          <p:nvPr>
-            <p:ph type="body" sz="quarter" idx="13"/>
-          </p:nvPr>
-        </p:nvSpPr>
-        <p:spPr>
-          <a:xfrm>
-            <a:off x="1737360" y="5516880"/>
-            <a:ext cx="5669280" cy="548640"/>
-          </a:xfrm>
-        </p:spPr>
-        <p:txBody>
-          <a:bodyPr vert="horz" lIns="91440" tIns="0" rIns="91440" bIns="0" rtlCol="0" anchor="ctr" anchorCtr="0">
-            <a:normAutofit/>
-          </a:bodyPr>
-          <a:lstStyle>
-            <a:lvl1pPr marL="0" indent="0">
-              <a:spcBef>
-                <a:spcPts val="0"/>
-              </a:spcBef>
-              <a:buNone/>
-              <a:defRPr lang="en-US" sz="1400" b="0" i="0" kern="1200" cap="none" spc="30" baseline="0" smtClean="0">
-                <a:solidFill>
-                  <a:schemeClr val="tx2"/>
-                </a:solidFill>
-                <a:latin typeface="+mn-lt"/>
-                <a:ea typeface="+mn-ea"/>
-                <a:cs typeface="Tahoma" pitchFamily="34" charset="0"/>
-              </a:defRPr>
-            </a:lvl1pPr>
-            <a:lvl2pPr marL="171450" indent="1588">
-              <a:buNone/>
-              <a:defRPr>
-                <a:solidFill>
-                  <a:schemeClr val="bg2"/>
-                </a:solidFill>
-              </a:defRPr>
-            </a:lvl2pPr>
-            <a:lvl3pPr marL="344488" indent="6350">
-              <a:buNone/>
-              <a:defRPr>
-                <a:solidFill>
-                  <a:schemeClr val="bg2"/>
-                </a:solidFill>
-              </a:defRPr>
-            </a:lvl3pPr>
-            <a:lvl4pPr marL="515938" indent="3175">
-              <a:buNone/>
-              <a:defRPr>
-                <a:solidFill>
-                  <a:schemeClr val="bg2"/>
-                </a:solidFill>
-              </a:defRPr>
-            </a:lvl4pPr>
-            <a:lvl5pPr marL="688975" indent="-1588">
-              <a:buNone/>
-              <a:defRPr>
-                <a:solidFill>
-                  <a:schemeClr val="bg2"/>
-                </a:solidFill>
-              </a:defRPr>
-            </a:lvl5pPr>
-          </a:lstStyle>
-          <a:p>
-            <a:pPr marL="0" lvl="0" indent="0" algn="ctr" defTabSz="914400" rtl="0" eaLnBrk="1" latinLnBrk="0" hangingPunct="1">
-              <a:spcBef>
-                <a:spcPts val="600"/>
-              </a:spcBef>
-              <a:spcAft>
-                <a:spcPts val="0"/>
-              </a:spcAft>
-              <a:buClr>
-                <a:schemeClr val="accent1"/>
-              </a:buClr>
-              <a:buFont typeface="Arial" pitchFamily="34" charset="0"/>
-              <a:buNone/>
-            </a:pPr>
-            <a:r>
-              <a:rPr lang="en-US" smtClean="0"/>
-              <a:t>Click to edit Master text styles</a:t>
-            </a:r>
-          </a:p>
-        </p:txBody>
-      </p:sp>
-      <p:sp>
-        <p:nvSpPr>
-          <p:cNvPr id="12" name="Title 11"/>
-          <p:cNvSpPr>
-            <a:spLocks noGrp="1"/>
-          </p:cNvSpPr>
-          <p:nvPr>
-            <p:ph type="title"/>
-          </p:nvPr>
-        </p:nvSpPr>
-        <p:spPr>
-          <a:xfrm>
-            <a:off x="2514600" y="975360"/>
-            <a:ext cx="4114800" cy="701040"/>
-          </a:xfrm>
-        </p:spPr>
-        <p:txBody>
-          <a:bodyPr/>
-          <a:lstStyle/>
-          <a:p>
-            <a:r>
-              <a:rPr lang="en-US" smtClean="0"/>
-              <a:t>Click to edit Master title style</a:t>
-            </a:r>
-            <a:endParaRPr lang="en-US"/>
-          </a:p>
-        </p:txBody>
-      </p:sp>
-      <p:sp>
-        <p:nvSpPr>
-          <p:cNvPr id="13" name="Date Placeholder 12"/>
-          <p:cNvSpPr>
-            <a:spLocks noGrp="1"/>
-          </p:cNvSpPr>
-          <p:nvPr>
-            <p:ph type="dt" sz="half" idx="14"/>
-          </p:nvPr>
-        </p:nvSpPr>
-        <p:spPr>
-          <a:xfrm>
-            <a:off x="2981325" y="273180"/>
-            <a:ext cx="3181350" cy="292100"/>
-          </a:xfrm>
-        </p:spPr>
-        <p:txBody>
-          <a:bodyPr/>
-          <a:lstStyle/>
-          <a:p>
-            <a:fld id="{55705980-5705-41E2-8A06-C4141CD6B3E4}" type="datetimeFigureOut">
-              <a:rPr lang="en-US" smtClean="0"/>
-              <a:t>11/7/2023</a:t>
-            </a:fld>
-            <a:endParaRPr lang="en-US"/>
-          </a:p>
-        </p:txBody>
-      </p:sp>
-      <p:sp>
-        <p:nvSpPr>
-          <p:cNvPr id="14" name="Slide Number Placeholder 13"/>
-          <p:cNvSpPr>
-            <a:spLocks noGrp="1"/>
-          </p:cNvSpPr>
-          <p:nvPr>
-            <p:ph type="sldNum" sz="quarter" idx="15"/>
-          </p:nvPr>
-        </p:nvSpPr>
-        <p:spPr>
-          <a:xfrm>
-            <a:off x="4038600" y="6172200"/>
-            <a:ext cx="1066800" cy="304800"/>
-          </a:xfrm>
-        </p:spPr>
-        <p:txBody>
-          <a:bodyPr/>
-          <a:lstStyle/>
-          <a:p>
-            <a:fld id="{B2D25BA2-B931-4137-83A9-D076D252D4E1}" type="slidenum">
-              <a:rPr lang="en-US" smtClean="0"/>
-              <a:t>‹#›</a:t>
-            </a:fld>
-            <a:endParaRPr lang="en-US"/>
-          </a:p>
-        </p:txBody>
-      </p:sp>
-      <p:sp>
-        <p:nvSpPr>
-          <p:cNvPr id="15" name="Footer Placeholder 14"/>
-          <p:cNvSpPr>
-            <a:spLocks noGrp="1"/>
-          </p:cNvSpPr>
-          <p:nvPr>
-            <p:ph type="ftr" sz="quarter" idx="16"/>
-          </p:nvPr>
-        </p:nvSpPr>
-        <p:spPr>
-          <a:xfrm>
-            <a:off x="1447800" y="6486525"/>
-            <a:ext cx="6248400" cy="292100"/>
-          </a:xfrm>
-        </p:spPr>
-        <p:txBody>
-          <a:bodyPr/>
-          <a:lstStyle/>
-          <a:p>
             <a:endParaRPr lang="en-US"/>
           </a:p>
         </p:txBody>
@@ -2916,7 +2565,7 @@
 <p:sldMaster xmlns:a="http://schemas.openxmlformats.org/drawingml/2006/main" xmlns:r="http://schemas.openxmlformats.org/officeDocument/2006/relationships" xmlns:p="http://schemas.openxmlformats.org/presentationml/2006/main">
   <p:cSld>
     <p:bg>
-      <p:bgRef idx="1002">
+      <p:bgRef idx="1001">
         <a:schemeClr val="bg1"/>
       </p:bgRef>
     </p:bg>
@@ -2936,46 +2585,33 @@
       </p:grpSpPr>
       <p:sp>
         <p:nvSpPr>
-          <p:cNvPr id="8" name="Rectangle 7"/>
-          <p:cNvSpPr/>
-          <p:nvPr/>
-        </p:nvSpPr>
-        <p:spPr bwMode="hidden">
-          <a:xfrm>
-            <a:off x="0" y="1335973"/>
-            <a:ext cx="9144000" cy="5522027"/>
+          <p:cNvPr id="2" name="Title Placeholder 1"/>
+          <p:cNvSpPr>
+            <a:spLocks noGrp="1"/>
+          </p:cNvSpPr>
+          <p:nvPr>
+            <p:ph type="title"/>
+          </p:nvPr>
+        </p:nvSpPr>
+        <p:spPr>
+          <a:xfrm>
+            <a:off x="457200" y="274638"/>
+            <a:ext cx="8229600" cy="1143000"/>
           </a:xfrm>
           <a:prstGeom prst="rect">
             <a:avLst/>
           </a:prstGeom>
-          <a:solidFill>
-            <a:schemeClr val="bg1"/>
-          </a:solidFill>
-          <a:ln>
-            <a:noFill/>
-          </a:ln>
-        </p:spPr>
-        <p:style>
-          <a:lnRef idx="2">
-            <a:schemeClr val="accent1">
-              <a:shade val="50000"/>
-            </a:schemeClr>
-          </a:lnRef>
-          <a:fillRef idx="1">
-            <a:schemeClr val="accent1"/>
-          </a:fillRef>
-          <a:effectRef idx="0">
-            <a:schemeClr val="accent1"/>
-          </a:effectRef>
-          <a:fontRef idx="minor">
-            <a:schemeClr val="lt1"/>
-          </a:fontRef>
-        </p:style>
-        <p:txBody>
-          <a:bodyPr rtlCol="0" anchor="ctr"/>
-          <a:lstStyle/>
-          <a:p>
-            <a:pPr algn="ctr"/>
+        </p:spPr>
+        <p:txBody>
+          <a:bodyPr vert="horz" lIns="91440" tIns="45720" rIns="91440" bIns="45720" rtlCol="0" anchor="ctr">
+            <a:normAutofit/>
+          </a:bodyPr>
+          <a:lstStyle/>
+          <a:p>
+            <a:r>
+              <a:rPr lang="en-US" smtClean="0"/>
+              <a:t>Click to edit Master title style</a:t>
+            </a:r>
             <a:endParaRPr lang="en-US"/>
           </a:p>
         </p:txBody>
@@ -2992,8 +2628,8 @@
         </p:nvSpPr>
         <p:spPr>
           <a:xfrm>
-            <a:off x="457200" y="2019301"/>
-            <a:ext cx="8229600" cy="4117340"/>
+            <a:off x="457200" y="1600200"/>
+            <a:ext cx="8229600" cy="4525963"/>
           </a:xfrm>
           <a:prstGeom prst="rect">
             <a:avLst/>
@@ -3038,7 +2674,7 @@
               <a:rPr lang="en-US" smtClean="0"/>
               <a:t>Fifth level</a:t>
             </a:r>
-            <a:endParaRPr lang="en-US" dirty="0"/>
+            <a:endParaRPr lang="en-US"/>
           </a:p>
         </p:txBody>
       </p:sp>
@@ -3054,22 +2690,22 @@
         </p:nvSpPr>
         <p:spPr>
           <a:xfrm>
-            <a:off x="2981325" y="273180"/>
-            <a:ext cx="3181350" cy="292100"/>
+            <a:off x="457200" y="6356350"/>
+            <a:ext cx="2133600" cy="365125"/>
           </a:xfrm>
           <a:prstGeom prst="rect">
             <a:avLst/>
           </a:prstGeom>
         </p:spPr>
         <p:txBody>
-          <a:bodyPr vert="horz" lIns="91440" tIns="45720" rIns="91440" bIns="45720" rtlCol="0" anchor="ctr">
-            <a:noAutofit/>
-          </a:bodyPr>
+          <a:bodyPr vert="horz" lIns="91440" tIns="45720" rIns="91440" bIns="45720" rtlCol="0" anchor="ctr"/>
           <a:lstStyle>
-            <a:lvl1pPr algn="ctr">
-              <a:defRPr sz="1200" b="0" cap="all" spc="300" baseline="0">
+            <a:lvl1pPr algn="l">
+              <a:defRPr sz="1200">
                 <a:solidFill>
-                  <a:schemeClr val="tx1"/>
+                  <a:schemeClr val="tx1">
+                    <a:tint val="75000"/>
+                  </a:schemeClr>
                 </a:solidFill>
               </a:defRPr>
             </a:lvl1pPr>
@@ -3077,7 +2713,8 @@
           <a:p>
             <a:fld id="{55705980-5705-41E2-8A06-C4141CD6B3E4}" type="datetimeFigureOut">
               <a:rPr lang="en-US" smtClean="0"/>
-              <a:t>11/7/2023</a:t>
+              <a:pPr/>
+              <a:t>6/27/2024</a:t>
             </a:fld>
             <a:endParaRPr lang="en-US"/>
           </a:p>
@@ -3095,22 +2732,22 @@
         </p:nvSpPr>
         <p:spPr>
           <a:xfrm>
-            <a:off x="1447800" y="6486525"/>
-            <a:ext cx="6248400" cy="292100"/>
+            <a:off x="3124200" y="6356350"/>
+            <a:ext cx="2895600" cy="365125"/>
           </a:xfrm>
           <a:prstGeom prst="rect">
             <a:avLst/>
           </a:prstGeom>
         </p:spPr>
         <p:txBody>
-          <a:bodyPr vert="horz" lIns="91440" tIns="45720" rIns="91440" bIns="45720" rtlCol="0" anchor="ctr">
-            <a:normAutofit/>
-          </a:bodyPr>
+          <a:bodyPr vert="horz" lIns="91440" tIns="45720" rIns="91440" bIns="45720" rtlCol="0" anchor="ctr"/>
           <a:lstStyle>
             <a:lvl1pPr algn="ctr">
-              <a:defRPr sz="1100" b="0" cap="all" spc="300" baseline="0">
+              <a:defRPr sz="1200">
                 <a:solidFill>
-                  <a:schemeClr val="tx1"/>
+                  <a:schemeClr val="tx1">
+                    <a:tint val="75000"/>
+                  </a:schemeClr>
                 </a:solidFill>
               </a:defRPr>
             </a:lvl1pPr>
@@ -3132,25 +2769,22 @@
         </p:nvSpPr>
         <p:spPr>
           <a:xfrm>
-            <a:off x="4038600" y="6172200"/>
-            <a:ext cx="1066800" cy="304800"/>
+            <a:off x="6553200" y="6356350"/>
+            <a:ext cx="2133600" cy="365125"/>
           </a:xfrm>
           <a:prstGeom prst="rect">
             <a:avLst/>
           </a:prstGeom>
-          <a:ln>
-            <a:noFill/>
-          </a:ln>
-        </p:spPr>
-        <p:txBody>
-          <a:bodyPr vert="horz" lIns="0" tIns="0" rIns="0" bIns="0" rtlCol="0" anchor="ctr">
-            <a:normAutofit/>
-          </a:bodyPr>
+        </p:spPr>
+        <p:txBody>
+          <a:bodyPr vert="horz" lIns="91440" tIns="45720" rIns="91440" bIns="45720" rtlCol="0" anchor="ctr"/>
           <a:lstStyle>
-            <a:lvl1pPr algn="ctr">
-              <a:defRPr sz="1200" b="1">
+            <a:lvl1pPr algn="r">
+              <a:defRPr sz="1200">
                 <a:solidFill>
-                  <a:schemeClr val="tx1"/>
+                  <a:schemeClr val="tx1">
+                    <a:tint val="75000"/>
+                  </a:schemeClr>
                 </a:solidFill>
               </a:defRPr>
             </a:lvl1pPr>
@@ -3158,266 +2792,144 @@
           <a:p>
             <a:fld id="{B2D25BA2-B931-4137-83A9-D076D252D4E1}" type="slidenum">
               <a:rPr lang="en-US" smtClean="0"/>
+              <a:pPr/>
               <a:t>‹#›</a:t>
             </a:fld>
             <a:endParaRPr lang="en-US"/>
           </a:p>
         </p:txBody>
       </p:sp>
-      <p:cxnSp>
-        <p:nvCxnSpPr>
-          <p:cNvPr id="10" name="Straight Connector 9"/>
-          <p:cNvCxnSpPr/>
-          <p:nvPr/>
-        </p:nvCxnSpPr>
-        <p:spPr>
-          <a:xfrm>
-            <a:off x="0" y="1331436"/>
-            <a:ext cx="9144000" cy="1588"/>
-          </a:xfrm>
-          <a:prstGeom prst="line">
-            <a:avLst/>
-          </a:prstGeom>
-          <a:ln w="12700">
-            <a:solidFill>
-              <a:schemeClr val="tx2">
-                <a:lumMod val="75000"/>
-              </a:schemeClr>
-            </a:solidFill>
-          </a:ln>
-          <a:effectLst/>
-        </p:spPr>
-        <p:style>
-          <a:lnRef idx="1">
-            <a:schemeClr val="accent1"/>
-          </a:lnRef>
-          <a:fillRef idx="0">
-            <a:schemeClr val="accent1"/>
-          </a:fillRef>
-          <a:effectRef idx="0">
-            <a:schemeClr val="accent1"/>
-          </a:effectRef>
-          <a:fontRef idx="minor">
-            <a:schemeClr val="tx1"/>
-          </a:fontRef>
-        </p:style>
-      </p:cxnSp>
-      <p:sp>
-        <p:nvSpPr>
-          <p:cNvPr id="2" name="Title Placeholder 1"/>
-          <p:cNvSpPr>
-            <a:spLocks noGrp="1"/>
-          </p:cNvSpPr>
-          <p:nvPr>
-            <p:ph type="title"/>
-          </p:nvPr>
-        </p:nvSpPr>
-        <p:spPr>
-          <a:xfrm>
-            <a:off x="2514600" y="975360"/>
-            <a:ext cx="4114800" cy="701040"/>
-          </a:xfrm>
-          <a:prstGeom prst="rect">
-            <a:avLst/>
-          </a:prstGeom>
-          <a:solidFill>
-            <a:schemeClr val="tx1"/>
-          </a:solidFill>
-          <a:ln w="76200" cmpd="thinThick">
-            <a:solidFill>
-              <a:schemeClr val="tx1"/>
-            </a:solidFill>
-            <a:miter lim="800000"/>
-          </a:ln>
-        </p:spPr>
-        <p:txBody>
-          <a:bodyPr vert="horz" lIns="91440" tIns="45720" rIns="91440" bIns="45720" rtlCol="0" anchor="ctr" anchorCtr="0">
-            <a:normAutofit/>
-          </a:bodyPr>
-          <a:lstStyle/>
-          <a:p>
-            <a:r>
-              <a:rPr lang="en-US" smtClean="0"/>
-              <a:t>Click to edit Master title style</a:t>
-            </a:r>
-            <a:endParaRPr lang="en-US" dirty="0"/>
-          </a:p>
-        </p:txBody>
-      </p:sp>
     </p:spTree>
   </p:cSld>
-  <p:clrMap bg1="dk1" tx1="lt1" bg2="dk2" tx2="lt2" accent1="accent1" accent2="accent2" accent3="accent3" accent4="accent4" accent5="accent5" accent6="accent6" hlink="hlink" folHlink="folHlink"/>
+  <p:clrMap bg1="lt1" tx1="dk1" bg2="lt2" tx2="dk2" accent1="accent1" accent2="accent2" accent3="accent3" accent4="accent4" accent5="accent5" accent6="accent6" hlink="hlink" folHlink="folHlink"/>
   <p:sldLayoutIdLst>
-    <p:sldLayoutId id="2147483781" r:id="rId1"/>
-    <p:sldLayoutId id="2147483782" r:id="rId2"/>
-    <p:sldLayoutId id="2147483783" r:id="rId3"/>
-    <p:sldLayoutId id="2147483784" r:id="rId4"/>
-    <p:sldLayoutId id="2147483785" r:id="rId5"/>
-    <p:sldLayoutId id="2147483786" r:id="rId6"/>
-    <p:sldLayoutId id="2147483787" r:id="rId7"/>
-    <p:sldLayoutId id="2147483788" r:id="rId8"/>
-    <p:sldLayoutId id="2147483789" r:id="rId9"/>
-    <p:sldLayoutId id="2147483790" r:id="rId10"/>
-    <p:sldLayoutId id="2147483791" r:id="rId11"/>
+    <p:sldLayoutId id="2147483817" r:id="rId1"/>
+    <p:sldLayoutId id="2147483818" r:id="rId2"/>
+    <p:sldLayoutId id="2147483819" r:id="rId3"/>
+    <p:sldLayoutId id="2147483820" r:id="rId4"/>
+    <p:sldLayoutId id="2147483821" r:id="rId5"/>
+    <p:sldLayoutId id="2147483822" r:id="rId6"/>
+    <p:sldLayoutId id="2147483823" r:id="rId7"/>
+    <p:sldLayoutId id="2147483824" r:id="rId8"/>
+    <p:sldLayoutId id="2147483825" r:id="rId9"/>
+    <p:sldLayoutId id="2147483826" r:id="rId10"/>
+    <p:sldLayoutId id="2147483827" r:id="rId11"/>
   </p:sldLayoutIdLst>
   <p:txStyles>
     <p:titleStyle>
       <a:lvl1pPr algn="ctr" defTabSz="914400" rtl="0" eaLnBrk="1" latinLnBrk="0" hangingPunct="1">
         <a:spcBef>
-          <a:spcPts val="400"/>
+          <a:spcPct val="0"/>
         </a:spcBef>
         <a:buNone/>
-        <a:defRPr sz="1800" b="1" kern="1200" cap="all" spc="0" baseline="0">
+        <a:defRPr sz="4400" kern="1200">
           <a:solidFill>
-            <a:schemeClr val="bg1">
-              <a:lumMod val="75000"/>
-              <a:lumOff val="25000"/>
-            </a:schemeClr>
+            <a:schemeClr val="tx1"/>
           </a:solidFill>
-          <a:effectLst/>
           <a:latin typeface="+mj-lt"/>
           <a:ea typeface="+mj-ea"/>
-          <a:cs typeface="Tunga" pitchFamily="2"/>
+          <a:cs typeface="+mj-cs"/>
         </a:defRPr>
       </a:lvl1pPr>
     </p:titleStyle>
     <p:bodyStyle>
-      <a:lvl1pPr marL="0" indent="0" algn="ctr" defTabSz="914400" rtl="0" eaLnBrk="1" latinLnBrk="0" hangingPunct="1">
-        <a:lnSpc>
-          <a:spcPct val="100000"/>
-        </a:lnSpc>
+      <a:lvl1pPr marL="342900" indent="-342900" algn="l" defTabSz="914400" rtl="0" eaLnBrk="1" latinLnBrk="0" hangingPunct="1">
         <a:spcBef>
-          <a:spcPts val="600"/>
+          <a:spcPct val="20000"/>
         </a:spcBef>
-        <a:spcAft>
-          <a:spcPts val="0"/>
-        </a:spcAft>
-        <a:buClr>
-          <a:schemeClr val="accent1"/>
-        </a:buClr>
-        <a:buFontTx/>
-        <a:buNone/>
-        <a:defRPr sz="2000" b="0" i="0" kern="1200" cap="none" spc="30" baseline="0">
+        <a:buFont typeface="Arial" pitchFamily="34" charset="0"/>
+        <a:buChar char="•"/>
+        <a:defRPr sz="3200" kern="1200">
           <a:solidFill>
             <a:schemeClr val="tx1"/>
           </a:solidFill>
           <a:latin typeface="+mn-lt"/>
           <a:ea typeface="+mn-ea"/>
-          <a:cs typeface="Tahoma" pitchFamily="34" charset="0"/>
+          <a:cs typeface="+mn-cs"/>
         </a:defRPr>
       </a:lvl1pPr>
-      <a:lvl2pPr marL="0" indent="0" algn="ctr" defTabSz="914400" rtl="0" eaLnBrk="1" latinLnBrk="0" hangingPunct="1">
-        <a:lnSpc>
-          <a:spcPct val="100000"/>
-        </a:lnSpc>
+      <a:lvl2pPr marL="742950" indent="-285750" algn="l" defTabSz="914400" rtl="0" eaLnBrk="1" latinLnBrk="0" hangingPunct="1">
         <a:spcBef>
-          <a:spcPts val="1200"/>
+          <a:spcPct val="20000"/>
         </a:spcBef>
-        <a:buClr>
-          <a:schemeClr val="accent1"/>
-        </a:buClr>
-        <a:buFontTx/>
-        <a:buNone/>
-        <a:defRPr sz="1800" kern="1200">
-          <a:solidFill>
-            <a:schemeClr val="tx2"/>
-          </a:solidFill>
-          <a:latin typeface="+mn-lt"/>
-          <a:ea typeface="+mn-ea"/>
-          <a:cs typeface="Tahoma" pitchFamily="34" charset="0"/>
-        </a:defRPr>
-      </a:lvl2pPr>
-      <a:lvl3pPr marL="0" indent="0" algn="ctr" defTabSz="914400" rtl="0" eaLnBrk="1" latinLnBrk="0" hangingPunct="1">
-        <a:lnSpc>
-          <a:spcPct val="100000"/>
-        </a:lnSpc>
-        <a:spcBef>
-          <a:spcPts val="1200"/>
-        </a:spcBef>
-        <a:buClr>
-          <a:schemeClr val="accent1"/>
-        </a:buClr>
-        <a:buFontTx/>
-        <a:buNone/>
-        <a:defRPr sz="1600" kern="1200">
+        <a:buFont typeface="Arial" pitchFamily="34" charset="0"/>
+        <a:buChar char="–"/>
+        <a:defRPr sz="2800" kern="1200">
           <a:solidFill>
             <a:schemeClr val="tx1"/>
           </a:solidFill>
           <a:latin typeface="+mn-lt"/>
           <a:ea typeface="+mn-ea"/>
-          <a:cs typeface="Tahoma" pitchFamily="34" charset="0"/>
+          <a:cs typeface="+mn-cs"/>
         </a:defRPr>
-      </a:lvl3pPr>
-      <a:lvl4pPr marL="0" indent="0" algn="ctr" defTabSz="914400" rtl="0" eaLnBrk="1" latinLnBrk="0" hangingPunct="1">
-        <a:lnSpc>
-          <a:spcPct val="100000"/>
-        </a:lnSpc>
+      </a:lvl2pPr>
+      <a:lvl3pPr marL="1143000" indent="-228600" algn="l" defTabSz="914400" rtl="0" eaLnBrk="1" latinLnBrk="0" hangingPunct="1">
         <a:spcBef>
-          <a:spcPts val="1200"/>
+          <a:spcPct val="20000"/>
         </a:spcBef>
-        <a:buClr>
-          <a:schemeClr val="accent1"/>
-        </a:buClr>
-        <a:buFontTx/>
-        <a:buNone/>
-        <a:defRPr sz="1400" kern="1200">
-          <a:solidFill>
-            <a:schemeClr val="tx2"/>
-          </a:solidFill>
-          <a:latin typeface="+mn-lt"/>
-          <a:ea typeface="+mn-ea"/>
-          <a:cs typeface="Tahoma" pitchFamily="34" charset="0"/>
-        </a:defRPr>
-      </a:lvl4pPr>
-      <a:lvl5pPr marL="0" indent="0" algn="ctr" defTabSz="914400" rtl="0" eaLnBrk="1" latinLnBrk="0" hangingPunct="1">
-        <a:lnSpc>
-          <a:spcPct val="100000"/>
-        </a:lnSpc>
-        <a:spcBef>
-          <a:spcPts val="1200"/>
-        </a:spcBef>
-        <a:buClr>
-          <a:schemeClr val="accent1"/>
-        </a:buClr>
-        <a:buFontTx/>
-        <a:buNone/>
-        <a:defRPr sz="1400" kern="1200" baseline="0">
+        <a:buFont typeface="Arial" pitchFamily="34" charset="0"/>
+        <a:buChar char="•"/>
+        <a:defRPr sz="2400" kern="1200">
           <a:solidFill>
             <a:schemeClr val="tx1"/>
           </a:solidFill>
           <a:latin typeface="+mn-lt"/>
           <a:ea typeface="+mn-ea"/>
-          <a:cs typeface="Tahoma" pitchFamily="34" charset="0"/>
+          <a:cs typeface="+mn-cs"/>
+        </a:defRPr>
+      </a:lvl3pPr>
+      <a:lvl4pPr marL="1600200" indent="-228600" algn="l" defTabSz="914400" rtl="0" eaLnBrk="1" latinLnBrk="0" hangingPunct="1">
+        <a:spcBef>
+          <a:spcPct val="20000"/>
+        </a:spcBef>
+        <a:buFont typeface="Arial" pitchFamily="34" charset="0"/>
+        <a:buChar char="–"/>
+        <a:defRPr sz="2000" kern="1200">
+          <a:solidFill>
+            <a:schemeClr val="tx1"/>
+          </a:solidFill>
+          <a:latin typeface="+mn-lt"/>
+          <a:ea typeface="+mn-ea"/>
+          <a:cs typeface="+mn-cs"/>
+        </a:defRPr>
+      </a:lvl4pPr>
+      <a:lvl5pPr marL="2057400" indent="-228600" algn="l" defTabSz="914400" rtl="0" eaLnBrk="1" latinLnBrk="0" hangingPunct="1">
+        <a:spcBef>
+          <a:spcPct val="20000"/>
+        </a:spcBef>
+        <a:buFont typeface="Arial" pitchFamily="34" charset="0"/>
+        <a:buChar char="»"/>
+        <a:defRPr sz="2000" kern="1200">
+          <a:solidFill>
+            <a:schemeClr val="tx1"/>
+          </a:solidFill>
+          <a:latin typeface="+mn-lt"/>
+          <a:ea typeface="+mn-ea"/>
+          <a:cs typeface="+mn-cs"/>
         </a:defRPr>
       </a:lvl5pPr>
-      <a:lvl6pPr marL="0" indent="0" algn="ctr" defTabSz="914400" rtl="0" eaLnBrk="1" latinLnBrk="0" hangingPunct="1">
-        <a:lnSpc>
-          <a:spcPct val="100000"/>
-        </a:lnSpc>
+      <a:lvl6pPr marL="2514600" indent="-228600" algn="l" defTabSz="914400" rtl="0" eaLnBrk="1" latinLnBrk="0" hangingPunct="1">
         <a:spcBef>
-          <a:spcPts val="1200"/>
+          <a:spcPct val="20000"/>
         </a:spcBef>
         <a:buFont typeface="Arial" pitchFamily="34" charset="0"/>
-        <a:buNone/>
-        <a:defRPr sz="1400" kern="1200">
+        <a:buChar char="•"/>
+        <a:defRPr sz="2000" kern="1200">
           <a:solidFill>
-            <a:schemeClr val="tx2"/>
+            <a:schemeClr val="tx1"/>
           </a:solidFill>
           <a:latin typeface="+mn-lt"/>
           <a:ea typeface="+mn-ea"/>
           <a:cs typeface="+mn-cs"/>
         </a:defRPr>
       </a:lvl6pPr>
-      <a:lvl7pPr marL="0" indent="0" algn="ctr" defTabSz="914400" rtl="0" eaLnBrk="1" latinLnBrk="0" hangingPunct="1">
-        <a:lnSpc>
-          <a:spcPct val="100000"/>
-        </a:lnSpc>
+      <a:lvl7pPr marL="2971800" indent="-228600" algn="l" defTabSz="914400" rtl="0" eaLnBrk="1" latinLnBrk="0" hangingPunct="1">
         <a:spcBef>
-          <a:spcPts val="1200"/>
+          <a:spcPct val="20000"/>
         </a:spcBef>
         <a:buFont typeface="Arial" pitchFamily="34" charset="0"/>
-        <a:buNone/>
-        <a:defRPr sz="1400" kern="1200">
+        <a:buChar char="•"/>
+        <a:defRPr sz="2000" kern="1200">
           <a:solidFill>
             <a:schemeClr val="tx1"/>
           </a:solidFill>
@@ -3426,34 +2938,28 @@
           <a:cs typeface="+mn-cs"/>
         </a:defRPr>
       </a:lvl7pPr>
-      <a:lvl8pPr marL="0" indent="0" algn="ctr" defTabSz="914400" rtl="0" eaLnBrk="1" latinLnBrk="0" hangingPunct="1">
-        <a:lnSpc>
-          <a:spcPct val="100000"/>
-        </a:lnSpc>
+      <a:lvl8pPr marL="3429000" indent="-228600" algn="l" defTabSz="914400" rtl="0" eaLnBrk="1" latinLnBrk="0" hangingPunct="1">
         <a:spcBef>
-          <a:spcPts val="1200"/>
+          <a:spcPct val="20000"/>
         </a:spcBef>
         <a:buFont typeface="Arial" pitchFamily="34" charset="0"/>
-        <a:buNone/>
-        <a:defRPr sz="1400" kern="1200">
+        <a:buChar char="•"/>
+        <a:defRPr sz="2000" kern="1200">
           <a:solidFill>
-            <a:schemeClr val="tx2"/>
+            <a:schemeClr val="tx1"/>
           </a:solidFill>
           <a:latin typeface="+mn-lt"/>
           <a:ea typeface="+mn-ea"/>
           <a:cs typeface="+mn-cs"/>
         </a:defRPr>
       </a:lvl8pPr>
-      <a:lvl9pPr marL="0" indent="0" algn="ctr" defTabSz="914400" rtl="0" eaLnBrk="1" latinLnBrk="0" hangingPunct="1">
-        <a:lnSpc>
-          <a:spcPct val="100000"/>
-        </a:lnSpc>
+      <a:lvl9pPr marL="3886200" indent="-228600" algn="l" defTabSz="914400" rtl="0" eaLnBrk="1" latinLnBrk="0" hangingPunct="1">
         <a:spcBef>
-          <a:spcPts val="1200"/>
+          <a:spcPct val="20000"/>
         </a:spcBef>
         <a:buFont typeface="Arial" pitchFamily="34" charset="0"/>
-        <a:buNone/>
-        <a:defRPr sz="1400" kern="1200">
+        <a:buChar char="•"/>
+        <a:defRPr sz="2000" kern="1200">
           <a:solidFill>
             <a:schemeClr val="tx1"/>
           </a:solidFill>
@@ -3972,7 +3478,7 @@
     </p:spTree>
     <p:extLst>
       <p:ext uri="{BB962C8B-B14F-4D97-AF65-F5344CB8AC3E}">
-        <p14:creationId xmlns:p14="http://schemas.microsoft.com/office/powerpoint/2010/main" val="1881568015"/>
+        <p14:creationId xmlns="" xmlns:p14="http://schemas.microsoft.com/office/powerpoint/2010/main" val="1881568015"/>
       </p:ext>
     </p:extLst>
   </p:cSld>
@@ -4014,8 +3520,8 @@
         </p:nvSpPr>
         <p:spPr>
           <a:xfrm>
-            <a:off x="533400" y="761999"/>
-            <a:ext cx="7848600" cy="4708981"/>
+            <a:off x="381000" y="152400"/>
+            <a:ext cx="8534400" cy="6278642"/>
           </a:xfrm>
           <a:prstGeom prst="rect">
             <a:avLst/>
@@ -4028,96 +3534,15 @@
           </a:bodyPr>
           <a:lstStyle/>
           <a:p>
-            <a:endParaRPr lang="en-US" dirty="0" smtClean="0"/>
-          </a:p>
-          <a:p>
             <a:r>
               <a:rPr lang="en-US" sz="2400" b="1" dirty="0" smtClean="0"/>
-              <a:t>Hardware Requirements:</a:t>
-            </a:r>
-          </a:p>
-          <a:p>
-            <a:endParaRPr lang="en-US" dirty="0" smtClean="0"/>
-          </a:p>
-          <a:p>
-            <a:r>
-              <a:rPr lang="en-US" dirty="0" smtClean="0"/>
-              <a:t>- Standard personal computer or laptop</a:t>
-            </a:r>
-          </a:p>
-          <a:p>
-            <a:r>
-              <a:rPr lang="en-US" dirty="0" smtClean="0"/>
-              <a:t>- Internet connection for online access</a:t>
-            </a:r>
-          </a:p>
-          <a:p>
-            <a:endParaRPr lang="en-US" dirty="0" smtClean="0"/>
-          </a:p>
-          <a:p>
-            <a:r>
-              <a:rPr lang="en-US" dirty="0"/>
-              <a:t> </a:t>
-            </a:r>
-            <a:r>
-              <a:rPr lang="en-US" sz="2400" b="1" dirty="0" smtClean="0"/>
-              <a:t>Software Requirements:</a:t>
-            </a:r>
-          </a:p>
-          <a:p>
-            <a:endParaRPr lang="en-US" dirty="0" smtClean="0"/>
-          </a:p>
-          <a:p>
-            <a:r>
-              <a:rPr lang="en-US" dirty="0" smtClean="0"/>
-              <a:t>-    Web browser (e.g., Chrome, Firefox, Safari)</a:t>
-            </a:r>
-          </a:p>
-          <a:p>
-            <a:r>
-              <a:rPr lang="en-US" dirty="0" smtClean="0"/>
-              <a:t>-    Operating System: Windows, </a:t>
-            </a:r>
-            <a:r>
-              <a:rPr lang="en-US" dirty="0" err="1" smtClean="0"/>
-              <a:t>macOS</a:t>
-            </a:r>
-            <a:r>
-              <a:rPr lang="en-US" dirty="0" smtClean="0"/>
-              <a:t>, or Linux</a:t>
-            </a:r>
-          </a:p>
-          <a:p>
-            <a:r>
-              <a:rPr lang="en-US" dirty="0" smtClean="0"/>
-              <a:t>-    Development tools: Text editor, IDE for coding and development</a:t>
-            </a:r>
-          </a:p>
-          <a:p>
-            <a:pPr marL="285750" indent="-285750">
-              <a:buFontTx/>
-              <a:buChar char="-"/>
-            </a:pPr>
-            <a:r>
-              <a:rPr lang="en-US" dirty="0" smtClean="0"/>
-              <a:t>Database management system                                                                              (e.g., MySQL, </a:t>
-            </a:r>
-            <a:r>
-              <a:rPr lang="en-US" dirty="0" err="1" smtClean="0"/>
-              <a:t>PostgreSQL</a:t>
-            </a:r>
-            <a:r>
-              <a:rPr lang="en-US" dirty="0" smtClean="0"/>
-              <a:t>) for data storage</a:t>
-            </a:r>
-          </a:p>
-          <a:p>
-            <a:endParaRPr lang="en-US" dirty="0" smtClean="0"/>
-          </a:p>
-          <a:p>
-            <a:r>
-              <a:rPr lang="en-US" dirty="0" smtClean="0"/>
-              <a:t>These basic hardware and software requirements ensure that </a:t>
+              <a:t>Feasibility Analysis:</a:t>
+            </a:r>
+          </a:p>
+          <a:p>
+            <a:r>
+              <a:rPr lang="en-US" dirty="0" smtClean="0"/>
+              <a:t>Before embarking on the development of </a:t>
             </a:r>
             <a:r>
               <a:rPr lang="en-US" dirty="0" err="1" smtClean="0"/>
@@ -4125,7 +3550,86 @@
             </a:r>
             <a:r>
               <a:rPr lang="en-US" dirty="0" smtClean="0"/>
-              <a:t> is accessible and functional for users on various devices and platforms.</a:t>
+              <a:t>, we conducted a comprehensive feasibility study to assess both technical and economic viability.</a:t>
+            </a:r>
+          </a:p>
+          <a:p>
+            <a:endParaRPr lang="en-US" dirty="0" smtClean="0"/>
+          </a:p>
+          <a:p>
+            <a:r>
+              <a:rPr lang="en-US" b="1" dirty="0" smtClean="0"/>
+              <a:t>Technical Feasibility:</a:t>
+            </a:r>
+          </a:p>
+          <a:p>
+            <a:r>
+              <a:rPr lang="en-US" dirty="0" smtClean="0"/>
+              <a:t>- Our team possesses the necessary technical expertise and skills.</a:t>
+            </a:r>
+          </a:p>
+          <a:p>
+            <a:r>
+              <a:rPr lang="en-US" dirty="0" smtClean="0"/>
+              <a:t>- The technologies we employ, HTML, CSS, and JavaScript, are well-established and widely supported.</a:t>
+            </a:r>
+          </a:p>
+          <a:p>
+            <a:r>
+              <a:rPr lang="en-US" dirty="0" smtClean="0"/>
+              <a:t>- The infrastructure required for web hosting and database management is readily available and cost-effective.</a:t>
+            </a:r>
+          </a:p>
+          <a:p>
+            <a:endParaRPr lang="en-US" dirty="0" smtClean="0"/>
+          </a:p>
+          <a:p>
+            <a:r>
+              <a:rPr lang="en-US" b="1" dirty="0" smtClean="0"/>
+              <a:t>Economic Feasibility:</a:t>
+            </a:r>
+          </a:p>
+          <a:p>
+            <a:r>
+              <a:rPr lang="en-US" dirty="0" smtClean="0"/>
+              <a:t>- </a:t>
+            </a:r>
+            <a:r>
+              <a:rPr lang="en-US" dirty="0" err="1" smtClean="0"/>
+              <a:t>EventPro</a:t>
+            </a:r>
+            <a:r>
+              <a:rPr lang="en-US" dirty="0" smtClean="0"/>
+              <a:t> offers a cost-effective solution for event planning, reducing the need for expensive event management services.</a:t>
+            </a:r>
+          </a:p>
+          <a:p>
+            <a:r>
+              <a:rPr lang="en-US" dirty="0" smtClean="0"/>
+              <a:t>- We evaluated development and maintenance costs, ensuring the project remains financially sustainable.</a:t>
+            </a:r>
+          </a:p>
+          <a:p>
+            <a:r>
+              <a:rPr lang="en-US" dirty="0" smtClean="0"/>
+              <a:t>- Through market research, we identified a demand for an affordable, user-friendly event planning platform.</a:t>
+            </a:r>
+          </a:p>
+          <a:p>
+            <a:endParaRPr lang="en-US" dirty="0" smtClean="0"/>
+          </a:p>
+          <a:p>
+            <a:r>
+              <a:rPr lang="en-US" dirty="0" smtClean="0"/>
+              <a:t>The results of our feasibility analysis confirmed that </a:t>
+            </a:r>
+            <a:r>
+              <a:rPr lang="en-US" dirty="0" err="1" smtClean="0"/>
+              <a:t>EventPro</a:t>
+            </a:r>
+            <a:r>
+              <a:rPr lang="en-US" dirty="0" smtClean="0"/>
+              <a:t> is both technically and economically viable, assuring a reliable and budget-friendly solution for event organization.</a:t>
             </a:r>
             <a:endParaRPr lang="en-US" dirty="0"/>
           </a:p>
@@ -4134,7 +3638,7 @@
     </p:spTree>
     <p:extLst>
       <p:ext uri="{BB962C8B-B14F-4D97-AF65-F5344CB8AC3E}">
-        <p14:creationId xmlns:p14="http://schemas.microsoft.com/office/powerpoint/2010/main" val="2402770012"/>
+        <p14:creationId xmlns="" xmlns:p14="http://schemas.microsoft.com/office/powerpoint/2010/main" val="3970211863"/>
       </p:ext>
     </p:extLst>
   </p:cSld>
@@ -4176,8 +3680,8 @@
         </p:nvSpPr>
         <p:spPr>
           <a:xfrm>
-            <a:off x="381000" y="381000"/>
-            <a:ext cx="8001000" cy="6001643"/>
+            <a:off x="533400" y="761999"/>
+            <a:ext cx="7848600" cy="4708981"/>
           </a:xfrm>
           <a:prstGeom prst="rect">
             <a:avLst/>
@@ -4190,13 +3694,96 @@
           </a:bodyPr>
           <a:lstStyle/>
           <a:p>
+            <a:endParaRPr lang="en-US" dirty="0" smtClean="0"/>
+          </a:p>
+          <a:p>
             <a:r>
               <a:rPr lang="en-US" sz="2400" b="1" dirty="0" smtClean="0"/>
-              <a:t>Design Overview: </a:t>
-            </a:r>
-            <a:r>
-              <a:rPr lang="en-US" dirty="0" smtClean="0"/>
-              <a:t>The design of </a:t>
+              <a:t>Hardware Requirements:</a:t>
+            </a:r>
+          </a:p>
+          <a:p>
+            <a:endParaRPr lang="en-US" dirty="0" smtClean="0"/>
+          </a:p>
+          <a:p>
+            <a:r>
+              <a:rPr lang="en-US" dirty="0" smtClean="0"/>
+              <a:t>- Standard personal computer or laptop</a:t>
+            </a:r>
+          </a:p>
+          <a:p>
+            <a:r>
+              <a:rPr lang="en-US" dirty="0" smtClean="0"/>
+              <a:t>- Internet connection for online access</a:t>
+            </a:r>
+          </a:p>
+          <a:p>
+            <a:endParaRPr lang="en-US" dirty="0" smtClean="0"/>
+          </a:p>
+          <a:p>
+            <a:r>
+              <a:rPr lang="en-US" dirty="0"/>
+              <a:t> </a:t>
+            </a:r>
+            <a:r>
+              <a:rPr lang="en-US" sz="2400" b="1" dirty="0" smtClean="0"/>
+              <a:t>Software Requirements:</a:t>
+            </a:r>
+          </a:p>
+          <a:p>
+            <a:endParaRPr lang="en-US" dirty="0" smtClean="0"/>
+          </a:p>
+          <a:p>
+            <a:r>
+              <a:rPr lang="en-US" dirty="0" smtClean="0"/>
+              <a:t>-    Web browser (e.g., Chrome, Firefox, Safari)</a:t>
+            </a:r>
+          </a:p>
+          <a:p>
+            <a:r>
+              <a:rPr lang="en-US" dirty="0" smtClean="0"/>
+              <a:t>-    Operating System: Windows, </a:t>
+            </a:r>
+            <a:r>
+              <a:rPr lang="en-US" dirty="0" err="1" smtClean="0"/>
+              <a:t>macOS</a:t>
+            </a:r>
+            <a:r>
+              <a:rPr lang="en-US" dirty="0" smtClean="0"/>
+              <a:t>, or Linux</a:t>
+            </a:r>
+          </a:p>
+          <a:p>
+            <a:r>
+              <a:rPr lang="en-US" dirty="0" smtClean="0"/>
+              <a:t>-    Development tools: Text editor, IDE for coding and development</a:t>
+            </a:r>
+          </a:p>
+          <a:p>
+            <a:pPr marL="285750" indent="-285750">
+              <a:buFontTx/>
+              <a:buChar char="-"/>
+            </a:pPr>
+            <a:r>
+              <a:rPr lang="en-US" dirty="0" smtClean="0"/>
+              <a:t>Database management system                                                                              (e.g., MySQL, </a:t>
+            </a:r>
+            <a:r>
+              <a:rPr lang="en-US" dirty="0" err="1" smtClean="0"/>
+              <a:t>PostgreSQL</a:t>
+            </a:r>
+            <a:r>
+              <a:rPr lang="en-US" dirty="0" smtClean="0"/>
+              <a:t>) for data storage</a:t>
+            </a:r>
+          </a:p>
+          <a:p>
+            <a:endParaRPr lang="en-US" dirty="0" smtClean="0"/>
+          </a:p>
+          <a:p>
+            <a:r>
+              <a:rPr lang="en-US" dirty="0" smtClean="0"/>
+              <a:t>These basic hardware and software requirements ensure that </a:t>
             </a:r>
             <a:r>
               <a:rPr lang="en-US" dirty="0" err="1" smtClean="0"/>
@@ -4204,91 +3791,7 @@
             </a:r>
             <a:r>
               <a:rPr lang="en-US" dirty="0" smtClean="0"/>
-              <a:t> focuses on providing an intuitive, user-friendly, and aesthetically pleasing experience for our users.</a:t>
-            </a:r>
-          </a:p>
-          <a:p>
-            <a:endParaRPr lang="en-US" dirty="0" smtClean="0"/>
-          </a:p>
-          <a:p>
-            <a:r>
-              <a:rPr lang="en-US" dirty="0" smtClean="0"/>
-              <a:t>Key Design Principles:</a:t>
-            </a:r>
-          </a:p>
-          <a:p>
-            <a:r>
-              <a:rPr lang="en-US" dirty="0" smtClean="0"/>
-              <a:t>1. </a:t>
-            </a:r>
-            <a:r>
-              <a:rPr lang="en-US" dirty="0" err="1" smtClean="0"/>
-              <a:t>User-Centric:Our</a:t>
-            </a:r>
-            <a:r>
-              <a:rPr lang="en-US" dirty="0" smtClean="0"/>
-              <a:t> design prioritizes the needs and preferences of event organizers and attendees. It ensures easy navigation and accessibility.</a:t>
-            </a:r>
-          </a:p>
-          <a:p>
-            <a:endParaRPr lang="en-US" dirty="0" smtClean="0"/>
-          </a:p>
-          <a:p>
-            <a:r>
-              <a:rPr lang="en-US" dirty="0" smtClean="0"/>
-              <a:t>2. Aesthetics: We use a clean, visually appealing design with a harmonious color scheme to create an engaging platform.</a:t>
-            </a:r>
-          </a:p>
-          <a:p>
-            <a:endParaRPr lang="en-US" dirty="0" smtClean="0"/>
-          </a:p>
-          <a:p>
-            <a:r>
-              <a:rPr lang="en-US" dirty="0" smtClean="0"/>
-              <a:t>3. Mobile- Responsive: Event Pro is designed to adapt to various screen sizes, making it accessible on both desktop and mobile devices.</a:t>
-            </a:r>
-          </a:p>
-          <a:p>
-            <a:endParaRPr lang="en-US" dirty="0" smtClean="0"/>
-          </a:p>
-          <a:p>
-            <a:r>
-              <a:rPr lang="en-US" dirty="0" smtClean="0"/>
-              <a:t>4. </a:t>
-            </a:r>
-            <a:r>
-              <a:rPr lang="en-US" dirty="0" err="1" smtClean="0"/>
-              <a:t>Intuitiveness:The</a:t>
-            </a:r>
-            <a:r>
-              <a:rPr lang="en-US" dirty="0" smtClean="0"/>
-              <a:t> interface is designed for easy understanding and minimal learning curve, allowing users to quickly utilize its features.</a:t>
-            </a:r>
-          </a:p>
-          <a:p>
-            <a:endParaRPr lang="en-US" dirty="0" smtClean="0"/>
-          </a:p>
-          <a:p>
-            <a:r>
-              <a:rPr lang="en-US" dirty="0" smtClean="0"/>
-              <a:t>5. Efficiency: We've optimized the design to support efficient event planning, vendor selection, and communication.</a:t>
-            </a:r>
-          </a:p>
-          <a:p>
-            <a:endParaRPr lang="en-US" dirty="0" smtClean="0"/>
-          </a:p>
-          <a:p>
-            <a:r>
-              <a:rPr lang="en-US" dirty="0" smtClean="0"/>
-              <a:t>The design of </a:t>
-            </a:r>
-            <a:r>
-              <a:rPr lang="en-US" dirty="0" err="1" smtClean="0"/>
-              <a:t>EventPro</a:t>
-            </a:r>
-            <a:r>
-              <a:rPr lang="en-US" dirty="0" smtClean="0"/>
-              <a:t> is a crucial element in providing a positive user experience, ensuring that users can easily plan and manage their events with style and simplicity.</a:t>
+              <a:t> is accessible and functional for users on various devices and platforms.</a:t>
             </a:r>
             <a:endParaRPr lang="en-US" dirty="0"/>
           </a:p>
@@ -4297,7 +3800,7 @@
     </p:spTree>
     <p:extLst>
       <p:ext uri="{BB962C8B-B14F-4D97-AF65-F5344CB8AC3E}">
-        <p14:creationId xmlns:p14="http://schemas.microsoft.com/office/powerpoint/2010/main" val="1645687794"/>
+        <p14:creationId xmlns="" xmlns:p14="http://schemas.microsoft.com/office/powerpoint/2010/main" val="2402770012"/>
       </p:ext>
     </p:extLst>
   </p:cSld>
@@ -4331,6 +3834,169 @@
           <a:chExt cx="0" cy="0"/>
         </a:xfrm>
       </p:grpSpPr>
+      <p:sp>
+        <p:nvSpPr>
+          <p:cNvPr id="2" name="TextBox 1"/>
+          <p:cNvSpPr txBox="1"/>
+          <p:nvPr/>
+        </p:nvSpPr>
+        <p:spPr>
+          <a:xfrm>
+            <a:off x="381000" y="381000"/>
+            <a:ext cx="8001000" cy="6001643"/>
+          </a:xfrm>
+          <a:prstGeom prst="rect">
+            <a:avLst/>
+          </a:prstGeom>
+          <a:noFill/>
+        </p:spPr>
+        <p:txBody>
+          <a:bodyPr wrap="square" rtlCol="0">
+            <a:spAutoFit/>
+          </a:bodyPr>
+          <a:lstStyle/>
+          <a:p>
+            <a:r>
+              <a:rPr lang="en-US" sz="2400" b="1" dirty="0" smtClean="0"/>
+              <a:t>Design Overview: </a:t>
+            </a:r>
+            <a:r>
+              <a:rPr lang="en-US" dirty="0" smtClean="0"/>
+              <a:t>The design of </a:t>
+            </a:r>
+            <a:r>
+              <a:rPr lang="en-US" dirty="0" err="1" smtClean="0"/>
+              <a:t>EventPro</a:t>
+            </a:r>
+            <a:r>
+              <a:rPr lang="en-US" dirty="0" smtClean="0"/>
+              <a:t> focuses on providing an intuitive, user-friendly, and aesthetically pleasing experience for our users.</a:t>
+            </a:r>
+          </a:p>
+          <a:p>
+            <a:endParaRPr lang="en-US" dirty="0" smtClean="0"/>
+          </a:p>
+          <a:p>
+            <a:r>
+              <a:rPr lang="en-US" dirty="0" smtClean="0"/>
+              <a:t>Key Design Principles:</a:t>
+            </a:r>
+          </a:p>
+          <a:p>
+            <a:r>
+              <a:rPr lang="en-US" dirty="0" smtClean="0"/>
+              <a:t>1. </a:t>
+            </a:r>
+            <a:r>
+              <a:rPr lang="en-US" dirty="0" err="1" smtClean="0"/>
+              <a:t>User-Centric:Our</a:t>
+            </a:r>
+            <a:r>
+              <a:rPr lang="en-US" dirty="0" smtClean="0"/>
+              <a:t> design prioritizes the needs and preferences of event organizers and attendees. It ensures easy navigation and accessibility.</a:t>
+            </a:r>
+          </a:p>
+          <a:p>
+            <a:endParaRPr lang="en-US" dirty="0" smtClean="0"/>
+          </a:p>
+          <a:p>
+            <a:r>
+              <a:rPr lang="en-US" dirty="0" smtClean="0"/>
+              <a:t>2. Aesthetics: We use a clean, visually appealing design with a harmonious color scheme to create an engaging platform.</a:t>
+            </a:r>
+          </a:p>
+          <a:p>
+            <a:endParaRPr lang="en-US" dirty="0" smtClean="0"/>
+          </a:p>
+          <a:p>
+            <a:r>
+              <a:rPr lang="en-US" dirty="0" smtClean="0"/>
+              <a:t>3. Mobile- Responsive: Event Pro is designed to adapt to various screen sizes, making it accessible on both desktop and mobile devices.</a:t>
+            </a:r>
+          </a:p>
+          <a:p>
+            <a:endParaRPr lang="en-US" dirty="0" smtClean="0"/>
+          </a:p>
+          <a:p>
+            <a:r>
+              <a:rPr lang="en-US" dirty="0" smtClean="0"/>
+              <a:t>4. </a:t>
+            </a:r>
+            <a:r>
+              <a:rPr lang="en-US" dirty="0" err="1" smtClean="0"/>
+              <a:t>Intuitiveness:The</a:t>
+            </a:r>
+            <a:r>
+              <a:rPr lang="en-US" dirty="0" smtClean="0"/>
+              <a:t> interface is designed for easy understanding and minimal learning curve, allowing users to quickly utilize its features.</a:t>
+            </a:r>
+          </a:p>
+          <a:p>
+            <a:endParaRPr lang="en-US" dirty="0" smtClean="0"/>
+          </a:p>
+          <a:p>
+            <a:r>
+              <a:rPr lang="en-US" dirty="0" smtClean="0"/>
+              <a:t>5. Efficiency: We've optimized the design to support efficient event planning, vendor selection, and communication.</a:t>
+            </a:r>
+          </a:p>
+          <a:p>
+            <a:endParaRPr lang="en-US" dirty="0" smtClean="0"/>
+          </a:p>
+          <a:p>
+            <a:r>
+              <a:rPr lang="en-US" dirty="0" smtClean="0"/>
+              <a:t>The design of </a:t>
+            </a:r>
+            <a:r>
+              <a:rPr lang="en-US" dirty="0" err="1" smtClean="0"/>
+              <a:t>EventPro</a:t>
+            </a:r>
+            <a:r>
+              <a:rPr lang="en-US" dirty="0" smtClean="0"/>
+              <a:t> is a crucial element in providing a positive user experience, ensuring that users can easily plan and manage their events with style and simplicity.</a:t>
+            </a:r>
+            <a:endParaRPr lang="en-US" dirty="0"/>
+          </a:p>
+        </p:txBody>
+      </p:sp>
+    </p:spTree>
+    <p:extLst>
+      <p:ext uri="{BB962C8B-B14F-4D97-AF65-F5344CB8AC3E}">
+        <p14:creationId xmlns="" xmlns:p14="http://schemas.microsoft.com/office/powerpoint/2010/main" val="1645687794"/>
+      </p:ext>
+    </p:extLst>
+  </p:cSld>
+  <p:clrMapOvr>
+    <a:masterClrMapping/>
+  </p:clrMapOvr>
+  <p:timing>
+    <p:tnLst>
+      <p:par>
+        <p:cTn id="1" dur="indefinite" restart="never" nodeType="tmRoot"/>
+      </p:par>
+    </p:tnLst>
+  </p:timing>
+</p:sld>
+</file>
+
+<file path=ppt/slides/slide13.xml><?xml version="1.0" encoding="utf-8"?>
+<p:sld xmlns:a="http://schemas.openxmlformats.org/drawingml/2006/main" xmlns:r="http://schemas.openxmlformats.org/officeDocument/2006/relationships" xmlns:p="http://schemas.openxmlformats.org/presentationml/2006/main">
+  <p:cSld>
+    <p:spTree>
+      <p:nvGrpSpPr>
+        <p:cNvPr id="1" name=""/>
+        <p:cNvGrpSpPr/>
+        <p:nvPr/>
+      </p:nvGrpSpPr>
+      <p:grpSpPr>
+        <a:xfrm>
+          <a:off x="0" y="0"/>
+          <a:ext cx="0" cy="0"/>
+          <a:chOff x="0" y="0"/>
+          <a:chExt cx="0" cy="0"/>
+        </a:xfrm>
+      </p:grpSpPr>
       <p:pic>
         <p:nvPicPr>
           <p:cNvPr id="1026" name="Picture 2"/>
@@ -4343,7 +4009,7 @@
           <a:blip r:embed="rId2">
             <a:extLst>
               <a:ext uri="{28A0092B-C50C-407E-A947-70E740481C1C}">
-                <a14:useLocalDpi xmlns:a14="http://schemas.microsoft.com/office/drawing/2010/main" val="0"/>
+                <a14:useLocalDpi xmlns="" xmlns:a14="http://schemas.microsoft.com/office/drawing/2010/main" val="0"/>
               </a:ext>
             </a:extLst>
           </a:blip>
@@ -4354,7 +4020,7 @@
         </p:blipFill>
         <p:spPr bwMode="auto">
           <a:xfrm>
-            <a:off x="2362200" y="1066800"/>
+            <a:off x="1295400" y="990600"/>
             <a:ext cx="6019800" cy="5481637"/>
           </a:xfrm>
           <a:prstGeom prst="rect">
@@ -4367,14 +4033,14 @@
           <a:effectLst/>
           <a:extLst>
             <a:ext uri="{909E8E84-426E-40DD-AFC4-6F175D3DCCD1}">
-              <a14:hiddenFill xmlns:a14="http://schemas.microsoft.com/office/drawing/2010/main">
+              <a14:hiddenFill xmlns="" xmlns:a14="http://schemas.microsoft.com/office/drawing/2010/main">
                 <a:solidFill>
                   <a:schemeClr val="accent1"/>
                 </a:solidFill>
               </a14:hiddenFill>
             </a:ext>
             <a:ext uri="{91240B29-F687-4F45-9708-019B960494DF}">
-              <a14:hiddenLine xmlns:a14="http://schemas.microsoft.com/office/drawing/2010/main" w="9525">
+              <a14:hiddenLine xmlns="" xmlns:a14="http://schemas.microsoft.com/office/drawing/2010/main" w="9525">
                 <a:solidFill>
                   <a:schemeClr val="tx1"/>
                 </a:solidFill>
@@ -4384,7 +4050,7 @@
               </a14:hiddenLine>
             </a:ext>
             <a:ext uri="{AF507438-7753-43E0-B8FC-AC1667EBCBE1}">
-              <a14:hiddenEffects xmlns:a14="http://schemas.microsoft.com/office/drawing/2010/main">
+              <a14:hiddenEffects xmlns="" xmlns:a14="http://schemas.microsoft.com/office/drawing/2010/main">
                 <a:effectLst>
                   <a:outerShdw dist="35921" dir="2700000" algn="ctr" rotWithShape="0">
                     <a:schemeClr val="bg2"/>
@@ -4425,10 +4091,74 @@
           </a:p>
         </p:txBody>
       </p:sp>
+      <p:pic>
+        <p:nvPicPr>
+          <p:cNvPr id="4" name="Picture 2"/>
+          <p:cNvPicPr>
+            <a:picLocks noChangeAspect="1" noChangeArrowheads="1"/>
+          </p:cNvPicPr>
+          <p:nvPr/>
+        </p:nvPicPr>
+        <p:blipFill>
+          <a:blip r:embed="rId2">
+            <a:extLst>
+              <a:ext uri="{28A0092B-C50C-407E-A947-70E740481C1C}">
+                <a14:useLocalDpi xmlns="" xmlns:a14="http://schemas.microsoft.com/office/drawing/2010/main" val="0"/>
+              </a:ext>
+            </a:extLst>
+          </a:blip>
+          <a:srcRect/>
+          <a:stretch>
+            <a:fillRect/>
+          </a:stretch>
+        </p:blipFill>
+        <p:spPr bwMode="auto">
+          <a:xfrm>
+            <a:off x="1447800" y="1143000"/>
+            <a:ext cx="6019800" cy="5481637"/>
+          </a:xfrm>
+          <a:prstGeom prst="rect">
+            <a:avLst/>
+          </a:prstGeom>
+          <a:noFill/>
+          <a:ln>
+            <a:noFill/>
+          </a:ln>
+          <a:effectLst/>
+          <a:extLst>
+            <a:ext uri="{909E8E84-426E-40DD-AFC4-6F175D3DCCD1}">
+              <a14:hiddenFill xmlns="" xmlns:a14="http://schemas.microsoft.com/office/drawing/2010/main">
+                <a:solidFill>
+                  <a:schemeClr val="accent1"/>
+                </a:solidFill>
+              </a14:hiddenFill>
+            </a:ext>
+            <a:ext uri="{91240B29-F687-4F45-9708-019B960494DF}">
+              <a14:hiddenLine xmlns="" xmlns:a14="http://schemas.microsoft.com/office/drawing/2010/main" w="9525">
+                <a:solidFill>
+                  <a:schemeClr val="tx1"/>
+                </a:solidFill>
+                <a:miter lim="800000"/>
+                <a:headEnd/>
+                <a:tailEnd/>
+              </a14:hiddenLine>
+            </a:ext>
+            <a:ext uri="{AF507438-7753-43E0-B8FC-AC1667EBCBE1}">
+              <a14:hiddenEffects xmlns="" xmlns:a14="http://schemas.microsoft.com/office/drawing/2010/main">
+                <a:effectLst>
+                  <a:outerShdw dist="35921" dir="2700000" algn="ctr" rotWithShape="0">
+                    <a:schemeClr val="bg2"/>
+                  </a:outerShdw>
+                </a:effectLst>
+              </a14:hiddenEffects>
+            </a:ext>
+          </a:extLst>
+        </p:spPr>
+      </p:pic>
     </p:spTree>
     <p:extLst>
       <p:ext uri="{BB962C8B-B14F-4D97-AF65-F5344CB8AC3E}">
-        <p14:creationId xmlns:p14="http://schemas.microsoft.com/office/powerpoint/2010/main" val="893545068"/>
+        <p14:creationId xmlns="" xmlns:p14="http://schemas.microsoft.com/office/powerpoint/2010/main" val="893545068"/>
       </p:ext>
     </p:extLst>
   </p:cSld>
@@ -4438,7 +4168,7 @@
 </p:sld>
 </file>
 
-<file path=ppt/slides/slide13.xml><?xml version="1.0" encoding="utf-8"?>
+<file path=ppt/slides/slide14.xml><?xml version="1.0" encoding="utf-8"?>
 <p:sld xmlns:a="http://schemas.openxmlformats.org/drawingml/2006/main" xmlns:r="http://schemas.openxmlformats.org/officeDocument/2006/relationships" xmlns:p="http://schemas.openxmlformats.org/presentationml/2006/main">
   <p:cSld>
     <p:spTree>
@@ -4467,7 +4197,7 @@
           <a:blip r:embed="rId2">
             <a:extLst>
               <a:ext uri="{28A0092B-C50C-407E-A947-70E740481C1C}">
-                <a14:useLocalDpi xmlns:a14="http://schemas.microsoft.com/office/drawing/2010/main" val="0"/>
+                <a14:useLocalDpi xmlns="" xmlns:a14="http://schemas.microsoft.com/office/drawing/2010/main" val="0"/>
               </a:ext>
             </a:extLst>
           </a:blip>
@@ -4491,14 +4221,14 @@
           <a:effectLst/>
           <a:extLst>
             <a:ext uri="{909E8E84-426E-40DD-AFC4-6F175D3DCCD1}">
-              <a14:hiddenFill xmlns:a14="http://schemas.microsoft.com/office/drawing/2010/main">
+              <a14:hiddenFill xmlns="" xmlns:a14="http://schemas.microsoft.com/office/drawing/2010/main">
                 <a:solidFill>
                   <a:schemeClr val="accent1"/>
                 </a:solidFill>
               </a14:hiddenFill>
             </a:ext>
             <a:ext uri="{91240B29-F687-4F45-9708-019B960494DF}">
-              <a14:hiddenLine xmlns:a14="http://schemas.microsoft.com/office/drawing/2010/main" w="9525">
+              <a14:hiddenLine xmlns="" xmlns:a14="http://schemas.microsoft.com/office/drawing/2010/main" w="9525">
                 <a:solidFill>
                   <a:schemeClr val="tx1"/>
                 </a:solidFill>
@@ -4508,7 +4238,7 @@
               </a14:hiddenLine>
             </a:ext>
             <a:ext uri="{AF507438-7753-43E0-B8FC-AC1667EBCBE1}">
-              <a14:hiddenEffects xmlns:a14="http://schemas.microsoft.com/office/drawing/2010/main">
+              <a14:hiddenEffects xmlns="" xmlns:a14="http://schemas.microsoft.com/office/drawing/2010/main">
                 <a:effectLst>
                   <a:outerShdw dist="35921" dir="2700000" algn="ctr" rotWithShape="0">
                     <a:schemeClr val="bg2"/>
@@ -4556,7 +4286,7 @@
     </p:spTree>
     <p:extLst>
       <p:ext uri="{BB962C8B-B14F-4D97-AF65-F5344CB8AC3E}">
-        <p14:creationId xmlns:p14="http://schemas.microsoft.com/office/powerpoint/2010/main" val="3526210381"/>
+        <p14:creationId xmlns="" xmlns:p14="http://schemas.microsoft.com/office/powerpoint/2010/main" val="3526210381"/>
       </p:ext>
     </p:extLst>
   </p:cSld>
@@ -4566,7 +4296,7 @@
 </p:sld>
 </file>
 
-<file path=ppt/slides/slide14.xml><?xml version="1.0" encoding="utf-8"?>
+<file path=ppt/slides/slide15.xml><?xml version="1.0" encoding="utf-8"?>
 <p:sld xmlns:a="http://schemas.openxmlformats.org/drawingml/2006/main" xmlns:r="http://schemas.openxmlformats.org/officeDocument/2006/relationships" xmlns:p="http://schemas.openxmlformats.org/presentationml/2006/main">
   <p:cSld>
     <p:spTree>
@@ -4595,7 +4325,7 @@
           <a:blip r:embed="rId2">
             <a:extLst>
               <a:ext uri="{28A0092B-C50C-407E-A947-70E740481C1C}">
-                <a14:useLocalDpi xmlns:a14="http://schemas.microsoft.com/office/drawing/2010/main" val="0"/>
+                <a14:useLocalDpi xmlns="" xmlns:a14="http://schemas.microsoft.com/office/drawing/2010/main" val="0"/>
               </a:ext>
             </a:extLst>
           </a:blip>
@@ -4615,7 +4345,7 @@
           <a:noFill/>
           <a:extLst>
             <a:ext uri="{909E8E84-426E-40DD-AFC4-6F175D3DCCD1}">
-              <a14:hiddenFill xmlns:a14="http://schemas.microsoft.com/office/drawing/2010/main">
+              <a14:hiddenFill xmlns="" xmlns:a14="http://schemas.microsoft.com/office/drawing/2010/main">
                 <a:solidFill>
                   <a:srgbClr val="FFFFFF"/>
                 </a:solidFill>
@@ -4627,7 +4357,7 @@
     </p:spTree>
     <p:extLst>
       <p:ext uri="{BB962C8B-B14F-4D97-AF65-F5344CB8AC3E}">
-        <p14:creationId xmlns:p14="http://schemas.microsoft.com/office/powerpoint/2010/main" val="80969711"/>
+        <p14:creationId xmlns="" xmlns:p14="http://schemas.microsoft.com/office/powerpoint/2010/main" val="80969711"/>
       </p:ext>
     </p:extLst>
   </p:cSld>
@@ -4637,7 +4367,7 @@
 </p:sld>
 </file>
 
-<file path=ppt/slides/slide15.xml><?xml version="1.0" encoding="utf-8"?>
+<file path=ppt/slides/slide16.xml><?xml version="1.0" encoding="utf-8"?>
 <p:sld xmlns:a="http://schemas.openxmlformats.org/drawingml/2006/main" xmlns:r="http://schemas.openxmlformats.org/officeDocument/2006/relationships" xmlns:p="http://schemas.openxmlformats.org/presentationml/2006/main">
   <p:cSld>
     <p:spTree>
@@ -4666,7 +4396,7 @@
           <a:blip r:embed="rId2">
             <a:extLst>
               <a:ext uri="{28A0092B-C50C-407E-A947-70E740481C1C}">
-                <a14:useLocalDpi xmlns:a14="http://schemas.microsoft.com/office/drawing/2010/main" val="0"/>
+                <a14:useLocalDpi xmlns="" xmlns:a14="http://schemas.microsoft.com/office/drawing/2010/main" val="0"/>
               </a:ext>
             </a:extLst>
           </a:blip>
@@ -4686,7 +4416,7 @@
           <a:noFill/>
           <a:extLst>
             <a:ext uri="{909E8E84-426E-40DD-AFC4-6F175D3DCCD1}">
-              <a14:hiddenFill xmlns:a14="http://schemas.microsoft.com/office/drawing/2010/main">
+              <a14:hiddenFill xmlns="" xmlns:a14="http://schemas.microsoft.com/office/drawing/2010/main">
                 <a:solidFill>
                   <a:srgbClr val="FFFFFF"/>
                 </a:solidFill>
@@ -4698,7 +4428,7 @@
     </p:spTree>
     <p:extLst>
       <p:ext uri="{BB962C8B-B14F-4D97-AF65-F5344CB8AC3E}">
-        <p14:creationId xmlns:p14="http://schemas.microsoft.com/office/powerpoint/2010/main" val="1658873335"/>
+        <p14:creationId xmlns="" xmlns:p14="http://schemas.microsoft.com/office/powerpoint/2010/main" val="1658873335"/>
       </p:ext>
     </p:extLst>
   </p:cSld>
@@ -4708,7 +4438,7 @@
 </p:sld>
 </file>
 
-<file path=ppt/slides/slide16.xml><?xml version="1.0" encoding="utf-8"?>
+<file path=ppt/slides/slide17.xml><?xml version="1.0" encoding="utf-8"?>
 <p:sld xmlns:a="http://schemas.openxmlformats.org/drawingml/2006/main" xmlns:r="http://schemas.openxmlformats.org/officeDocument/2006/relationships" xmlns:p="http://schemas.openxmlformats.org/presentationml/2006/main">
   <p:cSld>
     <p:spTree>
@@ -4737,7 +4467,7 @@
           <a:blip r:embed="rId2">
             <a:extLst>
               <a:ext uri="{28A0092B-C50C-407E-A947-70E740481C1C}">
-                <a14:useLocalDpi xmlns:a14="http://schemas.microsoft.com/office/drawing/2010/main" val="0"/>
+                <a14:useLocalDpi xmlns="" xmlns:a14="http://schemas.microsoft.com/office/drawing/2010/main" val="0"/>
               </a:ext>
             </a:extLst>
           </a:blip>
@@ -4757,7 +4487,7 @@
           <a:noFill/>
           <a:extLst>
             <a:ext uri="{909E8E84-426E-40DD-AFC4-6F175D3DCCD1}">
-              <a14:hiddenFill xmlns:a14="http://schemas.microsoft.com/office/drawing/2010/main">
+              <a14:hiddenFill xmlns="" xmlns:a14="http://schemas.microsoft.com/office/drawing/2010/main">
                 <a:solidFill>
                   <a:srgbClr val="FFFFFF"/>
                 </a:solidFill>
@@ -4769,186 +4499,7 @@
     </p:spTree>
     <p:extLst>
       <p:ext uri="{BB962C8B-B14F-4D97-AF65-F5344CB8AC3E}">
-        <p14:creationId xmlns:p14="http://schemas.microsoft.com/office/powerpoint/2010/main" val="1147105734"/>
-      </p:ext>
-    </p:extLst>
-  </p:cSld>
-  <p:clrMapOvr>
-    <a:masterClrMapping/>
-  </p:clrMapOvr>
-</p:sld>
-</file>
-
-<file path=ppt/slides/slide17.xml><?xml version="1.0" encoding="utf-8"?>
-<p:sld xmlns:a="http://schemas.openxmlformats.org/drawingml/2006/main" xmlns:r="http://schemas.openxmlformats.org/officeDocument/2006/relationships" xmlns:p="http://schemas.openxmlformats.org/presentationml/2006/main">
-  <p:cSld>
-    <p:spTree>
-      <p:nvGrpSpPr>
-        <p:cNvPr id="1" name=""/>
-        <p:cNvGrpSpPr/>
-        <p:nvPr/>
-      </p:nvGrpSpPr>
-      <p:grpSpPr>
-        <a:xfrm>
-          <a:off x="0" y="0"/>
-          <a:ext cx="0" cy="0"/>
-          <a:chOff x="0" y="0"/>
-          <a:chExt cx="0" cy="0"/>
-        </a:xfrm>
-      </p:grpSpPr>
-      <p:sp>
-        <p:nvSpPr>
-          <p:cNvPr id="2" name="TextBox 1"/>
-          <p:cNvSpPr txBox="1"/>
-          <p:nvPr/>
-        </p:nvSpPr>
-        <p:spPr>
-          <a:xfrm>
-            <a:off x="609600" y="304800"/>
-            <a:ext cx="3124200" cy="369332"/>
-          </a:xfrm>
-          <a:prstGeom prst="rect">
-            <a:avLst/>
-          </a:prstGeom>
-          <a:noFill/>
-        </p:spPr>
-        <p:txBody>
-          <a:bodyPr wrap="square" rtlCol="0">
-            <a:spAutoFit/>
-          </a:bodyPr>
-          <a:lstStyle/>
-          <a:p>
-            <a:r>
-              <a:rPr lang="en-US" dirty="0" smtClean="0"/>
-              <a:t>Activity diagram</a:t>
-            </a:r>
-            <a:endParaRPr lang="en-US" dirty="0"/>
-          </a:p>
-        </p:txBody>
-      </p:sp>
-      <p:sp>
-        <p:nvSpPr>
-          <p:cNvPr id="3" name="AutoShape 2" descr="activity diagram for event management [classic]"/>
-          <p:cNvSpPr>
-            <a:spLocks noChangeAspect="1" noChangeArrowheads="1"/>
-          </p:cNvSpPr>
-          <p:nvPr/>
-        </p:nvSpPr>
-        <p:spPr bwMode="auto">
-          <a:xfrm>
-            <a:off x="155575" y="-144463"/>
-            <a:ext cx="304800" cy="304801"/>
-          </a:xfrm>
-          <a:prstGeom prst="rect">
-            <a:avLst/>
-          </a:prstGeom>
-          <a:noFill/>
-          <a:extLst>
-            <a:ext uri="{909E8E84-426E-40DD-AFC4-6F175D3DCCD1}">
-              <a14:hiddenFill xmlns:a14="http://schemas.microsoft.com/office/drawing/2010/main">
-                <a:solidFill>
-                  <a:srgbClr val="FFFFFF"/>
-                </a:solidFill>
-              </a14:hiddenFill>
-            </a:ext>
-          </a:extLst>
-        </p:spPr>
-        <p:txBody>
-          <a:bodyPr vert="horz" wrap="square" lIns="91440" tIns="45720" rIns="91440" bIns="45720" numCol="1" anchor="t" anchorCtr="0" compatLnSpc="1">
-            <a:prstTxWarp prst="textNoShape">
-              <a:avLst/>
-            </a:prstTxWarp>
-          </a:bodyPr>
-          <a:lstStyle/>
-          <a:p>
-            <a:endParaRPr lang="en-US"/>
-          </a:p>
-        </p:txBody>
-      </p:sp>
-      <p:sp>
-        <p:nvSpPr>
-          <p:cNvPr id="4" name="AutoShape 4" descr="activity diagram for event management [classic]"/>
-          <p:cNvSpPr>
-            <a:spLocks noChangeAspect="1" noChangeArrowheads="1"/>
-          </p:cNvSpPr>
-          <p:nvPr/>
-        </p:nvSpPr>
-        <p:spPr bwMode="auto">
-          <a:xfrm>
-            <a:off x="307975" y="7937"/>
-            <a:ext cx="304800" cy="304801"/>
-          </a:xfrm>
-          <a:prstGeom prst="rect">
-            <a:avLst/>
-          </a:prstGeom>
-          <a:noFill/>
-          <a:extLst>
-            <a:ext uri="{909E8E84-426E-40DD-AFC4-6F175D3DCCD1}">
-              <a14:hiddenFill xmlns:a14="http://schemas.microsoft.com/office/drawing/2010/main">
-                <a:solidFill>
-                  <a:srgbClr val="FFFFFF"/>
-                </a:solidFill>
-              </a14:hiddenFill>
-            </a:ext>
-          </a:extLst>
-        </p:spPr>
-        <p:txBody>
-          <a:bodyPr vert="horz" wrap="square" lIns="91440" tIns="45720" rIns="91440" bIns="45720" numCol="1" anchor="t" anchorCtr="0" compatLnSpc="1">
-            <a:prstTxWarp prst="textNoShape">
-              <a:avLst/>
-            </a:prstTxWarp>
-          </a:bodyPr>
-          <a:lstStyle/>
-          <a:p>
-            <a:endParaRPr lang="en-US"/>
-          </a:p>
-        </p:txBody>
-      </p:sp>
-      <p:pic>
-        <p:nvPicPr>
-          <p:cNvPr id="2053" name="Picture 5" descr="C:\Users\Shubhams-PC\Desktop\EventProProject\activitydiagram.png"/>
-          <p:cNvPicPr>
-            <a:picLocks noChangeAspect="1" noChangeArrowheads="1"/>
-          </p:cNvPicPr>
-          <p:nvPr/>
-        </p:nvPicPr>
-        <p:blipFill>
-          <a:blip r:embed="rId2">
-            <a:extLst>
-              <a:ext uri="{28A0092B-C50C-407E-A947-70E740481C1C}">
-                <a14:useLocalDpi xmlns:a14="http://schemas.microsoft.com/office/drawing/2010/main" val="0"/>
-              </a:ext>
-            </a:extLst>
-          </a:blip>
-          <a:srcRect/>
-          <a:stretch>
-            <a:fillRect/>
-          </a:stretch>
-        </p:blipFill>
-        <p:spPr bwMode="auto">
-          <a:xfrm>
-            <a:off x="155575" y="7937"/>
-            <a:ext cx="8683625" cy="6773863"/>
-          </a:xfrm>
-          <a:prstGeom prst="rect">
-            <a:avLst/>
-          </a:prstGeom>
-          <a:noFill/>
-          <a:extLst>
-            <a:ext uri="{909E8E84-426E-40DD-AFC4-6F175D3DCCD1}">
-              <a14:hiddenFill xmlns:a14="http://schemas.microsoft.com/office/drawing/2010/main">
-                <a:solidFill>
-                  <a:srgbClr val="FFFFFF"/>
-                </a:solidFill>
-              </a14:hiddenFill>
-            </a:ext>
-          </a:extLst>
-        </p:spPr>
-      </p:pic>
-    </p:spTree>
-    <p:extLst>
-      <p:ext uri="{BB962C8B-B14F-4D97-AF65-F5344CB8AC3E}">
-        <p14:creationId xmlns:p14="http://schemas.microsoft.com/office/powerpoint/2010/main" val="3457941073"/>
+        <p14:creationId xmlns="" xmlns:p14="http://schemas.microsoft.com/office/powerpoint/2010/main" val="1147105734"/>
       </p:ext>
     </p:extLst>
   </p:cSld>
@@ -4983,8 +4534,8 @@
         </p:nvSpPr>
         <p:spPr>
           <a:xfrm>
-            <a:off x="685800" y="304799"/>
-            <a:ext cx="2895600" cy="461665"/>
+            <a:off x="609600" y="304800"/>
+            <a:ext cx="3124200" cy="369332"/>
           </a:xfrm>
           <a:prstGeom prst="rect">
             <a:avLst/>
@@ -4998,227 +4549,136 @@
           <a:lstStyle/>
           <a:p>
             <a:r>
-              <a:rPr lang="en-US" sz="2400" b="1" dirty="0" smtClean="0"/>
-              <a:t>Testing </a:t>
-            </a:r>
-            <a:endParaRPr lang="en-US" sz="2400" b="1" dirty="0"/>
-          </a:p>
-        </p:txBody>
-      </p:sp>
-      <p:sp>
-        <p:nvSpPr>
-          <p:cNvPr id="3" name="TextBox 2"/>
-          <p:cNvSpPr txBox="1"/>
+              <a:rPr lang="en-US" dirty="0" smtClean="0"/>
+              <a:t>Activity diagram</a:t>
+            </a:r>
+            <a:endParaRPr lang="en-US" dirty="0"/>
+          </a:p>
+        </p:txBody>
+      </p:sp>
+      <p:sp>
+        <p:nvSpPr>
+          <p:cNvPr id="3" name="AutoShape 2" descr="activity diagram for event management [classic]"/>
+          <p:cNvSpPr>
+            <a:spLocks noChangeAspect="1" noChangeArrowheads="1"/>
+          </p:cNvSpPr>
           <p:nvPr/>
         </p:nvSpPr>
-        <p:spPr>
-          <a:xfrm>
-            <a:off x="609600" y="1143000"/>
-            <a:ext cx="7696200" cy="4832092"/>
+        <p:spPr bwMode="auto">
+          <a:xfrm>
+            <a:off x="155575" y="-144463"/>
+            <a:ext cx="304800" cy="304801"/>
           </a:xfrm>
           <a:prstGeom prst="rect">
             <a:avLst/>
           </a:prstGeom>
           <a:noFill/>
-        </p:spPr>
-        <p:txBody>
-          <a:bodyPr wrap="square" rtlCol="0">
-            <a:spAutoFit/>
+          <a:extLst>
+            <a:ext uri="{909E8E84-426E-40DD-AFC4-6F175D3DCCD1}">
+              <a14:hiddenFill xmlns="" xmlns:a14="http://schemas.microsoft.com/office/drawing/2010/main">
+                <a:solidFill>
+                  <a:srgbClr val="FFFFFF"/>
+                </a:solidFill>
+              </a14:hiddenFill>
+            </a:ext>
+          </a:extLst>
+        </p:spPr>
+        <p:txBody>
+          <a:bodyPr vert="horz" wrap="square" lIns="91440" tIns="45720" rIns="91440" bIns="45720" numCol="1" anchor="t" anchorCtr="0" compatLnSpc="1">
+            <a:prstTxWarp prst="textNoShape">
+              <a:avLst/>
+            </a:prstTxWarp>
           </a:bodyPr>
           <a:lstStyle/>
           <a:p>
-            <a:r>
-              <a:rPr lang="en-US" dirty="0" smtClean="0"/>
-              <a:t>Testing </a:t>
-            </a:r>
-            <a:r>
-              <a:rPr lang="en-US" dirty="0"/>
-              <a:t>Overview:</a:t>
-            </a:r>
-          </a:p>
-          <a:p>
-            <a:r>
-              <a:rPr lang="en-US" dirty="0"/>
-              <a:t>Testing is a crucial phase in ensuring the quality and reliability of </a:t>
-            </a:r>
-            <a:r>
-              <a:rPr lang="en-US" dirty="0" err="1"/>
-              <a:t>EventPro</a:t>
-            </a:r>
-            <a:r>
-              <a:rPr lang="en-US" dirty="0"/>
-              <a:t>. We conduct thorough testing to identify and address any issues before releasing the platform to users.</a:t>
-            </a:r>
-          </a:p>
-          <a:p>
-            <a:endParaRPr lang="en-US" dirty="0"/>
-          </a:p>
-          <a:p>
-            <a:r>
-              <a:rPr lang="en-US" dirty="0"/>
-              <a:t> </a:t>
-            </a:r>
-            <a:r>
-              <a:rPr lang="en-US" dirty="0" smtClean="0"/>
-              <a:t> </a:t>
-            </a:r>
-            <a:r>
-              <a:rPr lang="en-US" sz="2000" b="1" dirty="0" smtClean="0"/>
-              <a:t>Types </a:t>
-            </a:r>
-            <a:r>
-              <a:rPr lang="en-US" sz="2000" b="1" dirty="0"/>
-              <a:t>of Testing</a:t>
-            </a:r>
-            <a:r>
-              <a:rPr lang="en-US" dirty="0" smtClean="0"/>
-              <a:t>:</a:t>
-            </a:r>
-          </a:p>
-          <a:p>
-            <a:endParaRPr lang="en-US" dirty="0"/>
-          </a:p>
-          <a:p>
-            <a:r>
-              <a:rPr lang="en-US" dirty="0"/>
-              <a:t>1. </a:t>
-            </a:r>
-            <a:r>
-              <a:rPr lang="en-US" b="1" dirty="0" smtClean="0"/>
-              <a:t>Functionality </a:t>
-            </a:r>
-            <a:r>
-              <a:rPr lang="en-US" b="1" dirty="0"/>
-              <a:t>Testing</a:t>
-            </a:r>
-            <a:r>
-              <a:rPr lang="en-US" dirty="0" smtClean="0"/>
-              <a:t>: </a:t>
-            </a:r>
-            <a:r>
-              <a:rPr lang="en-US" dirty="0"/>
-              <a:t>Ensures all features work as intended.</a:t>
-            </a:r>
-          </a:p>
-          <a:p>
-            <a:r>
-              <a:rPr lang="en-US" dirty="0"/>
-              <a:t>2. </a:t>
-            </a:r>
-            <a:r>
-              <a:rPr lang="en-US" b="1" dirty="0" smtClean="0"/>
-              <a:t>Usability </a:t>
-            </a:r>
-            <a:r>
-              <a:rPr lang="en-US" b="1" dirty="0"/>
-              <a:t>Testing</a:t>
-            </a:r>
-            <a:r>
-              <a:rPr lang="en-US" dirty="0" smtClean="0"/>
-              <a:t>: </a:t>
-            </a:r>
-            <a:r>
-              <a:rPr lang="en-US" dirty="0"/>
-              <a:t>Evaluates how easy it is for users to navigate and use the platform.</a:t>
-            </a:r>
-          </a:p>
-          <a:p>
-            <a:r>
-              <a:rPr lang="en-US" dirty="0"/>
-              <a:t>3. </a:t>
-            </a:r>
-            <a:r>
-              <a:rPr lang="en-US" b="1" dirty="0" smtClean="0"/>
-              <a:t>Security </a:t>
-            </a:r>
-            <a:r>
-              <a:rPr lang="en-US" b="1" dirty="0"/>
-              <a:t>Testing</a:t>
-            </a:r>
-            <a:r>
-              <a:rPr lang="en-US" dirty="0" smtClean="0"/>
-              <a:t>: </a:t>
-            </a:r>
-            <a:r>
-              <a:rPr lang="en-US" dirty="0"/>
-              <a:t>Verifies data protection and user privacy.</a:t>
-            </a:r>
-          </a:p>
-          <a:p>
-            <a:r>
-              <a:rPr lang="en-US" dirty="0"/>
-              <a:t>4. </a:t>
-            </a:r>
-            <a:r>
-              <a:rPr lang="en-US" b="1" dirty="0" smtClean="0"/>
-              <a:t>Performance </a:t>
-            </a:r>
-            <a:r>
-              <a:rPr lang="en-US" b="1" dirty="0"/>
-              <a:t>Testing</a:t>
-            </a:r>
-            <a:r>
-              <a:rPr lang="en-US" dirty="0" smtClean="0"/>
-              <a:t>: </a:t>
-            </a:r>
-            <a:r>
-              <a:rPr lang="en-US" dirty="0"/>
-              <a:t>Assesses the platform's speed and responsiveness.</a:t>
-            </a:r>
-          </a:p>
-          <a:p>
-            <a:r>
-              <a:rPr lang="en-US" dirty="0"/>
-              <a:t>5. </a:t>
-            </a:r>
-            <a:r>
-              <a:rPr lang="en-US" b="1" dirty="0" smtClean="0"/>
-              <a:t>Compatibility </a:t>
-            </a:r>
-            <a:r>
-              <a:rPr lang="en-US" b="1" dirty="0"/>
-              <a:t>Testing</a:t>
-            </a:r>
-            <a:r>
-              <a:rPr lang="en-US" dirty="0" smtClean="0"/>
-              <a:t>: </a:t>
-            </a:r>
-            <a:r>
-              <a:rPr lang="en-US" dirty="0"/>
-              <a:t>Ensures </a:t>
-            </a:r>
-            <a:r>
-              <a:rPr lang="en-US" dirty="0" err="1"/>
-              <a:t>EventPro</a:t>
-            </a:r>
-            <a:r>
-              <a:rPr lang="en-US" dirty="0"/>
-              <a:t> works on different devices and web browsers.</a:t>
-            </a:r>
-          </a:p>
-          <a:p>
-            <a:endParaRPr lang="en-US" dirty="0"/>
-          </a:p>
-          <a:p>
-            <a:r>
-              <a:rPr lang="en-US" dirty="0"/>
-              <a:t>Testing ensures that </a:t>
-            </a:r>
-            <a:r>
-              <a:rPr lang="en-US" dirty="0" err="1"/>
-              <a:t>EventPro</a:t>
-            </a:r>
-            <a:r>
-              <a:rPr lang="en-US" dirty="0"/>
-              <a:t> is a dependable and user-friendly platform, guaranteeing a smooth and secure event planning experience for all users.</a:t>
-            </a:r>
-          </a:p>
-        </p:txBody>
-      </p:sp>
+            <a:endParaRPr lang="en-US"/>
+          </a:p>
+        </p:txBody>
+      </p:sp>
+      <p:sp>
+        <p:nvSpPr>
+          <p:cNvPr id="4" name="AutoShape 4" descr="activity diagram for event management [classic]"/>
+          <p:cNvSpPr>
+            <a:spLocks noChangeAspect="1" noChangeArrowheads="1"/>
+          </p:cNvSpPr>
+          <p:nvPr/>
+        </p:nvSpPr>
+        <p:spPr bwMode="auto">
+          <a:xfrm>
+            <a:off x="307975" y="7937"/>
+            <a:ext cx="304800" cy="304801"/>
+          </a:xfrm>
+          <a:prstGeom prst="rect">
+            <a:avLst/>
+          </a:prstGeom>
+          <a:noFill/>
+          <a:extLst>
+            <a:ext uri="{909E8E84-426E-40DD-AFC4-6F175D3DCCD1}">
+              <a14:hiddenFill xmlns="" xmlns:a14="http://schemas.microsoft.com/office/drawing/2010/main">
+                <a:solidFill>
+                  <a:srgbClr val="FFFFFF"/>
+                </a:solidFill>
+              </a14:hiddenFill>
+            </a:ext>
+          </a:extLst>
+        </p:spPr>
+        <p:txBody>
+          <a:bodyPr vert="horz" wrap="square" lIns="91440" tIns="45720" rIns="91440" bIns="45720" numCol="1" anchor="t" anchorCtr="0" compatLnSpc="1">
+            <a:prstTxWarp prst="textNoShape">
+              <a:avLst/>
+            </a:prstTxWarp>
+          </a:bodyPr>
+          <a:lstStyle/>
+          <a:p>
+            <a:endParaRPr lang="en-US"/>
+          </a:p>
+        </p:txBody>
+      </p:sp>
+      <p:pic>
+        <p:nvPicPr>
+          <p:cNvPr id="2053" name="Picture 5" descr="C:\Users\Shubhams-PC\Desktop\EventProProject\activitydiagram.png"/>
+          <p:cNvPicPr>
+            <a:picLocks noChangeAspect="1" noChangeArrowheads="1"/>
+          </p:cNvPicPr>
+          <p:nvPr/>
+        </p:nvPicPr>
+        <p:blipFill>
+          <a:blip r:embed="rId2">
+            <a:extLst>
+              <a:ext uri="{28A0092B-C50C-407E-A947-70E740481C1C}">
+                <a14:useLocalDpi xmlns="" xmlns:a14="http://schemas.microsoft.com/office/drawing/2010/main" val="0"/>
+              </a:ext>
+            </a:extLst>
+          </a:blip>
+          <a:srcRect/>
+          <a:stretch>
+            <a:fillRect/>
+          </a:stretch>
+        </p:blipFill>
+        <p:spPr bwMode="auto">
+          <a:xfrm>
+            <a:off x="155575" y="7937"/>
+            <a:ext cx="8683625" cy="6773863"/>
+          </a:xfrm>
+          <a:prstGeom prst="rect">
+            <a:avLst/>
+          </a:prstGeom>
+          <a:noFill/>
+          <a:extLst>
+            <a:ext uri="{909E8E84-426E-40DD-AFC4-6F175D3DCCD1}">
+              <a14:hiddenFill xmlns="" xmlns:a14="http://schemas.microsoft.com/office/drawing/2010/main">
+                <a:solidFill>
+                  <a:srgbClr val="FFFFFF"/>
+                </a:solidFill>
+              </a14:hiddenFill>
+            </a:ext>
+          </a:extLst>
+        </p:spPr>
+      </p:pic>
     </p:spTree>
     <p:extLst>
       <p:ext uri="{BB962C8B-B14F-4D97-AF65-F5344CB8AC3E}">
-        <p14:creationId xmlns:p14="http://schemas.microsoft.com/office/powerpoint/2010/main" val="223638572"/>
+        <p14:creationId xmlns="" xmlns:p14="http://schemas.microsoft.com/office/powerpoint/2010/main" val="3457941073"/>
       </p:ext>
     </p:extLst>
   </p:cSld>
@@ -5253,8 +4713,8 @@
         </p:nvSpPr>
         <p:spPr>
           <a:xfrm>
-            <a:off x="457200" y="381000"/>
-            <a:ext cx="2438400" cy="461665"/>
+            <a:off x="685800" y="304799"/>
+            <a:ext cx="2895600" cy="461665"/>
           </a:xfrm>
           <a:prstGeom prst="rect">
             <a:avLst/>
@@ -5269,7 +4729,7 @@
           <a:p>
             <a:r>
               <a:rPr lang="en-US" sz="2400" b="1" dirty="0" smtClean="0"/>
-              <a:t>Implementation </a:t>
+              <a:t>Testing </a:t>
             </a:r>
             <a:endParaRPr lang="en-US" sz="2400" b="1" dirty="0"/>
           </a:p>
@@ -5283,8 +4743,8 @@
         </p:nvSpPr>
         <p:spPr>
           <a:xfrm>
-            <a:off x="1676400" y="1752600"/>
-            <a:ext cx="1600200" cy="369332"/>
+            <a:off x="609600" y="1143000"/>
+            <a:ext cx="7696200" cy="4832092"/>
           </a:xfrm>
           <a:prstGeom prst="rect">
             <a:avLst/>
@@ -5299,7 +4759,136 @@
           <a:p>
             <a:r>
               <a:rPr lang="en-US" dirty="0" smtClean="0"/>
-              <a:t>code</a:t>
+              <a:t>Testing Overview:</a:t>
+            </a:r>
+          </a:p>
+          <a:p>
+            <a:r>
+              <a:rPr lang="en-US" dirty="0" smtClean="0"/>
+              <a:t>Testing is a crucial phase in ensuring the quality and reliability of </a:t>
+            </a:r>
+            <a:r>
+              <a:rPr lang="en-US" dirty="0" err="1" smtClean="0"/>
+              <a:t>EventPro</a:t>
+            </a:r>
+            <a:r>
+              <a:rPr lang="en-US" dirty="0" smtClean="0"/>
+              <a:t>. We conduct thorough testing to identify and address any issues before releasing the platform to users.</a:t>
+            </a:r>
+          </a:p>
+          <a:p>
+            <a:endParaRPr lang="en-US" dirty="0" smtClean="0"/>
+          </a:p>
+          <a:p>
+            <a:r>
+              <a:rPr lang="en-US" dirty="0" smtClean="0"/>
+              <a:t>  </a:t>
+            </a:r>
+            <a:r>
+              <a:rPr lang="en-US" sz="2000" b="1" dirty="0" smtClean="0"/>
+              <a:t>Types of Testing</a:t>
+            </a:r>
+            <a:r>
+              <a:rPr lang="en-US" dirty="0" smtClean="0"/>
+              <a:t>:</a:t>
+            </a:r>
+          </a:p>
+          <a:p>
+            <a:endParaRPr lang="en-US" dirty="0" smtClean="0"/>
+          </a:p>
+          <a:p>
+            <a:r>
+              <a:rPr lang="en-US" dirty="0" smtClean="0"/>
+              <a:t>1. </a:t>
+            </a:r>
+            <a:r>
+              <a:rPr lang="en-US" b="1" dirty="0" smtClean="0"/>
+              <a:t>Functionality Testing</a:t>
+            </a:r>
+            <a:r>
+              <a:rPr lang="en-US" dirty="0" smtClean="0"/>
+              <a:t>: Ensures all features work as intended.</a:t>
+            </a:r>
+          </a:p>
+          <a:p>
+            <a:r>
+              <a:rPr lang="en-US" dirty="0" smtClean="0"/>
+              <a:t>2. </a:t>
+            </a:r>
+            <a:r>
+              <a:rPr lang="en-US" b="1" dirty="0" smtClean="0"/>
+              <a:t>Usability Testing</a:t>
+            </a:r>
+            <a:r>
+              <a:rPr lang="en-US" dirty="0" smtClean="0"/>
+              <a:t>: Evaluates how easy it is for users to navigate and use the platform.</a:t>
+            </a:r>
+          </a:p>
+          <a:p>
+            <a:r>
+              <a:rPr lang="en-US" dirty="0" smtClean="0"/>
+              <a:t>3. </a:t>
+            </a:r>
+            <a:r>
+              <a:rPr lang="en-US" b="1" dirty="0" smtClean="0"/>
+              <a:t>Security Testing</a:t>
+            </a:r>
+            <a:r>
+              <a:rPr lang="en-US" dirty="0" smtClean="0"/>
+              <a:t>: Verifies data protection and user privacy.</a:t>
+            </a:r>
+          </a:p>
+          <a:p>
+            <a:r>
+              <a:rPr lang="en-US" dirty="0" smtClean="0"/>
+              <a:t>4. </a:t>
+            </a:r>
+            <a:r>
+              <a:rPr lang="en-US" b="1" dirty="0" smtClean="0"/>
+              <a:t>Performance Testing</a:t>
+            </a:r>
+            <a:r>
+              <a:rPr lang="en-US" dirty="0" smtClean="0"/>
+              <a:t>: Assesses the platform's speed and responsiveness.</a:t>
+            </a:r>
+          </a:p>
+          <a:p>
+            <a:r>
+              <a:rPr lang="en-US" dirty="0" smtClean="0"/>
+              <a:t>5. </a:t>
+            </a:r>
+            <a:r>
+              <a:rPr lang="en-US" b="1" dirty="0" smtClean="0"/>
+              <a:t>Compatibility Testing</a:t>
+            </a:r>
+            <a:r>
+              <a:rPr lang="en-US" dirty="0" smtClean="0"/>
+              <a:t>: Ensures </a:t>
+            </a:r>
+            <a:r>
+              <a:rPr lang="en-US" dirty="0" err="1" smtClean="0"/>
+              <a:t>EventPro</a:t>
+            </a:r>
+            <a:r>
+              <a:rPr lang="en-US" dirty="0" smtClean="0"/>
+              <a:t> works on different devices and web browsers.</a:t>
+            </a:r>
+          </a:p>
+          <a:p>
+            <a:endParaRPr lang="en-US" dirty="0" smtClean="0"/>
+          </a:p>
+          <a:p>
+            <a:r>
+              <a:rPr lang="en-US" dirty="0" smtClean="0"/>
+              <a:t>Testing ensures that </a:t>
+            </a:r>
+            <a:r>
+              <a:rPr lang="en-US" dirty="0" err="1" smtClean="0"/>
+              <a:t>EventPro</a:t>
+            </a:r>
+            <a:r>
+              <a:rPr lang="en-US" dirty="0" smtClean="0"/>
+              <a:t> is a dependable and user-friendly platform, guaranteeing a smooth and secure event planning experience for all users.</a:t>
             </a:r>
             <a:endParaRPr lang="en-US" dirty="0"/>
           </a:p>
@@ -5308,7 +4897,7 @@
     </p:spTree>
     <p:extLst>
       <p:ext uri="{BB962C8B-B14F-4D97-AF65-F5344CB8AC3E}">
-        <p14:creationId xmlns:p14="http://schemas.microsoft.com/office/powerpoint/2010/main" val="681636286"/>
+        <p14:creationId xmlns="" xmlns:p14="http://schemas.microsoft.com/office/powerpoint/2010/main" val="223638572"/>
       </p:ext>
     </p:extLst>
   </p:cSld>
@@ -5337,14 +4926,14 @@
       </p:grpSpPr>
       <p:sp>
         <p:nvSpPr>
-          <p:cNvPr id="3" name="TextBox 2"/>
+          <p:cNvPr id="2" name="TextBox 1"/>
           <p:cNvSpPr txBox="1"/>
           <p:nvPr/>
         </p:nvSpPr>
         <p:spPr>
           <a:xfrm>
-            <a:off x="381000" y="1905000"/>
-            <a:ext cx="8305800" cy="2862322"/>
+            <a:off x="838200" y="152400"/>
+            <a:ext cx="2514600" cy="369332"/>
           </a:xfrm>
           <a:prstGeom prst="rect">
             <a:avLst/>
@@ -5358,114 +4947,23 @@
           <a:lstStyle/>
           <a:p>
             <a:r>
-              <a:rPr lang="en-US" dirty="0" err="1" smtClean="0"/>
-              <a:t>EventPro</a:t>
-            </a:r>
-            <a:r>
-              <a:rPr lang="en-US" dirty="0" smtClean="0"/>
-              <a:t> is an innovative event organization service dedicated to making your events memorable and stress-free. We offer a one-stop solution for planning, managing, and executing a wide range of events, from corporate conferences to weddings and parties. Our user-friendly platform simplifies event management, helping clients save time and resources while ensuring a seamless and successful event experience. </a:t>
-            </a:r>
-          </a:p>
-          <a:p>
+              <a:rPr lang="en-US" dirty="0" smtClean="0"/>
+              <a:t>Snapshot..</a:t>
+            </a:r>
             <a:endParaRPr lang="en-US" dirty="0"/>
-          </a:p>
-          <a:p>
-            <a:r>
-              <a:rPr lang="en-US" dirty="0" err="1" smtClean="0"/>
-              <a:t>EventPro</a:t>
-            </a:r>
-            <a:r>
-              <a:rPr lang="en-US" dirty="0" smtClean="0"/>
-              <a:t> combines cutting-edge technology with personalized service to deliver tailored solutions that cater to all your event needs. Join us in the journey of turning your vision into a remarkable reality. Leave the event logistics to us, and enjoy every moment of your special occasion.</a:t>
-            </a:r>
-            <a:endParaRPr lang="en-US" dirty="0"/>
-          </a:p>
-        </p:txBody>
-      </p:sp>
-      <p:sp>
-        <p:nvSpPr>
-          <p:cNvPr id="4" name="TextBox 3"/>
-          <p:cNvSpPr txBox="1"/>
-          <p:nvPr/>
-        </p:nvSpPr>
-        <p:spPr>
-          <a:xfrm>
-            <a:off x="609600" y="362635"/>
-            <a:ext cx="7848600" cy="1323439"/>
-          </a:xfrm>
-          <a:prstGeom prst="rect">
-            <a:avLst/>
-          </a:prstGeom>
-          <a:noFill/>
-        </p:spPr>
-        <p:txBody>
-          <a:bodyPr wrap="square" rtlCol="0">
-            <a:spAutoFit/>
-          </a:bodyPr>
-          <a:lstStyle/>
-          <a:p>
-            <a:r>
-              <a:rPr lang="en-US" sz="4000" b="1" dirty="0" smtClean="0"/>
-              <a:t>Project Name:  </a:t>
-            </a:r>
-            <a:r>
-              <a:rPr lang="en-US" sz="4000" b="1" dirty="0" err="1" smtClean="0"/>
-              <a:t>EventPro</a:t>
-            </a:r>
-            <a:endParaRPr lang="en-US" sz="4000" b="1" dirty="0" smtClean="0"/>
-          </a:p>
-          <a:p>
-            <a:endParaRPr lang="en-US" sz="4000" b="1" dirty="0"/>
-          </a:p>
-        </p:txBody>
-      </p:sp>
-      <p:sp>
-        <p:nvSpPr>
-          <p:cNvPr id="5" name="TextBox 4"/>
-          <p:cNvSpPr txBox="1"/>
-          <p:nvPr/>
-        </p:nvSpPr>
-        <p:spPr>
-          <a:xfrm>
-            <a:off x="609600" y="1307068"/>
-            <a:ext cx="2743200" cy="523220"/>
-          </a:xfrm>
-          <a:prstGeom prst="rect">
-            <a:avLst/>
-          </a:prstGeom>
-          <a:noFill/>
-        </p:spPr>
-        <p:txBody>
-          <a:bodyPr wrap="square" rtlCol="0">
-            <a:spAutoFit/>
-          </a:bodyPr>
-          <a:lstStyle/>
-          <a:p>
-            <a:r>
-              <a:rPr lang="en-US" sz="2800" b="1" dirty="0" smtClean="0"/>
-              <a:t>Abstract : </a:t>
-            </a:r>
-            <a:endParaRPr lang="en-US" sz="2800" b="1" dirty="0"/>
           </a:p>
         </p:txBody>
       </p:sp>
     </p:spTree>
     <p:extLst>
       <p:ext uri="{BB962C8B-B14F-4D97-AF65-F5344CB8AC3E}">
-        <p14:creationId xmlns:p14="http://schemas.microsoft.com/office/powerpoint/2010/main" val="207231296"/>
+        <p14:creationId xmlns="" xmlns:p14="http://schemas.microsoft.com/office/powerpoint/2010/main" val="1340813820"/>
       </p:ext>
     </p:extLst>
   </p:cSld>
   <p:clrMapOvr>
     <a:masterClrMapping/>
   </p:clrMapOvr>
-  <p:timing>
-    <p:tnLst>
-      <p:par>
-        <p:cTn id="1" dur="indefinite" restart="never" nodeType="tmRoot"/>
-      </p:par>
-    </p:tnLst>
-  </p:timing>
 </p:sld>
 </file>
 
@@ -5486,10 +4984,70 @@
           <a:chExt cx="0" cy="0"/>
         </a:xfrm>
       </p:grpSpPr>
+      <p:sp>
+        <p:nvSpPr>
+          <p:cNvPr id="2" name="TextBox 1"/>
+          <p:cNvSpPr txBox="1"/>
+          <p:nvPr/>
+        </p:nvSpPr>
+        <p:spPr>
+          <a:xfrm>
+            <a:off x="457200" y="381000"/>
+            <a:ext cx="2438400" cy="461665"/>
+          </a:xfrm>
+          <a:prstGeom prst="rect">
+            <a:avLst/>
+          </a:prstGeom>
+          <a:noFill/>
+        </p:spPr>
+        <p:txBody>
+          <a:bodyPr wrap="square" rtlCol="0">
+            <a:spAutoFit/>
+          </a:bodyPr>
+          <a:lstStyle/>
+          <a:p>
+            <a:r>
+              <a:rPr lang="en-US" sz="2400" b="1" dirty="0" smtClean="0"/>
+              <a:t>Implementation </a:t>
+            </a:r>
+            <a:endParaRPr lang="en-US" sz="2400" b="1" dirty="0"/>
+          </a:p>
+        </p:txBody>
+      </p:sp>
+      <p:sp>
+        <p:nvSpPr>
+          <p:cNvPr id="3" name="TextBox 2"/>
+          <p:cNvSpPr txBox="1"/>
+          <p:nvPr/>
+        </p:nvSpPr>
+        <p:spPr>
+          <a:xfrm>
+            <a:off x="1676400" y="1752600"/>
+            <a:ext cx="1600200" cy="369332"/>
+          </a:xfrm>
+          <a:prstGeom prst="rect">
+            <a:avLst/>
+          </a:prstGeom>
+          <a:noFill/>
+        </p:spPr>
+        <p:txBody>
+          <a:bodyPr wrap="square" rtlCol="0">
+            <a:spAutoFit/>
+          </a:bodyPr>
+          <a:lstStyle/>
+          <a:p>
+            <a:r>
+              <a:rPr lang="en-US" dirty="0" smtClean="0"/>
+              <a:t>code</a:t>
+            </a:r>
+            <a:endParaRPr lang="en-US" dirty="0"/>
+          </a:p>
+        </p:txBody>
+      </p:sp>
     </p:spTree>
     <p:extLst>
       <p:ext uri="{BB962C8B-B14F-4D97-AF65-F5344CB8AC3E}">
-        <p14:creationId xmlns:p14="http://schemas.microsoft.com/office/powerpoint/2010/main" val="3877818265"/>
+        <p14:creationId xmlns="" xmlns:p14="http://schemas.microsoft.com/office/powerpoint/2010/main" val="681636286"/>
       </p:ext>
     </p:extLst>
   </p:cSld>
@@ -5516,40 +5074,10 @@
           <a:chExt cx="0" cy="0"/>
         </a:xfrm>
       </p:grpSpPr>
-      <p:sp>
-        <p:nvSpPr>
-          <p:cNvPr id="2" name="TextBox 1"/>
-          <p:cNvSpPr txBox="1"/>
-          <p:nvPr/>
-        </p:nvSpPr>
-        <p:spPr>
-          <a:xfrm>
-            <a:off x="762000" y="228600"/>
-            <a:ext cx="2743200" cy="369332"/>
-          </a:xfrm>
-          <a:prstGeom prst="rect">
-            <a:avLst/>
-          </a:prstGeom>
-          <a:noFill/>
-        </p:spPr>
-        <p:txBody>
-          <a:bodyPr wrap="square" rtlCol="0">
-            <a:spAutoFit/>
-          </a:bodyPr>
-          <a:lstStyle/>
-          <a:p>
-            <a:r>
-              <a:rPr lang="en-US" dirty="0" smtClean="0"/>
-              <a:t>Snapshot</a:t>
-            </a:r>
-            <a:endParaRPr lang="en-US" dirty="0"/>
-          </a:p>
-        </p:txBody>
-      </p:sp>
     </p:spTree>
     <p:extLst>
       <p:ext uri="{BB962C8B-B14F-4D97-AF65-F5344CB8AC3E}">
-        <p14:creationId xmlns:p14="http://schemas.microsoft.com/office/powerpoint/2010/main" val="989593544"/>
+        <p14:creationId xmlns="" xmlns:p14="http://schemas.microsoft.com/office/powerpoint/2010/main" val="3877818265"/>
       </p:ext>
     </p:extLst>
   </p:cSld>
@@ -5584,8 +5112,8 @@
         </p:nvSpPr>
         <p:spPr>
           <a:xfrm>
-            <a:off x="838200" y="152400"/>
-            <a:ext cx="2514600" cy="369332"/>
+            <a:off x="762000" y="228600"/>
+            <a:ext cx="2743200" cy="369332"/>
           </a:xfrm>
           <a:prstGeom prst="rect">
             <a:avLst/>
@@ -5600,7 +5128,7 @@
           <a:p>
             <a:r>
               <a:rPr lang="en-US" dirty="0" smtClean="0"/>
-              <a:t>Snapshot..</a:t>
+              <a:t>Snapshot</a:t>
             </a:r>
             <a:endParaRPr lang="en-US" dirty="0"/>
           </a:p>
@@ -5609,7 +5137,7 @@
     </p:spTree>
     <p:extLst>
       <p:ext uri="{BB962C8B-B14F-4D97-AF65-F5344CB8AC3E}">
-        <p14:creationId xmlns:p14="http://schemas.microsoft.com/office/powerpoint/2010/main" val="1340813820"/>
+        <p14:creationId xmlns="" xmlns:p14="http://schemas.microsoft.com/office/powerpoint/2010/main" val="989593544"/>
       </p:ext>
     </p:extLst>
   </p:cSld>
@@ -5639,7 +5167,7 @@
     </p:spTree>
     <p:extLst>
       <p:ext uri="{BB962C8B-B14F-4D97-AF65-F5344CB8AC3E}">
-        <p14:creationId xmlns:p14="http://schemas.microsoft.com/office/powerpoint/2010/main" val="2433384600"/>
+        <p14:creationId xmlns="" xmlns:p14="http://schemas.microsoft.com/office/powerpoint/2010/main" val="2433384600"/>
       </p:ext>
     </p:extLst>
   </p:cSld>
@@ -5669,7 +5197,7 @@
     </p:spTree>
     <p:extLst>
       <p:ext uri="{BB962C8B-B14F-4D97-AF65-F5344CB8AC3E}">
-        <p14:creationId xmlns:p14="http://schemas.microsoft.com/office/powerpoint/2010/main" val="3059636204"/>
+        <p14:creationId xmlns="" xmlns:p14="http://schemas.microsoft.com/office/powerpoint/2010/main" val="3059636204"/>
       </p:ext>
     </p:extLst>
   </p:cSld>
@@ -5811,7 +5339,7 @@
     </p:spTree>
     <p:extLst>
       <p:ext uri="{BB962C8B-B14F-4D97-AF65-F5344CB8AC3E}">
-        <p14:creationId xmlns:p14="http://schemas.microsoft.com/office/powerpoint/2010/main" val="2441615846"/>
+        <p14:creationId xmlns="" xmlns:p14="http://schemas.microsoft.com/office/powerpoint/2010/main" val="2441615846"/>
       </p:ext>
     </p:extLst>
   </p:cSld>
@@ -5985,7 +5513,7 @@
     </p:spTree>
     <p:extLst>
       <p:ext uri="{BB962C8B-B14F-4D97-AF65-F5344CB8AC3E}">
-        <p14:creationId xmlns:p14="http://schemas.microsoft.com/office/powerpoint/2010/main" val="2563122915"/>
+        <p14:creationId xmlns="" xmlns:p14="http://schemas.microsoft.com/office/powerpoint/2010/main" val="2563122915"/>
       </p:ext>
     </p:extLst>
   </p:cSld>
@@ -6020,7 +5548,7 @@
         </p:nvSpPr>
         <p:spPr>
           <a:xfrm>
-            <a:off x="723900" y="508552"/>
+            <a:off x="762000" y="533400"/>
             <a:ext cx="2895600" cy="461665"/>
           </a:xfrm>
           <a:prstGeom prst="rect">
@@ -6075,7 +5603,7 @@
     </p:spTree>
     <p:extLst>
       <p:ext uri="{BB962C8B-B14F-4D97-AF65-F5344CB8AC3E}">
-        <p14:creationId xmlns:p14="http://schemas.microsoft.com/office/powerpoint/2010/main" val="286399907"/>
+        <p14:creationId xmlns="" xmlns:p14="http://schemas.microsoft.com/office/powerpoint/2010/main" val="286399907"/>
       </p:ext>
     </p:extLst>
   </p:cSld>
@@ -6104,14 +5632,14 @@
       </p:grpSpPr>
       <p:sp>
         <p:nvSpPr>
-          <p:cNvPr id="2" name="TextBox 1"/>
+          <p:cNvPr id="3" name="TextBox 2"/>
           <p:cNvSpPr txBox="1"/>
           <p:nvPr/>
         </p:nvSpPr>
         <p:spPr>
           <a:xfrm>
-            <a:off x="838200" y="1524000"/>
-            <a:ext cx="7315200" cy="4247317"/>
+            <a:off x="381000" y="1905000"/>
+            <a:ext cx="8305800" cy="2862322"/>
           </a:xfrm>
           <a:prstGeom prst="rect">
             <a:avLst/>
@@ -6125,59 +5653,25 @@
           <a:lstStyle/>
           <a:p>
             <a:r>
-              <a:rPr lang="en-US" dirty="0" smtClean="0"/>
-              <a:t>Welcome to </a:t>
-            </a:r>
-            <a:r>
               <a:rPr lang="en-US" dirty="0" err="1" smtClean="0"/>
               <a:t>EventPro</a:t>
             </a:r>
             <a:r>
               <a:rPr lang="en-US" dirty="0" smtClean="0"/>
-              <a:t>, your go-to partner for event organization. We specialize in planning and executing various types of events, making them stress-free and unforgettable.</a:t>
-            </a:r>
-          </a:p>
-          <a:p>
-            <a:endParaRPr lang="en-US" dirty="0" smtClean="0"/>
-          </a:p>
-          <a:p>
-            <a:r>
-              <a:rPr lang="en-US" dirty="0" smtClean="0"/>
-              <a:t>At </a:t>
-            </a:r>
+              <a:t> is an innovative event organization service dedicated to making your events memorable and stress-free. We offer a one-stop solution for planning, managing, and executing a wide range of events, from corporate conferences to weddings and parties. Our user-friendly platform simplifies event management, helping clients save time and resources while ensuring a seamless and successful event experience. </a:t>
+            </a:r>
+          </a:p>
+          <a:p>
+            <a:endParaRPr lang="en-US" dirty="0"/>
+          </a:p>
+          <a:p>
             <a:r>
               <a:rPr lang="en-US" dirty="0" err="1" smtClean="0"/>
               <a:t>EventPro</a:t>
             </a:r>
             <a:r>
               <a:rPr lang="en-US" dirty="0" smtClean="0"/>
-              <a:t>, we understand the importance of every event, whether it's a corporate conference, a wedding, a birthday party, or any special occasion. Our mission is to take the burden of event management off your shoulders.</a:t>
-            </a:r>
-          </a:p>
-          <a:p>
-            <a:endParaRPr lang="en-US" dirty="0" smtClean="0"/>
-          </a:p>
-          <a:p>
-            <a:r>
-              <a:rPr lang="en-US" dirty="0" smtClean="0"/>
-              <a:t>With our easy-to-use platform, you can effortlessly plan, organize, and manage your event, saving you time and resources. We blend modern technology with a personal touch, ensuring every event is a success.</a:t>
-            </a:r>
-          </a:p>
-          <a:p>
-            <a:endParaRPr lang="en-US" dirty="0" smtClean="0"/>
-          </a:p>
-          <a:p>
-            <a:r>
-              <a:rPr lang="en-US" dirty="0" smtClean="0"/>
-              <a:t>Our team is dedicated to turning your vision into a remarkable reality. Let us handle the logistics while you enjoy and cherish every moment of your special day. Welcome to </a:t>
-            </a:r>
-            <a:r>
-              <a:rPr lang="en-US" dirty="0" err="1" smtClean="0"/>
-              <a:t>EventPro</a:t>
-            </a:r>
-            <a:r>
-              <a:rPr lang="en-US" dirty="0" smtClean="0"/>
-              <a:t>, where your event dreams come to life.</a:t>
+              <a:t> combines cutting-edge technology with personalized service to deliver tailored solutions that cater to all your event needs. Join us in the journey of turning your vision into a remarkable reality. Leave the event logistics to us, and enjoy every moment of your special occasion.</a:t>
             </a:r>
             <a:endParaRPr lang="en-US" dirty="0"/>
           </a:p>
@@ -6185,14 +5679,14 @@
       </p:sp>
       <p:sp>
         <p:nvSpPr>
-          <p:cNvPr id="3" name="TextBox 2"/>
+          <p:cNvPr id="4" name="TextBox 3"/>
           <p:cNvSpPr txBox="1"/>
           <p:nvPr/>
         </p:nvSpPr>
         <p:spPr>
           <a:xfrm>
-            <a:off x="824345" y="762000"/>
-            <a:ext cx="3048000" cy="523220"/>
+            <a:off x="609600" y="362635"/>
+            <a:ext cx="7848600" cy="1323439"/>
           </a:xfrm>
           <a:prstGeom prst="rect">
             <a:avLst/>
@@ -6206,8 +5700,45 @@
           <a:lstStyle/>
           <a:p>
             <a:r>
+              <a:rPr lang="en-US" sz="4000" b="1" dirty="0" smtClean="0"/>
+              <a:t>Project Name:  </a:t>
+            </a:r>
+            <a:r>
+              <a:rPr lang="en-US" sz="4000" b="1" dirty="0" err="1" smtClean="0"/>
+              <a:t>EventPro</a:t>
+            </a:r>
+            <a:endParaRPr lang="en-US" sz="4000" b="1" dirty="0" smtClean="0"/>
+          </a:p>
+          <a:p>
+            <a:endParaRPr lang="en-US" sz="4000" b="1" dirty="0"/>
+          </a:p>
+        </p:txBody>
+      </p:sp>
+      <p:sp>
+        <p:nvSpPr>
+          <p:cNvPr id="5" name="TextBox 4"/>
+          <p:cNvSpPr txBox="1"/>
+          <p:nvPr/>
+        </p:nvSpPr>
+        <p:spPr>
+          <a:xfrm>
+            <a:off x="609600" y="1307068"/>
+            <a:ext cx="2743200" cy="523220"/>
+          </a:xfrm>
+          <a:prstGeom prst="rect">
+            <a:avLst/>
+          </a:prstGeom>
+          <a:noFill/>
+        </p:spPr>
+        <p:txBody>
+          <a:bodyPr wrap="square" rtlCol="0">
+            <a:spAutoFit/>
+          </a:bodyPr>
+          <a:lstStyle/>
+          <a:p>
+            <a:r>
               <a:rPr lang="en-US" sz="2800" b="1" dirty="0" smtClean="0"/>
-              <a:t>INTRODUCTION : </a:t>
+              <a:t>Abstract : </a:t>
             </a:r>
             <a:endParaRPr lang="en-US" sz="2800" b="1" dirty="0"/>
           </a:p>
@@ -6216,7 +5747,7 @@
     </p:spTree>
     <p:extLst>
       <p:ext uri="{BB962C8B-B14F-4D97-AF65-F5344CB8AC3E}">
-        <p14:creationId xmlns:p14="http://schemas.microsoft.com/office/powerpoint/2010/main" val="3083870186"/>
+        <p14:creationId xmlns="" xmlns:p14="http://schemas.microsoft.com/office/powerpoint/2010/main" val="207231296"/>
       </p:ext>
     </p:extLst>
   </p:cSld>
@@ -6258,8 +5789,8 @@
         </p:nvSpPr>
         <p:spPr>
           <a:xfrm>
-            <a:off x="609600" y="1676400"/>
-            <a:ext cx="7696200" cy="3693319"/>
+            <a:off x="838200" y="1524000"/>
+            <a:ext cx="7315200" cy="4247317"/>
           </a:xfrm>
           <a:prstGeom prst="rect">
             <a:avLst/>
@@ -6274,29 +5805,24 @@
           <a:p>
             <a:r>
               <a:rPr lang="en-US" dirty="0" smtClean="0"/>
-              <a:t>Organizing events can be overwhelming. People often struggle with planning, coordinating, and executing events efficiently. The challenges include budget management, vendor selection, and ensuring a smooth guest experience.</a:t>
-            </a:r>
-          </a:p>
-          <a:p>
-            <a:endParaRPr lang="en-US" dirty="0" smtClean="0"/>
-          </a:p>
-          <a:p>
-            <a:r>
-              <a:rPr lang="en-US" dirty="0" smtClean="0"/>
-              <a:t>DIY event planning can lead to stress, miscommunication, and missed opportunities. Without the right tools and expertise, events may not reach their full potential, causing frustration and disappointment.</a:t>
-            </a:r>
-          </a:p>
-          <a:p>
-            <a:endParaRPr lang="en-US" dirty="0" smtClean="0"/>
-          </a:p>
-          <a:p>
+              <a:t>Welcome to </a:t>
+            </a:r>
             <a:r>
               <a:rPr lang="en-US" dirty="0" err="1" smtClean="0"/>
               <a:t>EventPro</a:t>
             </a:r>
             <a:r>
               <a:rPr lang="en-US" dirty="0" smtClean="0"/>
-              <a:t> recognizes these common issues and aims to simplify event organization. We address the pain points in event planning, offering a solution that streamlines the process and guarantees success. With </a:t>
+              <a:t>, your go-to partner for event organization. We specialize in planning and executing various types of events, making them stress-free and unforgettable.</a:t>
+            </a:r>
+          </a:p>
+          <a:p>
+            <a:endParaRPr lang="en-US" dirty="0" smtClean="0"/>
+          </a:p>
+          <a:p>
+            <a:r>
+              <a:rPr lang="en-US" dirty="0" smtClean="0"/>
+              <a:t>At </a:t>
             </a:r>
             <a:r>
               <a:rPr lang="en-US" dirty="0" err="1" smtClean="0"/>
@@ -6304,7 +5830,33 @@
             </a:r>
             <a:r>
               <a:rPr lang="en-US" dirty="0" smtClean="0"/>
-              <a:t>, you leave the worries behind, focusing on enjoying your event while we take care of the rest.</a:t>
+              <a:t>, we understand the importance of every event, whether it's a corporate conference, a wedding, a birthday party, or any special occasion. Our mission is to take the burden of event management off your shoulders.</a:t>
+            </a:r>
+          </a:p>
+          <a:p>
+            <a:endParaRPr lang="en-US" dirty="0" smtClean="0"/>
+          </a:p>
+          <a:p>
+            <a:r>
+              <a:rPr lang="en-US" dirty="0" smtClean="0"/>
+              <a:t>With our easy-to-use platform, you can effortlessly plan, organize, and manage your event, saving you time and resources. We blend modern technology with a personal touch, ensuring every event is a success.</a:t>
+            </a:r>
+          </a:p>
+          <a:p>
+            <a:endParaRPr lang="en-US" dirty="0" smtClean="0"/>
+          </a:p>
+          <a:p>
+            <a:r>
+              <a:rPr lang="en-US" dirty="0" smtClean="0"/>
+              <a:t>Our team is dedicated to turning your vision into a remarkable reality. Let us handle the logistics while you enjoy and cherish every moment of your special day. Welcome to </a:t>
+            </a:r>
+            <a:r>
+              <a:rPr lang="en-US" dirty="0" err="1" smtClean="0"/>
+              <a:t>EventPro</a:t>
+            </a:r>
+            <a:r>
+              <a:rPr lang="en-US" dirty="0" smtClean="0"/>
+              <a:t>, where your event dreams come to life.</a:t>
             </a:r>
             <a:endParaRPr lang="en-US" dirty="0"/>
           </a:p>
@@ -6318,8 +5870,8 @@
         </p:nvSpPr>
         <p:spPr>
           <a:xfrm>
-            <a:off x="762000" y="990599"/>
-            <a:ext cx="2819400" cy="461665"/>
+            <a:off x="824345" y="762000"/>
+            <a:ext cx="3048000" cy="523220"/>
           </a:xfrm>
           <a:prstGeom prst="rect">
             <a:avLst/>
@@ -6333,16 +5885,17 @@
           <a:lstStyle/>
           <a:p>
             <a:r>
-              <a:rPr lang="en-US" sz="2400" b="1" dirty="0" smtClean="0"/>
-              <a:t>Problem Domain:</a:t>
-            </a:r>
+              <a:rPr lang="en-US" sz="2800" b="1" dirty="0" smtClean="0"/>
+              <a:t>INTRODUCTION : </a:t>
+            </a:r>
+            <a:endParaRPr lang="en-US" sz="2800" b="1" dirty="0"/>
           </a:p>
         </p:txBody>
       </p:sp>
     </p:spTree>
     <p:extLst>
       <p:ext uri="{BB962C8B-B14F-4D97-AF65-F5344CB8AC3E}">
-        <p14:creationId xmlns:p14="http://schemas.microsoft.com/office/powerpoint/2010/main" val="3287688953"/>
+        <p14:creationId xmlns="" xmlns:p14="http://schemas.microsoft.com/office/powerpoint/2010/main" val="3083870186"/>
       </p:ext>
     </p:extLst>
   </p:cSld>
@@ -6384,8 +5937,8 @@
         </p:nvSpPr>
         <p:spPr>
           <a:xfrm>
-            <a:off x="1066800" y="1752600"/>
-            <a:ext cx="6553200" cy="3693319"/>
+            <a:off x="609600" y="1676400"/>
+            <a:ext cx="7696200" cy="3693319"/>
           </a:xfrm>
           <a:prstGeom prst="rect">
             <a:avLst/>
@@ -6399,21 +5952,30 @@
           <a:lstStyle/>
           <a:p>
             <a:r>
+              <a:rPr lang="en-US" dirty="0" smtClean="0"/>
+              <a:t>Organizing events can be overwhelming. People often struggle with planning, coordinating, and executing events efficiently. The challenges include budget management, vendor selection, and ensuring a smooth guest experience.</a:t>
+            </a:r>
+          </a:p>
+          <a:p>
+            <a:endParaRPr lang="en-US" dirty="0" smtClean="0"/>
+          </a:p>
+          <a:p>
+            <a:r>
+              <a:rPr lang="en-US" dirty="0" smtClean="0"/>
+              <a:t>DIY event planning can lead to stress, miscommunication, and missed opportunities. Without the right tools and expertise, events may not reach their full potential, causing frustration and disappointment.</a:t>
+            </a:r>
+          </a:p>
+          <a:p>
+            <a:endParaRPr lang="en-US" dirty="0" smtClean="0"/>
+          </a:p>
+          <a:p>
+            <a:r>
               <a:rPr lang="en-US" dirty="0" err="1" smtClean="0"/>
               <a:t>EventPro</a:t>
             </a:r>
             <a:r>
               <a:rPr lang="en-US" dirty="0" smtClean="0"/>
-              <a:t> is the answer to your event planning woes. We provide an all-in-one solution that simplifies event organization. Our platform offers intuitive tools for budget management, vendor selection, and guest coordination.</a:t>
-            </a:r>
-          </a:p>
-          <a:p>
-            <a:endParaRPr lang="en-US" dirty="0" smtClean="0"/>
-          </a:p>
-          <a:p>
-            <a:r>
-              <a:rPr lang="en-US" dirty="0" smtClean="0"/>
-              <a:t>With </a:t>
+              <a:t> recognizes these common issues and aims to simplify event organization. We address the pain points in event planning, offering a solution that streamlines the process and guarantees success. With </a:t>
             </a:r>
             <a:r>
               <a:rPr lang="en-US" dirty="0" err="1" smtClean="0"/>
@@ -6421,24 +5983,7 @@
             </a:r>
             <a:r>
               <a:rPr lang="en-US" dirty="0" smtClean="0"/>
-              <a:t>, you have a stress-free experience. We bring expertise and resources to ensure your event's success. Our team guides you through the entire process, from planning to execution.</a:t>
-            </a:r>
-          </a:p>
-          <a:p>
-            <a:endParaRPr lang="en-US" dirty="0" smtClean="0"/>
-          </a:p>
-          <a:p>
-            <a:r>
-              <a:rPr lang="en-US" dirty="0" smtClean="0"/>
-              <a:t>By using </a:t>
-            </a:r>
-            <a:r>
-              <a:rPr lang="en-US" dirty="0" err="1" smtClean="0"/>
-              <a:t>EventPro</a:t>
-            </a:r>
-            <a:r>
-              <a:rPr lang="en-US" dirty="0" smtClean="0"/>
-              <a:t>, you eliminate the frustrations of DIY event planning and get a professional touch. We turn your ideas into reality, allowing you to relax and enjoy your event, knowing it's in capable hands.</a:t>
+              <a:t>, you leave the worries behind, focusing on enjoying your event while we take care of the rest.</a:t>
             </a:r>
             <a:endParaRPr lang="en-US" dirty="0"/>
           </a:p>
@@ -6452,8 +5997,8 @@
         </p:nvSpPr>
         <p:spPr>
           <a:xfrm>
-            <a:off x="872836" y="955733"/>
-            <a:ext cx="3505200" cy="461665"/>
+            <a:off x="762000" y="990599"/>
+            <a:ext cx="2819400" cy="461665"/>
           </a:xfrm>
           <a:prstGeom prst="rect">
             <a:avLst/>
@@ -6468,7 +6013,7 @@
           <a:p>
             <a:r>
               <a:rPr lang="en-US" sz="2400" b="1" dirty="0" smtClean="0"/>
-              <a:t>Solution Domain:</a:t>
+              <a:t>Problem Domain:</a:t>
             </a:r>
           </a:p>
         </p:txBody>
@@ -6476,7 +6021,7 @@
     </p:spTree>
     <p:extLst>
       <p:ext uri="{BB962C8B-B14F-4D97-AF65-F5344CB8AC3E}">
-        <p14:creationId xmlns:p14="http://schemas.microsoft.com/office/powerpoint/2010/main" val="2317969638"/>
+        <p14:creationId xmlns="" xmlns:p14="http://schemas.microsoft.com/office/powerpoint/2010/main" val="3287688953"/>
       </p:ext>
     </p:extLst>
   </p:cSld>
@@ -6518,8 +6063,8 @@
         </p:nvSpPr>
         <p:spPr>
           <a:xfrm>
-            <a:off x="914400" y="1752600"/>
-            <a:ext cx="7620000" cy="3970318"/>
+            <a:off x="1066800" y="1752600"/>
+            <a:ext cx="6553200" cy="3693319"/>
           </a:xfrm>
           <a:prstGeom prst="rect">
             <a:avLst/>
@@ -6538,7 +6083,7 @@
             </a:r>
             <a:r>
               <a:rPr lang="en-US" dirty="0" smtClean="0"/>
-              <a:t> utilizes a powerful combination of web technologies to make event planning a breeze. We've harnessed the versatility of HTML, the styling capabilities of CSS, and the interactive features of JavaScript to create a user-friendly platform.</a:t>
+              <a:t> is the answer to your event planning woes. We provide an all-in-one solution that simplifies event organization. Our platform offers intuitive tools for budget management, vendor selection, and guest coordination.</a:t>
             </a:r>
           </a:p>
           <a:p>
@@ -6547,7 +6092,15 @@
           <a:p>
             <a:r>
               <a:rPr lang="en-US" dirty="0" smtClean="0"/>
-              <a:t>HTML forms the foundation of our web-based service, structuring content and providing the backbone for seamless navigation. CSS takes care of the aesthetics, ensuring that your event planning experience is visually appealing and user-friendly.</a:t>
+              <a:t>With </a:t>
+            </a:r>
+            <a:r>
+              <a:rPr lang="en-US" dirty="0" err="1" smtClean="0"/>
+              <a:t>EventPro</a:t>
+            </a:r>
+            <a:r>
+              <a:rPr lang="en-US" dirty="0" smtClean="0"/>
+              <a:t>, you have a stress-free experience. We bring expertise and resources to ensure your event's success. Our team guides you through the entire process, from planning to execution.</a:t>
             </a:r>
           </a:p>
           <a:p>
@@ -6556,7 +6109,15 @@
           <a:p>
             <a:r>
               <a:rPr lang="en-US" dirty="0" smtClean="0"/>
-              <a:t>JavaScript adds interactivity to the platform, making it dynamic and responsive. It enables real-time updates, ensuring you're always in control of your event details. These technologies work together harmoniously to offer a smooth, intuitive, and efficient event planning experience for all our users.</a:t>
+              <a:t>By using </a:t>
+            </a:r>
+            <a:r>
+              <a:rPr lang="en-US" dirty="0" err="1" smtClean="0"/>
+              <a:t>EventPro</a:t>
+            </a:r>
+            <a:r>
+              <a:rPr lang="en-US" dirty="0" smtClean="0"/>
+              <a:t>, you eliminate the frustrations of DIY event planning and get a professional touch. We turn your ideas into reality, allowing you to relax and enjoy your event, knowing it's in capable hands.</a:t>
             </a:r>
             <a:endParaRPr lang="en-US" dirty="0"/>
           </a:p>
@@ -6570,8 +6131,8 @@
         </p:nvSpPr>
         <p:spPr>
           <a:xfrm>
-            <a:off x="762000" y="914170"/>
-            <a:ext cx="3048000" cy="461665"/>
+            <a:off x="872836" y="955733"/>
+            <a:ext cx="3505200" cy="461665"/>
           </a:xfrm>
           <a:prstGeom prst="rect">
             <a:avLst/>
@@ -6586,7 +6147,7 @@
           <a:p>
             <a:r>
               <a:rPr lang="en-US" sz="2400" b="1" dirty="0" smtClean="0"/>
-              <a:t>Technology Proposed:</a:t>
+              <a:t>Solution Domain:</a:t>
             </a:r>
           </a:p>
         </p:txBody>
@@ -6594,7 +6155,7 @@
     </p:spTree>
     <p:extLst>
       <p:ext uri="{BB962C8B-B14F-4D97-AF65-F5344CB8AC3E}">
-        <p14:creationId xmlns:p14="http://schemas.microsoft.com/office/powerpoint/2010/main" val="2573592100"/>
+        <p14:creationId xmlns="" xmlns:p14="http://schemas.microsoft.com/office/powerpoint/2010/main" val="2317969638"/>
       </p:ext>
     </p:extLst>
   </p:cSld>
@@ -6636,8 +6197,8 @@
         </p:nvSpPr>
         <p:spPr>
           <a:xfrm>
-            <a:off x="685800" y="1371600"/>
-            <a:ext cx="7848600" cy="3970318"/>
+            <a:off x="914400" y="1752600"/>
+            <a:ext cx="7620000" cy="3970318"/>
           </a:xfrm>
           <a:prstGeom prst="rect">
             <a:avLst/>
@@ -6651,16 +6212,12 @@
           <a:lstStyle/>
           <a:p>
             <a:r>
-              <a:rPr lang="en-US" dirty="0" smtClean="0"/>
-              <a:t>Before creating </a:t>
-            </a:r>
-            <a:r>
               <a:rPr lang="en-US" dirty="0" err="1" smtClean="0"/>
               <a:t>EventPro</a:t>
             </a:r>
             <a:r>
               <a:rPr lang="en-US" dirty="0" smtClean="0"/>
-              <a:t>, we conducted extensive research and gathered insights from both event organizers and attendees. We interviewed potential users and carried out surveys to understand their needs and pain points.</a:t>
+              <a:t> utilizes a powerful combination of web technologies to make event planning a breeze. We've harnessed the versatility of HTML, the styling capabilities of CSS, and the interactive features of JavaScript to create a user-friendly platform.</a:t>
             </a:r>
           </a:p>
           <a:p>
@@ -6669,7 +6226,7 @@
           <a:p>
             <a:r>
               <a:rPr lang="en-US" dirty="0" smtClean="0"/>
-              <a:t>Through this analysis, we identified key requirements, such as user-friendly navigation, budget management tools, vendor selection assistance, and real-time communication features. We also recognized the importance of a mobile-responsive platform to cater to a diverse user base.</a:t>
+              <a:t>HTML forms the foundation of our web-based service, structuring content and providing the backbone for seamless navigation. CSS takes care of the aesthetics, ensuring that your event planning experience is visually appealing and user-friendly.</a:t>
             </a:r>
           </a:p>
           <a:p>
@@ -6678,23 +6235,7 @@
           <a:p>
             <a:r>
               <a:rPr lang="en-US" dirty="0" smtClean="0"/>
-              <a:t>The data we collected informed our design and development process, ensuring that </a:t>
-            </a:r>
-            <a:r>
-              <a:rPr lang="en-US" dirty="0" err="1" smtClean="0"/>
-              <a:t>EventPro</a:t>
-            </a:r>
-            <a:r>
-              <a:rPr lang="en-US" dirty="0" smtClean="0"/>
-              <a:t> addresses the most crucial needs of event planners. Our commitment to user-centric design and functionality is a result of this comprehensive requirement gathering analysis, making </a:t>
-            </a:r>
-            <a:r>
-              <a:rPr lang="en-US" dirty="0" err="1" smtClean="0"/>
-              <a:t>EventPro</a:t>
-            </a:r>
-            <a:r>
-              <a:rPr lang="en-US" dirty="0" smtClean="0"/>
-              <a:t> a practical and effective solution for event organization.</a:t>
+              <a:t>JavaScript adds interactivity to the platform, making it dynamic and responsive. It enables real-time updates, ensuring you're always in control of your event details. These technologies work together harmoniously to offer a smooth, intuitive, and efficient event planning experience for all our users.</a:t>
             </a:r>
             <a:endParaRPr lang="en-US" dirty="0"/>
           </a:p>
@@ -6708,8 +6249,8 @@
         </p:nvSpPr>
         <p:spPr>
           <a:xfrm>
-            <a:off x="762000" y="533400"/>
-            <a:ext cx="5105400" cy="461665"/>
+            <a:off x="762000" y="914170"/>
+            <a:ext cx="3048000" cy="461665"/>
           </a:xfrm>
           <a:prstGeom prst="rect">
             <a:avLst/>
@@ -6724,7 +6265,7 @@
           <a:p>
             <a:r>
               <a:rPr lang="en-US" sz="2400" b="1" dirty="0" smtClean="0"/>
-              <a:t>Requirement Gathering Analysis:</a:t>
+              <a:t>Technology Proposed:</a:t>
             </a:r>
           </a:p>
         </p:txBody>
@@ -6732,7 +6273,7 @@
     </p:spTree>
     <p:extLst>
       <p:ext uri="{BB962C8B-B14F-4D97-AF65-F5344CB8AC3E}">
-        <p14:creationId xmlns:p14="http://schemas.microsoft.com/office/powerpoint/2010/main" val="1407686197"/>
+        <p14:creationId xmlns="" xmlns:p14="http://schemas.microsoft.com/office/powerpoint/2010/main" val="2573592100"/>
       </p:ext>
     </p:extLst>
   </p:cSld>
@@ -6774,8 +6315,8 @@
         </p:nvSpPr>
         <p:spPr>
           <a:xfrm>
-            <a:off x="540327" y="762000"/>
-            <a:ext cx="8229600" cy="923330"/>
+            <a:off x="685800" y="1371600"/>
+            <a:ext cx="7848600" cy="3970318"/>
           </a:xfrm>
           <a:prstGeom prst="rect">
             <a:avLst/>
@@ -6790,7 +6331,7 @@
           <a:p>
             <a:r>
               <a:rPr lang="en-US" dirty="0" smtClean="0"/>
-              <a:t>The Software Requirements Specification (SRS) for </a:t>
+              <a:t>Before creating </a:t>
             </a:r>
             <a:r>
               <a:rPr lang="en-US" dirty="0" err="1" smtClean="0"/>
@@ -6798,8 +6339,43 @@
             </a:r>
             <a:r>
               <a:rPr lang="en-US" dirty="0" smtClean="0"/>
-              <a:t> serves as the blueprint for our platform. It outlines the functional and non-functional requirements that drive its development.</a:t>
-            </a:r>
+              <a:t>, we conducted extensive research and gathered insights from both event organizers and attendees. We interviewed potential users and carried out surveys to understand their needs and pain points.</a:t>
+            </a:r>
+          </a:p>
+          <a:p>
+            <a:endParaRPr lang="en-US" dirty="0" smtClean="0"/>
+          </a:p>
+          <a:p>
+            <a:r>
+              <a:rPr lang="en-US" dirty="0" smtClean="0"/>
+              <a:t>Through this analysis, we identified key requirements, such as user-friendly navigation, budget management tools, vendor selection assistance, and real-time communication features. We also recognized the importance of a mobile-responsive platform to cater to a diverse user base.</a:t>
+            </a:r>
+          </a:p>
+          <a:p>
+            <a:endParaRPr lang="en-US" dirty="0" smtClean="0"/>
+          </a:p>
+          <a:p>
+            <a:r>
+              <a:rPr lang="en-US" dirty="0" smtClean="0"/>
+              <a:t>The data we collected informed our design and development process, ensuring that </a:t>
+            </a:r>
+            <a:r>
+              <a:rPr lang="en-US" dirty="0" err="1" smtClean="0"/>
+              <a:t>EventPro</a:t>
+            </a:r>
+            <a:r>
+              <a:rPr lang="en-US" dirty="0" smtClean="0"/>
+              <a:t> addresses the most crucial needs of event planners. Our commitment to user-centric design and functionality is a result of this comprehensive requirement gathering analysis, making </a:t>
+            </a:r>
+            <a:r>
+              <a:rPr lang="en-US" dirty="0" err="1" smtClean="0"/>
+              <a:t>EventPro</a:t>
+            </a:r>
+            <a:r>
+              <a:rPr lang="en-US" dirty="0" smtClean="0"/>
+              <a:t> a practical and effective solution for event organization.</a:t>
+            </a:r>
+            <a:endParaRPr lang="en-US" dirty="0"/>
           </a:p>
         </p:txBody>
       </p:sp>
@@ -6811,8 +6387,8 @@
         </p:nvSpPr>
         <p:spPr>
           <a:xfrm>
-            <a:off x="609600" y="228600"/>
-            <a:ext cx="2133600" cy="461665"/>
+            <a:off x="1600200" y="685800"/>
+            <a:ext cx="5105400" cy="461665"/>
           </a:xfrm>
           <a:prstGeom prst="rect">
             <a:avLst/>
@@ -6827,220 +6403,15 @@
           <a:p>
             <a:r>
               <a:rPr lang="en-US" sz="2400" b="1" dirty="0" smtClean="0"/>
-              <a:t>SRS Overview:</a:t>
-            </a:r>
-          </a:p>
-        </p:txBody>
-      </p:sp>
-      <p:sp>
-        <p:nvSpPr>
-          <p:cNvPr id="4" name="TextBox 3"/>
-          <p:cNvSpPr txBox="1"/>
-          <p:nvPr/>
-        </p:nvSpPr>
-        <p:spPr>
-          <a:xfrm>
-            <a:off x="4876800" y="2043545"/>
-            <a:ext cx="3428999" cy="3139321"/>
-          </a:xfrm>
-          <a:prstGeom prst="rect">
-            <a:avLst/>
-          </a:prstGeom>
-          <a:noFill/>
-        </p:spPr>
-        <p:txBody>
-          <a:bodyPr wrap="square" rtlCol="0">
-            <a:spAutoFit/>
-          </a:bodyPr>
-          <a:lstStyle/>
-          <a:p>
-            <a:r>
-              <a:rPr lang="en-US" b="1" dirty="0" smtClean="0"/>
-              <a:t>Non-Functional Requirements</a:t>
-            </a:r>
-            <a:r>
-              <a:rPr lang="en-US" dirty="0" smtClean="0"/>
-              <a:t>:</a:t>
-            </a:r>
-          </a:p>
-          <a:p>
-            <a:endParaRPr lang="en-US" dirty="0" smtClean="0"/>
-          </a:p>
-          <a:p>
-            <a:r>
-              <a:rPr lang="en-US" dirty="0" smtClean="0"/>
-              <a:t>- User data security and privacy</a:t>
-            </a:r>
-          </a:p>
-          <a:p>
-            <a:r>
-              <a:rPr lang="en-US" dirty="0" smtClean="0"/>
-              <a:t>- High performance and reliability</a:t>
-            </a:r>
-          </a:p>
-          <a:p>
-            <a:r>
-              <a:rPr lang="en-US" dirty="0" smtClean="0"/>
-              <a:t>- Scalability to accommodate various event sizes</a:t>
-            </a:r>
-          </a:p>
-          <a:p>
-            <a:r>
-              <a:rPr lang="en-US" dirty="0" smtClean="0"/>
-              <a:t>- User-friendly and intuitive interface</a:t>
-            </a:r>
-          </a:p>
-          <a:p>
-            <a:r>
-              <a:rPr lang="en-US" dirty="0" smtClean="0"/>
-              <a:t>- Accessibility for a diverse user base</a:t>
-            </a:r>
-          </a:p>
-          <a:p>
-            <a:endParaRPr lang="en-US" dirty="0" smtClean="0"/>
-          </a:p>
-        </p:txBody>
-      </p:sp>
-      <p:sp>
-        <p:nvSpPr>
-          <p:cNvPr id="5" name="TextBox 4"/>
-          <p:cNvSpPr txBox="1"/>
-          <p:nvPr/>
-        </p:nvSpPr>
-        <p:spPr>
-          <a:xfrm>
-            <a:off x="519545" y="2022764"/>
-            <a:ext cx="3429000" cy="3139321"/>
-          </a:xfrm>
-          <a:prstGeom prst="rect">
-            <a:avLst/>
-          </a:prstGeom>
-          <a:noFill/>
-        </p:spPr>
-        <p:txBody>
-          <a:bodyPr wrap="square" rtlCol="0">
-            <a:spAutoFit/>
-          </a:bodyPr>
-          <a:lstStyle/>
-          <a:p>
-            <a:r>
-              <a:rPr lang="en-US" b="1" dirty="0" smtClean="0"/>
-              <a:t>Functional Requirements:</a:t>
-            </a:r>
-          </a:p>
-          <a:p>
-            <a:endParaRPr lang="en-US" dirty="0" smtClean="0"/>
-          </a:p>
-          <a:p>
-            <a:r>
-              <a:rPr lang="en-US" dirty="0" smtClean="0"/>
-              <a:t>- User registration and profile management</a:t>
-            </a:r>
-          </a:p>
-          <a:p>
-            <a:r>
-              <a:rPr lang="en-US" dirty="0" smtClean="0"/>
-              <a:t>- Event creation and customization</a:t>
-            </a:r>
-          </a:p>
-          <a:p>
-            <a:r>
-              <a:rPr lang="en-US" dirty="0" smtClean="0"/>
-              <a:t>- Budget management tools</a:t>
-            </a:r>
-          </a:p>
-          <a:p>
-            <a:r>
-              <a:rPr lang="en-US" dirty="0" smtClean="0"/>
-              <a:t>- Vendor selection and communication features</a:t>
-            </a:r>
-          </a:p>
-          <a:p>
-            <a:r>
-              <a:rPr lang="en-US" dirty="0" smtClean="0"/>
-              <a:t>- Real-time updates and notifications</a:t>
-            </a:r>
-          </a:p>
-          <a:p>
-            <a:r>
-              <a:rPr lang="en-US" dirty="0" smtClean="0"/>
-              <a:t>- Mobile-responsive design</a:t>
-            </a:r>
-          </a:p>
-        </p:txBody>
-      </p:sp>
-      <p:sp>
-        <p:nvSpPr>
-          <p:cNvPr id="6" name="TextBox 5"/>
-          <p:cNvSpPr txBox="1"/>
-          <p:nvPr/>
-        </p:nvSpPr>
-        <p:spPr>
-          <a:xfrm>
-            <a:off x="519545" y="5505986"/>
-            <a:ext cx="8007927" cy="923330"/>
-          </a:xfrm>
-          <a:prstGeom prst="rect">
-            <a:avLst/>
-          </a:prstGeom>
-          <a:noFill/>
-        </p:spPr>
-        <p:txBody>
-          <a:bodyPr wrap="square" rtlCol="0">
-            <a:spAutoFit/>
-          </a:bodyPr>
-          <a:lstStyle/>
-          <a:p>
-            <a:r>
-              <a:rPr lang="en-US" dirty="0" smtClean="0"/>
-              <a:t>The SRS is the foundation upon which </a:t>
-            </a:r>
-            <a:r>
-              <a:rPr lang="en-US" dirty="0" err="1" smtClean="0"/>
-              <a:t>EventPro</a:t>
-            </a:r>
-            <a:r>
-              <a:rPr lang="en-US" dirty="0" smtClean="0"/>
-              <a:t> is built. It ensures that our platform meets the needs of event organizers and attendees, providing a secure, efficient, and user-friendly experience for all.</a:t>
-            </a:r>
-            <a:endParaRPr lang="en-US" dirty="0"/>
-          </a:p>
-        </p:txBody>
-      </p:sp>
-      <p:cxnSp>
-        <p:nvCxnSpPr>
-          <p:cNvPr id="8" name="Straight Connector 7"/>
-          <p:cNvCxnSpPr/>
-          <p:nvPr/>
-        </p:nvCxnSpPr>
-        <p:spPr>
-          <a:xfrm>
-            <a:off x="4267200" y="1685330"/>
-            <a:ext cx="0" cy="3496270"/>
-          </a:xfrm>
-          <a:prstGeom prst="line">
-            <a:avLst/>
-          </a:prstGeom>
-        </p:spPr>
-        <p:style>
-          <a:lnRef idx="1">
-            <a:schemeClr val="accent1"/>
-          </a:lnRef>
-          <a:fillRef idx="0">
-            <a:schemeClr val="accent1"/>
-          </a:fillRef>
-          <a:effectRef idx="0">
-            <a:schemeClr val="accent1"/>
-          </a:effectRef>
-          <a:fontRef idx="minor">
-            <a:schemeClr val="tx1"/>
-          </a:fontRef>
-        </p:style>
-      </p:cxnSp>
+              <a:t>Requirement Gathering Analysis:</a:t>
+            </a:r>
+          </a:p>
+        </p:txBody>
+      </p:sp>
     </p:spTree>
     <p:extLst>
       <p:ext uri="{BB962C8B-B14F-4D97-AF65-F5344CB8AC3E}">
-        <p14:creationId xmlns:p14="http://schemas.microsoft.com/office/powerpoint/2010/main" val="3127682762"/>
+        <p14:creationId xmlns="" xmlns:p14="http://schemas.microsoft.com/office/powerpoint/2010/main" val="1407686197"/>
       </p:ext>
     </p:extLst>
   </p:cSld>
@@ -7082,8 +6453,8 @@
         </p:nvSpPr>
         <p:spPr>
           <a:xfrm>
-            <a:off x="304800" y="152400"/>
-            <a:ext cx="8534400" cy="6278642"/>
+            <a:off x="540327" y="762000"/>
+            <a:ext cx="8229600" cy="923330"/>
           </a:xfrm>
           <a:prstGeom prst="rect">
             <a:avLst/>
@@ -7097,14 +6468,8 @@
           <a:lstStyle/>
           <a:p>
             <a:r>
-              <a:rPr lang="en-US" sz="2400" b="1" dirty="0" smtClean="0"/>
-              <a:t>Feasibility Analysis:</a:t>
-            </a:r>
-          </a:p>
-          <a:p>
-            <a:r>
-              <a:rPr lang="en-US" dirty="0" smtClean="0"/>
-              <a:t>Before embarking on the development of </a:t>
+              <a:rPr lang="en-US" dirty="0" smtClean="0"/>
+              <a:t>The Software Requirements Specification (SRS) for </a:t>
             </a:r>
             <a:r>
               <a:rPr lang="en-US" dirty="0" err="1" smtClean="0"/>
@@ -7112,7 +6477,69 @@
             </a:r>
             <a:r>
               <a:rPr lang="en-US" dirty="0" smtClean="0"/>
-              <a:t>, we conducted a comprehensive feasibility study to assess both technical and economic viability.</a:t>
+              <a:t> serves as the blueprint for our platform. It outlines the functional and non-functional requirements that drive its development.</a:t>
+            </a:r>
+          </a:p>
+        </p:txBody>
+      </p:sp>
+      <p:sp>
+        <p:nvSpPr>
+          <p:cNvPr id="3" name="TextBox 2"/>
+          <p:cNvSpPr txBox="1"/>
+          <p:nvPr/>
+        </p:nvSpPr>
+        <p:spPr>
+          <a:xfrm>
+            <a:off x="609600" y="228600"/>
+            <a:ext cx="2133600" cy="461665"/>
+          </a:xfrm>
+          <a:prstGeom prst="rect">
+            <a:avLst/>
+          </a:prstGeom>
+          <a:noFill/>
+        </p:spPr>
+        <p:txBody>
+          <a:bodyPr wrap="square" rtlCol="0">
+            <a:spAutoFit/>
+          </a:bodyPr>
+          <a:lstStyle/>
+          <a:p>
+            <a:r>
+              <a:rPr lang="en-US" sz="2400" b="1" dirty="0" smtClean="0"/>
+              <a:t>SRS Overview:</a:t>
+            </a:r>
+          </a:p>
+        </p:txBody>
+      </p:sp>
+      <p:sp>
+        <p:nvSpPr>
+          <p:cNvPr id="4" name="TextBox 3"/>
+          <p:cNvSpPr txBox="1"/>
+          <p:nvPr/>
+        </p:nvSpPr>
+        <p:spPr>
+          <a:xfrm>
+            <a:off x="4876800" y="2043545"/>
+            <a:ext cx="3428999" cy="3139321"/>
+          </a:xfrm>
+          <a:prstGeom prst="rect">
+            <a:avLst/>
+          </a:prstGeom>
+          <a:noFill/>
+        </p:spPr>
+        <p:txBody>
+          <a:bodyPr wrap="square" rtlCol="0">
+            <a:spAutoFit/>
+          </a:bodyPr>
+          <a:lstStyle/>
+          <a:p>
+            <a:r>
+              <a:rPr lang="en-US" b="1" dirty="0" smtClean="0"/>
+              <a:t>Non-Functional Requirements</a:t>
+            </a:r>
+            <a:r>
+              <a:rPr lang="en-US" dirty="0" smtClean="0"/>
+              <a:t>:</a:t>
             </a:r>
           </a:p>
           <a:p>
@@ -7120,26 +6547,64 @@
           </a:p>
           <a:p>
             <a:r>
+              <a:rPr lang="en-US" dirty="0" smtClean="0"/>
+              <a:t>- User data security and privacy</a:t>
+            </a:r>
+          </a:p>
+          <a:p>
+            <a:r>
+              <a:rPr lang="en-US" dirty="0" smtClean="0"/>
+              <a:t>- High performance and reliability</a:t>
+            </a:r>
+          </a:p>
+          <a:p>
+            <a:r>
+              <a:rPr lang="en-US" dirty="0" smtClean="0"/>
+              <a:t>- Scalability to accommodate various event sizes</a:t>
+            </a:r>
+          </a:p>
+          <a:p>
+            <a:r>
+              <a:rPr lang="en-US" dirty="0" smtClean="0"/>
+              <a:t>- User-friendly and intuitive interface</a:t>
+            </a:r>
+          </a:p>
+          <a:p>
+            <a:r>
+              <a:rPr lang="en-US" dirty="0" smtClean="0"/>
+              <a:t>- Accessibility for a diverse user base</a:t>
+            </a:r>
+          </a:p>
+          <a:p>
+            <a:endParaRPr lang="en-US" dirty="0" smtClean="0"/>
+          </a:p>
+        </p:txBody>
+      </p:sp>
+      <p:sp>
+        <p:nvSpPr>
+          <p:cNvPr id="5" name="TextBox 4"/>
+          <p:cNvSpPr txBox="1"/>
+          <p:nvPr/>
+        </p:nvSpPr>
+        <p:spPr>
+          <a:xfrm>
+            <a:off x="519545" y="2022764"/>
+            <a:ext cx="3429000" cy="3139321"/>
+          </a:xfrm>
+          <a:prstGeom prst="rect">
+            <a:avLst/>
+          </a:prstGeom>
+          <a:noFill/>
+        </p:spPr>
+        <p:txBody>
+          <a:bodyPr wrap="square" rtlCol="0">
+            <a:spAutoFit/>
+          </a:bodyPr>
+          <a:lstStyle/>
+          <a:p>
+            <a:r>
               <a:rPr lang="en-US" b="1" dirty="0" smtClean="0"/>
-              <a:t>Technical Feasibility:</a:t>
-            </a:r>
-          </a:p>
-          <a:p>
-            <a:r>
-              <a:rPr lang="en-US" dirty="0" smtClean="0"/>
-              <a:t>- Our team possesses the necessary technical expertise and skills.</a:t>
-            </a:r>
-          </a:p>
-          <a:p>
-            <a:r>
-              <a:rPr lang="en-US" dirty="0" smtClean="0"/>
-              <a:t>- The technologies we employ, HTML, CSS, and JavaScript, are well-established and widely supported.</a:t>
-            </a:r>
-          </a:p>
-          <a:p>
-            <a:r>
-              <a:rPr lang="en-US" dirty="0" smtClean="0"/>
-              <a:t>- The infrastructure required for web hosting and database management is readily available and cost-effective.</a:t>
+              <a:t>Functional Requirements:</a:t>
             </a:r>
           </a:p>
           <a:p>
@@ -7147,14 +6612,67 @@
           </a:p>
           <a:p>
             <a:r>
-              <a:rPr lang="en-US" b="1" dirty="0" smtClean="0"/>
-              <a:t>Economic Feasibility:</a:t>
-            </a:r>
-          </a:p>
-          <a:p>
-            <a:r>
-              <a:rPr lang="en-US" dirty="0" smtClean="0"/>
-              <a:t>- </a:t>
+              <a:rPr lang="en-US" dirty="0" smtClean="0"/>
+              <a:t>- User registration and profile management</a:t>
+            </a:r>
+          </a:p>
+          <a:p>
+            <a:r>
+              <a:rPr lang="en-US" dirty="0" smtClean="0"/>
+              <a:t>- Event creation and customization</a:t>
+            </a:r>
+          </a:p>
+          <a:p>
+            <a:r>
+              <a:rPr lang="en-US" dirty="0" smtClean="0"/>
+              <a:t>- Budget management tools</a:t>
+            </a:r>
+          </a:p>
+          <a:p>
+            <a:r>
+              <a:rPr lang="en-US" dirty="0" smtClean="0"/>
+              <a:t>- Vendor selection and communication features</a:t>
+            </a:r>
+          </a:p>
+          <a:p>
+            <a:r>
+              <a:rPr lang="en-US" dirty="0" smtClean="0"/>
+              <a:t>- Real-time updates and notifications</a:t>
+            </a:r>
+          </a:p>
+          <a:p>
+            <a:r>
+              <a:rPr lang="en-US" dirty="0" smtClean="0"/>
+              <a:t>- Mobile-responsive design</a:t>
+            </a:r>
+          </a:p>
+        </p:txBody>
+      </p:sp>
+      <p:sp>
+        <p:nvSpPr>
+          <p:cNvPr id="6" name="TextBox 5"/>
+          <p:cNvSpPr txBox="1"/>
+          <p:nvPr/>
+        </p:nvSpPr>
+        <p:spPr>
+          <a:xfrm>
+            <a:off x="519545" y="5505986"/>
+            <a:ext cx="8007927" cy="923330"/>
+          </a:xfrm>
+          <a:prstGeom prst="rect">
+            <a:avLst/>
+          </a:prstGeom>
+          <a:noFill/>
+        </p:spPr>
+        <p:txBody>
+          <a:bodyPr wrap="square" rtlCol="0">
+            <a:spAutoFit/>
+          </a:bodyPr>
+          <a:lstStyle/>
+          <a:p>
+            <a:r>
+              <a:rPr lang="en-US" dirty="0" smtClean="0"/>
+              <a:t>The SRS is the foundation upon which </a:t>
             </a:r>
             <a:r>
               <a:rPr lang="en-US" dirty="0" err="1" smtClean="0"/>
@@ -7162,45 +6680,46 @@
             </a:r>
             <a:r>
               <a:rPr lang="en-US" dirty="0" smtClean="0"/>
-              <a:t> offers a cost-effective solution for event planning, reducing the need for expensive event management services.</a:t>
-            </a:r>
-          </a:p>
-          <a:p>
-            <a:r>
-              <a:rPr lang="en-US" dirty="0" smtClean="0"/>
-              <a:t>- We evaluated development and maintenance costs, ensuring the project remains financially sustainable.</a:t>
-            </a:r>
-          </a:p>
-          <a:p>
-            <a:r>
-              <a:rPr lang="en-US" dirty="0" smtClean="0"/>
-              <a:t>- Through market research, we identified a demand for an affordable, user-friendly event planning platform.</a:t>
-            </a:r>
-          </a:p>
-          <a:p>
-            <a:endParaRPr lang="en-US" dirty="0" smtClean="0"/>
-          </a:p>
-          <a:p>
-            <a:r>
-              <a:rPr lang="en-US" dirty="0" smtClean="0"/>
-              <a:t>The results of our feasibility analysis confirmed that </a:t>
-            </a:r>
-            <a:r>
-              <a:rPr lang="en-US" dirty="0" err="1" smtClean="0"/>
-              <a:t>EventPro</a:t>
-            </a:r>
-            <a:r>
-              <a:rPr lang="en-US" dirty="0" smtClean="0"/>
-              <a:t> is both technically and economically viable, assuring a reliable and budget-friendly solution for event organization.</a:t>
+              <a:t> is built. It ensures that our platform meets the needs of event organizers and attendees, providing a secure, efficient, and user-friendly experience for all.</a:t>
             </a:r>
             <a:endParaRPr lang="en-US" dirty="0"/>
           </a:p>
         </p:txBody>
       </p:sp>
+      <p:cxnSp>
+        <p:nvCxnSpPr>
+          <p:cNvPr id="8" name="Straight Connector 7"/>
+          <p:cNvCxnSpPr/>
+          <p:nvPr/>
+        </p:nvCxnSpPr>
+        <p:spPr>
+          <a:xfrm>
+            <a:off x="4267200" y="1685330"/>
+            <a:ext cx="0" cy="3496270"/>
+          </a:xfrm>
+          <a:prstGeom prst="line">
+            <a:avLst/>
+          </a:prstGeom>
+        </p:spPr>
+        <p:style>
+          <a:lnRef idx="1">
+            <a:schemeClr val="accent1"/>
+          </a:lnRef>
+          <a:fillRef idx="0">
+            <a:schemeClr val="accent1"/>
+          </a:fillRef>
+          <a:effectRef idx="0">
+            <a:schemeClr val="accent1"/>
+          </a:effectRef>
+          <a:fontRef idx="minor">
+            <a:schemeClr val="tx1"/>
+          </a:fontRef>
+        </p:style>
+      </p:cxnSp>
     </p:spTree>
     <p:extLst>
       <p:ext uri="{BB962C8B-B14F-4D97-AF65-F5344CB8AC3E}">
-        <p14:creationId xmlns:p14="http://schemas.microsoft.com/office/powerpoint/2010/main" val="3970211863"/>
+        <p14:creationId xmlns="" xmlns:p14="http://schemas.microsoft.com/office/powerpoint/2010/main" val="3127682762"/>
       </p:ext>
     </p:extLst>
   </p:cSld>
@@ -7218,60 +6737,92 @@
 </file>
 
 <file path=ppt/theme/theme1.xml><?xml version="1.0" encoding="utf-8"?>
-<a:theme xmlns:a="http://schemas.openxmlformats.org/drawingml/2006/main" name="BlackTie">
+<a:theme xmlns:a="http://schemas.openxmlformats.org/drawingml/2006/main" name="Office Theme">
   <a:themeElements>
-    <a:clrScheme name="BlackTie">
+    <a:clrScheme name="Office">
       <a:dk1>
-        <a:srgbClr val="000000"/>
+        <a:sysClr val="windowText" lastClr="000000"/>
       </a:dk1>
       <a:lt1>
-        <a:srgbClr val="FFFFFF"/>
+        <a:sysClr val="window" lastClr="FFFFFF"/>
       </a:lt1>
       <a:dk2>
-        <a:srgbClr val="46464A"/>
+        <a:srgbClr val="1F497D"/>
       </a:dk2>
       <a:lt2>
-        <a:srgbClr val="E3DCCF"/>
+        <a:srgbClr val="EEECE1"/>
       </a:lt2>
       <a:accent1>
-        <a:srgbClr val="6F6F74"/>
+        <a:srgbClr val="4F81BD"/>
       </a:accent1>
       <a:accent2>
-        <a:srgbClr val="A7B789"/>
+        <a:srgbClr val="C0504D"/>
       </a:accent2>
       <a:accent3>
-        <a:srgbClr val="BEAE98"/>
+        <a:srgbClr val="9BBB59"/>
       </a:accent3>
       <a:accent4>
-        <a:srgbClr val="92A9B9"/>
+        <a:srgbClr val="8064A2"/>
       </a:accent4>
       <a:accent5>
-        <a:srgbClr val="9C8265"/>
+        <a:srgbClr val="4BACC6"/>
       </a:accent5>
       <a:accent6>
-        <a:srgbClr val="8D6974"/>
+        <a:srgbClr val="F79646"/>
       </a:accent6>
       <a:hlink>
-        <a:srgbClr val="67AABF"/>
+        <a:srgbClr val="0000FF"/>
       </a:hlink>
       <a:folHlink>
-        <a:srgbClr val="B1B5AB"/>
+        <a:srgbClr val="800080"/>
       </a:folHlink>
     </a:clrScheme>
-    <a:fontScheme name="BlackTie">
+    <a:fontScheme name="Office">
       <a:majorFont>
-        <a:latin typeface="Garamond"/>
+        <a:latin typeface="Calibri"/>
         <a:ea typeface=""/>
         <a:cs typeface=""/>
-        <a:font script="Grek" typeface="Constantia"/>
-        <a:font script="Cyrl" typeface="Constantia"/>
-        <a:font script="Jpan" typeface="ＭＳ Ｐ明朝"/>
-        <a:font script="Hang" typeface="궁서"/>
-        <a:font script="Hans" typeface="仿宋"/>
-        <a:font script="Hant" typeface="標楷體"/>
+        <a:font script="Jpan" typeface="ＭＳ Ｐゴシック"/>
+        <a:font script="Hang" typeface="맑은 고딕"/>
+        <a:font script="Hans" typeface="宋体"/>
+        <a:font script="Hant" typeface="新細明體"/>
         <a:font script="Arab" typeface="Times New Roman"/>
         <a:font script="Hebr" typeface="Times New Roman"/>
         <a:font script="Thai" typeface="Angsana New"/>
+        <a:font script="Ethi" typeface="Nyala"/>
+        <a:font script="Beng" typeface="Vrinda"/>
+        <a:font script="Gujr" typeface="Shruti"/>
+        <a:font script="Khmr" typeface="MoolBoran"/>
+        <a:font script="Knda" typeface="Tunga"/>
+        <a:font script="Guru" typeface="Raavi"/>
+        <a:font script="Cans" typeface="Euphemia"/>
+        <a:font script="Cher" typeface="Plantagenet Cherokee"/>
+        <a:font script="Yiii" typeface="Microsoft Yi Baiti"/>
+        <a:font script="Tibt" typeface="Microsoft Himalaya"/>
+        <a:font script="Thaa" typeface="MV Boli"/>
+        <a:font script="Deva" typeface="Mangal"/>
+        <a:font script="Telu" typeface="Gautami"/>
+        <a:font script="Taml" typeface="Latha"/>
+        <a:font script="Syrc" typeface="Estrangelo Edessa"/>
+        <a:font script="Orya" typeface="Kalinga"/>
+        <a:font script="Mlym" typeface="Kartika"/>
+        <a:font script="Laoo" typeface="DokChampa"/>
+        <a:font script="Sinh" typeface="Iskoola Pota"/>
+        <a:font script="Mong" typeface="Mongolian Baiti"/>
+        <a:font script="Viet" typeface="Times New Roman"/>
+        <a:font script="Uigh" typeface="Microsoft Uighur"/>
+      </a:majorFont>
+      <a:minorFont>
+        <a:latin typeface="Calibri"/>
+        <a:ea typeface=""/>
+        <a:cs typeface=""/>
+        <a:font script="Jpan" typeface="ＭＳ Ｐゴシック"/>
+        <a:font script="Hang" typeface="맑은 고딕"/>
+        <a:font script="Hans" typeface="宋体"/>
+        <a:font script="Hant" typeface="新細明體"/>
+        <a:font script="Arab" typeface="Arial"/>
+        <a:font script="Hebr" typeface="Arial"/>
+        <a:font script="Thai" typeface="Cordia New"/>
         <a:font script="Ethi" typeface="Nyala"/>
         <a:font script="Beng" typeface="Vrinda"/>
         <a:font script="Gujr" typeface="Shruti"/>
@@ -7292,49 +6843,11 @@
         <a:font script="Laoo" typeface="DokChampa"/>
         <a:font script="Sinh" typeface="Iskoola Pota"/>
         <a:font script="Mong" typeface="Mongolian Baiti"/>
-        <a:font script="Viet" typeface="Times New Roman"/>
+        <a:font script="Viet" typeface="Arial"/>
         <a:font script="Uigh" typeface="Microsoft Uighur"/>
-        <a:font script="Geor" typeface="Sylfaen"/>
-      </a:majorFont>
-      <a:minorFont>
-        <a:latin typeface="Garamond"/>
-        <a:ea typeface=""/>
-        <a:cs typeface=""/>
-        <a:font script="Grek" typeface="Constantia"/>
-        <a:font script="Cyrl" typeface="Constantia"/>
-        <a:font script="Jpan" typeface="ＭＳ Ｐ明朝"/>
-        <a:font script="Hang" typeface="궁서"/>
-        <a:font script="Hans" typeface="仿宋"/>
-        <a:font script="Hant" typeface="標楷體"/>
-        <a:font script="Arab" typeface="Times New Roman"/>
-        <a:font script="Hebr" typeface="Times New Roman"/>
-        <a:font script="Thai" typeface="Angsana New"/>
-        <a:font script="Ethi" typeface="Nyala"/>
-        <a:font script="Beng" typeface="Vrinda"/>
-        <a:font script="Gujr" typeface="Shruti"/>
-        <a:font script="Khmr" typeface="DaunPenh"/>
-        <a:font script="Knda" typeface="Tunga"/>
-        <a:font script="Guru" typeface="Raavi"/>
-        <a:font script="Cans" typeface="Euphemia"/>
-        <a:font script="Cher" typeface="Plantagenet Cherokee"/>
-        <a:font script="Yiii" typeface="Microsoft Yi Baiti"/>
-        <a:font script="Tibt" typeface="Microsoft Himalaya"/>
-        <a:font script="Thaa" typeface="MV Boli"/>
-        <a:font script="Deva" typeface="Mangal"/>
-        <a:font script="Telu" typeface="Gautami"/>
-        <a:font script="Taml" typeface="Latha"/>
-        <a:font script="Syrc" typeface="Estrangelo Edessa"/>
-        <a:font script="Orya" typeface="Kalinga"/>
-        <a:font script="Mlym" typeface="Kartika"/>
-        <a:font script="Laoo" typeface="DokChampa"/>
-        <a:font script="Sinh" typeface="Iskoola Pota"/>
-        <a:font script="Mong" typeface="Mongolian Baiti"/>
-        <a:font script="Viet" typeface="Times New Roman"/>
-        <a:font script="Uigh" typeface="Microsoft Uighur"/>
-        <a:font script="Geor" typeface="Sylfaen"/>
       </a:minorFont>
     </a:fontScheme>
-    <a:fmtScheme name="BlackTie">
+    <a:fmtScheme name="Office">
       <a:fillStyleLst>
         <a:solidFill>
           <a:schemeClr val="phClr"/>
@@ -7343,99 +6856,66 @@
           <a:gsLst>
             <a:gs pos="0">
               <a:schemeClr val="phClr">
-                <a:tint val="45000"/>
-                <a:satMod val="220000"/>
+                <a:tint val="50000"/>
+                <a:satMod val="300000"/>
               </a:schemeClr>
             </a:gs>
-            <a:gs pos="30000">
+            <a:gs pos="35000">
               <a:schemeClr val="phClr">
-                <a:tint val="61000"/>
-                <a:satMod val="220000"/>
-              </a:schemeClr>
-            </a:gs>
-            <a:gs pos="45000">
-              <a:schemeClr val="phClr">
-                <a:tint val="66000"/>
-                <a:satMod val="240000"/>
-              </a:schemeClr>
-            </a:gs>
-            <a:gs pos="55000">
-              <a:schemeClr val="phClr">
-                <a:tint val="66000"/>
-                <a:satMod val="220000"/>
-              </a:schemeClr>
-            </a:gs>
-            <a:gs pos="73000">
-              <a:schemeClr val="phClr">
-                <a:tint val="61000"/>
-                <a:satMod val="220000"/>
+                <a:tint val="37000"/>
+                <a:satMod val="300000"/>
               </a:schemeClr>
             </a:gs>
             <a:gs pos="100000">
               <a:schemeClr val="phClr">
-                <a:tint val="45000"/>
-                <a:satMod val="220000"/>
+                <a:tint val="15000"/>
+                <a:satMod val="350000"/>
               </a:schemeClr>
             </a:gs>
           </a:gsLst>
-          <a:lin ang="950000" scaled="1"/>
+          <a:lin ang="16200000" scaled="1"/>
         </a:gradFill>
         <a:gradFill rotWithShape="1">
           <a:gsLst>
             <a:gs pos="0">
               <a:schemeClr val="phClr">
-                <a:shade val="63000"/>
-                <a:satMod val="110000"/>
+                <a:shade val="51000"/>
+                <a:satMod val="130000"/>
               </a:schemeClr>
             </a:gs>
-            <a:gs pos="30000">
+            <a:gs pos="80000">
               <a:schemeClr val="phClr">
-                <a:shade val="90000"/>
-                <a:satMod val="120000"/>
-              </a:schemeClr>
-            </a:gs>
-            <a:gs pos="45000">
-              <a:schemeClr val="phClr">
-                <a:shade val="100000"/>
-                <a:satMod val="128000"/>
-              </a:schemeClr>
-            </a:gs>
-            <a:gs pos="55000">
-              <a:schemeClr val="phClr">
-                <a:shade val="100000"/>
-                <a:satMod val="128000"/>
-              </a:schemeClr>
-            </a:gs>
-            <a:gs pos="73000">
-              <a:schemeClr val="phClr">
-                <a:shade val="90000"/>
-                <a:satMod val="120000"/>
+                <a:shade val="93000"/>
+                <a:satMod val="130000"/>
               </a:schemeClr>
             </a:gs>
             <a:gs pos="100000">
               <a:schemeClr val="phClr">
-                <a:shade val="63000"/>
-                <a:satMod val="110000"/>
+                <a:shade val="94000"/>
+                <a:satMod val="135000"/>
               </a:schemeClr>
             </a:gs>
           </a:gsLst>
-          <a:lin ang="950000" scaled="1"/>
+          <a:lin ang="16200000" scaled="0"/>
         </a:gradFill>
       </a:fillStyleLst>
       <a:lnStyleLst>
         <a:ln w="9525" cap="flat" cmpd="sng" algn="ctr">
           <a:solidFill>
-            <a:schemeClr val="phClr"/>
+            <a:schemeClr val="phClr">
+              <a:shade val="95000"/>
+              <a:satMod val="105000"/>
+            </a:schemeClr>
           </a:solidFill>
           <a:prstDash val="solid"/>
         </a:ln>
-        <a:ln w="19050" cap="flat" cmpd="sng" algn="ctr">
+        <a:ln w="25400" cap="flat" cmpd="sng" algn="ctr">
           <a:solidFill>
             <a:schemeClr val="phClr"/>
           </a:solidFill>
           <a:prstDash val="solid"/>
         </a:ln>
-        <a:ln w="53975" cap="flat" cmpd="dbl" algn="ctr">
+        <a:ln w="38100" cap="flat" cmpd="sng" algn="ctr">
           <a:solidFill>
             <a:schemeClr val="phClr"/>
           </a:solidFill>
@@ -7445,27 +6925,27 @@
       <a:effectStyleLst>
         <a:effectStyle>
           <a:effectLst>
-            <a:outerShdw blurRad="38100" dist="25400" dir="5400000" rotWithShape="0">
+            <a:outerShdw blurRad="40000" dist="20000" dir="5400000" rotWithShape="0">
               <a:srgbClr val="000000">
-                <a:alpha val="40000"/>
+                <a:alpha val="38000"/>
               </a:srgbClr>
             </a:outerShdw>
           </a:effectLst>
         </a:effectStyle>
         <a:effectStyle>
           <a:effectLst>
-            <a:outerShdw blurRad="50800" dist="41909" dir="5400000" rotWithShape="0">
+            <a:outerShdw blurRad="40000" dist="23000" dir="5400000" rotWithShape="0">
               <a:srgbClr val="000000">
-                <a:alpha val="40000"/>
+                <a:alpha val="35000"/>
               </a:srgbClr>
             </a:outerShdw>
           </a:effectLst>
         </a:effectStyle>
         <a:effectStyle>
           <a:effectLst>
-            <a:outerShdw blurRad="57150" dist="38100" dir="5400000" algn="br" rotWithShape="0">
+            <a:outerShdw blurRad="40000" dist="23000" dir="5400000" rotWithShape="0">
               <a:srgbClr val="000000">
-                <a:alpha val="57000"/>
+                <a:alpha val="35000"/>
               </a:srgbClr>
             </a:outerShdw>
           </a:effectLst>
@@ -7473,12 +6953,12 @@
             <a:camera prst="orthographicFront">
               <a:rot lat="0" lon="0" rev="0"/>
             </a:camera>
-            <a:lightRig rig="twoPt" dir="t">
-              <a:rot lat="0" lon="0" rev="1800000"/>
+            <a:lightRig rig="threePt" dir="t">
+              <a:rot lat="0" lon="0" rev="1200000"/>
             </a:lightRig>
           </a:scene3d>
           <a:sp3d>
-            <a:bevelT w="44450" h="31750" prst="coolSlant"/>
+            <a:bevelT w="63500" h="25400"/>
           </a:sp3d>
         </a:effectStyle>
       </a:effectStyleLst>
@@ -7486,19 +6966,6 @@
         <a:solidFill>
           <a:schemeClr val="phClr"/>
         </a:solidFill>
-        <a:blipFill rotWithShape="1">
-          <a:blip xmlns:r="http://schemas.openxmlformats.org/officeDocument/2006/relationships" r:embed="rId1">
-            <a:duotone>
-              <a:schemeClr val="phClr">
-                <a:tint val="95000"/>
-              </a:schemeClr>
-              <a:schemeClr val="phClr">
-                <a:shade val="20000"/>
-              </a:schemeClr>
-            </a:duotone>
-          </a:blip>
-          <a:stretch/>
-        </a:blipFill>
         <a:gradFill rotWithShape="1">
           <a:gsLst>
             <a:gs pos="0">
@@ -7516,13 +6983,32 @@
             </a:gs>
             <a:gs pos="100000">
               <a:schemeClr val="phClr">
-                <a:shade val="30000"/>
+                <a:shade val="20000"/>
                 <a:satMod val="255000"/>
               </a:schemeClr>
             </a:gs>
           </a:gsLst>
           <a:path path="circle">
             <a:fillToRect l="50000" t="-80000" r="50000" b="180000"/>
+          </a:path>
+        </a:gradFill>
+        <a:gradFill rotWithShape="1">
+          <a:gsLst>
+            <a:gs pos="0">
+              <a:schemeClr val="phClr">
+                <a:tint val="80000"/>
+                <a:satMod val="300000"/>
+              </a:schemeClr>
+            </a:gs>
+            <a:gs pos="100000">
+              <a:schemeClr val="phClr">
+                <a:shade val="30000"/>
+                <a:satMod val="200000"/>
+              </a:schemeClr>
+            </a:gs>
+          </a:gsLst>
+          <a:path path="circle">
+            <a:fillToRect l="50000" t="50000" r="50000" b="50000"/>
           </a:path>
         </a:gradFill>
       </a:bgFillStyleLst>
